--- a/images/elements/OW-Abstract Architecture Diagram.pptx
+++ b/images/elements/OW-Abstract Architecture Diagram.pptx
@@ -5,10 +5,11 @@
     <p:sldMasterId id="2147483667" r:id="rId1"/>
   </p:sldMasterIdLst>
   <p:notesMasterIdLst>
-    <p:notesMasterId r:id="rId3"/>
+    <p:notesMasterId r:id="rId4"/>
   </p:notesMasterIdLst>
   <p:sldIdLst>
-    <p:sldId id="307" r:id="rId2"/>
+    <p:sldId id="311" r:id="rId2"/>
+    <p:sldId id="313" r:id="rId3"/>
   </p:sldIdLst>
   <p:sldSz cx="12192000" cy="6858000"/>
   <p:notesSz cx="6858000" cy="9144000"/>
@@ -197,7 +198,7 @@
           <a:p>
             <a:fld id="{B7E7AA13-03CD-450D-9E48-9B034CD4C43D}" type="datetimeFigureOut">
               <a:rPr lang="en-US" smtClean="0"/>
-              <a:t>7/16/18</a:t>
+              <a:t>8/10/18</a:t>
             </a:fld>
             <a:endParaRPr lang="en-US"/>
           </a:p>
@@ -569,7 +570,122 @@
     </p:spTree>
     <p:extLst>
       <p:ext uri="{BB962C8B-B14F-4D97-AF65-F5344CB8AC3E}">
-        <p14:creationId xmlns:p14="http://schemas.microsoft.com/office/powerpoint/2010/main" val="1238250163"/>
+        <p14:creationId xmlns:p14="http://schemas.microsoft.com/office/powerpoint/2010/main" val="494367422"/>
+      </p:ext>
+    </p:extLst>
+  </p:cSld>
+  <p:clrMapOvr>
+    <a:masterClrMapping/>
+  </p:clrMapOvr>
+</p:notes>
+</file>
+
+<file path=ppt/notesSlides/notesSlide2.xml><?xml version="1.0" encoding="utf-8"?>
+<p:notes xmlns:a="http://schemas.openxmlformats.org/drawingml/2006/main" xmlns:r="http://schemas.openxmlformats.org/officeDocument/2006/relationships" xmlns:p="http://schemas.openxmlformats.org/presentationml/2006/main">
+  <p:cSld>
+    <p:spTree>
+      <p:nvGrpSpPr>
+        <p:cNvPr id="1" name=""/>
+        <p:cNvGrpSpPr/>
+        <p:nvPr/>
+      </p:nvGrpSpPr>
+      <p:grpSpPr>
+        <a:xfrm>
+          <a:off x="0" y="0"/>
+          <a:ext cx="0" cy="0"/>
+          <a:chOff x="0" y="0"/>
+          <a:chExt cx="0" cy="0"/>
+        </a:xfrm>
+      </p:grpSpPr>
+      <p:sp>
+        <p:nvSpPr>
+          <p:cNvPr id="2" name="Slide Image Placeholder 1"/>
+          <p:cNvSpPr>
+            <a:spLocks noGrp="1" noRot="1" noChangeAspect="1"/>
+          </p:cNvSpPr>
+          <p:nvPr>
+            <p:ph type="sldImg"/>
+          </p:nvPr>
+        </p:nvSpPr>
+        <p:spPr/>
+      </p:sp>
+      <p:sp>
+        <p:nvSpPr>
+          <p:cNvPr id="3" name="Notes Placeholder 2"/>
+          <p:cNvSpPr>
+            <a:spLocks noGrp="1"/>
+          </p:cNvSpPr>
+          <p:nvPr>
+            <p:ph type="body" idx="1"/>
+          </p:nvPr>
+        </p:nvSpPr>
+        <p:spPr/>
+        <p:txBody>
+          <a:bodyPr/>
+          <a:lstStyle/>
+          <a:p>
+            <a:pPr marL="0" marR="0" indent="0" algn="l" defTabSz="914400" rtl="0" eaLnBrk="1" fontAlgn="auto" latinLnBrk="0" hangingPunct="1">
+              <a:lnSpc>
+                <a:spcPct val="100000"/>
+              </a:lnSpc>
+              <a:spcBef>
+                <a:spcPts val="0"/>
+              </a:spcBef>
+              <a:spcAft>
+                <a:spcPts val="0"/>
+              </a:spcAft>
+              <a:buClrTx/>
+              <a:buSzTx/>
+              <a:buFontTx/>
+              <a:buNone/>
+              <a:tabLst/>
+              <a:defRPr/>
+            </a:pPr>
+            <a:r>
+              <a:rPr lang="en-US" smtClean="0"/>
+              <a:t>Optimal</a:t>
+            </a:r>
+            <a:r>
+              <a:rPr lang="en-US" baseline="0" smtClean="0"/>
+              <a:t> target size = </a:t>
+            </a:r>
+            <a:r>
+              <a:rPr lang="en-US" smtClean="0"/>
+              <a:t>1.89 x 5.11 “</a:t>
+            </a:r>
+          </a:p>
+          <a:p>
+            <a:endParaRPr lang="en-US" baseline="0" dirty="0" smtClean="0"/>
+          </a:p>
+        </p:txBody>
+      </p:sp>
+      <p:sp>
+        <p:nvSpPr>
+          <p:cNvPr id="4" name="Slide Number Placeholder 3"/>
+          <p:cNvSpPr>
+            <a:spLocks noGrp="1"/>
+          </p:cNvSpPr>
+          <p:nvPr>
+            <p:ph type="sldNum" sz="quarter" idx="10"/>
+          </p:nvPr>
+        </p:nvSpPr>
+        <p:spPr/>
+        <p:txBody>
+          <a:bodyPr/>
+          <a:lstStyle/>
+          <a:p>
+            <a:fld id="{00C4F328-7E0F-40F0-A177-7FDDF86C9511}" type="slidenum">
+              <a:rPr lang="en-US" smtClean="0"/>
+              <a:t>2</a:t>
+            </a:fld>
+            <a:endParaRPr lang="en-US"/>
+          </a:p>
+        </p:txBody>
+      </p:sp>
+    </p:spTree>
+    <p:extLst>
+      <p:ext uri="{BB962C8B-B14F-4D97-AF65-F5344CB8AC3E}">
+        <p14:creationId xmlns:p14="http://schemas.microsoft.com/office/powerpoint/2010/main" val="312341427"/>
       </p:ext>
     </p:extLst>
   </p:cSld>
@@ -1825,14 +1941,14 @@
           <p:cNvPr id="615" name="Elbow Connector 614"/>
           <p:cNvCxnSpPr>
             <a:stCxn id="216" idx="3"/>
-            <a:endCxn id="612" idx="1"/>
+            <a:endCxn id="110" idx="1"/>
           </p:cNvCxnSpPr>
           <p:nvPr/>
         </p:nvCxnSpPr>
         <p:spPr>
           <a:xfrm flipV="1">
-            <a:off x="5616361" y="2793707"/>
-            <a:ext cx="2148047" cy="545174"/>
+            <a:off x="5791200" y="2710993"/>
+            <a:ext cx="1655668" cy="593573"/>
           </a:xfrm>
           <a:prstGeom prst="bentConnector3">
             <a:avLst>
@@ -1873,8 +1989,8 @@
         </p:nvSpPr>
         <p:spPr>
           <a:xfrm>
-            <a:off x="4044381" y="2655675"/>
-            <a:ext cx="1571980" cy="1366412"/>
+            <a:off x="4674888" y="2819400"/>
+            <a:ext cx="1116312" cy="970332"/>
           </a:xfrm>
           <a:prstGeom prst="roundRect">
             <a:avLst>
@@ -1937,8 +2053,8 @@
         </p:nvCxnSpPr>
         <p:spPr>
           <a:xfrm>
-            <a:off x="3634305" y="2321426"/>
-            <a:ext cx="410076" cy="1017455"/>
+            <a:off x="4439667" y="2118360"/>
+            <a:ext cx="235221" cy="1186206"/>
           </a:xfrm>
           <a:prstGeom prst="bentConnector3">
             <a:avLst>
@@ -1952,8 +2068,8 @@
               </a:schemeClr>
             </a:solidFill>
             <a:prstDash val="sysDot"/>
-            <a:headEnd type="none"/>
-            <a:tailEnd type="arrow"/>
+            <a:headEnd type="none" w="sm" len="sm"/>
+            <a:tailEnd type="arrow" w="sm" len="sm"/>
           </a:ln>
         </p:spPr>
         <p:style>
@@ -1982,8 +2098,8 @@
         </p:nvCxnSpPr>
         <p:spPr>
           <a:xfrm>
-            <a:off x="3338734" y="2928451"/>
-            <a:ext cx="705647" cy="410430"/>
+            <a:off x="4064990" y="2875839"/>
+            <a:ext cx="609898" cy="428727"/>
           </a:xfrm>
           <a:prstGeom prst="bentConnector3">
             <a:avLst>
@@ -1997,8 +2113,8 @@
               </a:schemeClr>
             </a:solidFill>
             <a:prstDash val="sysDot"/>
-            <a:headEnd type="none"/>
-            <a:tailEnd type="arrow"/>
+            <a:headEnd type="none" w="sm" len="sm"/>
+            <a:tailEnd type="arrow" w="sm" len="sm"/>
           </a:ln>
         </p:spPr>
         <p:style>
@@ -2027,8 +2143,8 @@
         </p:nvCxnSpPr>
         <p:spPr>
           <a:xfrm flipV="1">
-            <a:off x="3338734" y="3338881"/>
-            <a:ext cx="705647" cy="203444"/>
+            <a:off x="4064993" y="3304566"/>
+            <a:ext cx="609895" cy="379298"/>
           </a:xfrm>
           <a:prstGeom prst="bentConnector3">
             <a:avLst>
@@ -2042,8 +2158,8 @@
               </a:schemeClr>
             </a:solidFill>
             <a:prstDash val="sysDot"/>
-            <a:headEnd type="none"/>
-            <a:tailEnd type="arrow"/>
+            <a:headEnd type="none" w="sm" len="sm"/>
+            <a:tailEnd type="arrow" w="sm" len="sm"/>
           </a:ln>
         </p:spPr>
         <p:style>
@@ -2072,8 +2188,8 @@
         </p:nvCxnSpPr>
         <p:spPr>
           <a:xfrm flipV="1">
-            <a:off x="3634305" y="3338881"/>
-            <a:ext cx="410076" cy="818458"/>
+            <a:off x="4443052" y="3304566"/>
+            <a:ext cx="231836" cy="1127816"/>
           </a:xfrm>
           <a:prstGeom prst="bentConnector3">
             <a:avLst>
@@ -2087,8 +2203,8 @@
               </a:schemeClr>
             </a:solidFill>
             <a:prstDash val="sysDot"/>
-            <a:headEnd type="none"/>
-            <a:tailEnd type="arrow"/>
+            <a:headEnd type="none" w="sm" len="sm"/>
+            <a:tailEnd type="arrow" w="sm" len="sm"/>
           </a:ln>
         </p:spPr>
         <p:style>
@@ -2108,16 +2224,16 @@
       </p:cxnSp>
       <p:grpSp>
         <p:nvGrpSpPr>
-          <p:cNvPr id="370" name="Group 369"/>
+          <p:cNvPr id="2" name="Group 1"/>
           <p:cNvGrpSpPr/>
           <p:nvPr/>
         </p:nvGrpSpPr>
         <p:grpSpPr>
           <a:xfrm>
-            <a:off x="1981200" y="3268004"/>
-            <a:ext cx="1357534" cy="548640"/>
-            <a:chOff x="1625438" y="3581400"/>
-            <a:chExt cx="1357534" cy="548640"/>
+            <a:off x="2514600" y="3318104"/>
+            <a:ext cx="1550393" cy="731520"/>
+            <a:chOff x="2072311" y="3318104"/>
+            <a:chExt cx="1550393" cy="731520"/>
           </a:xfrm>
         </p:grpSpPr>
         <p:pic>
@@ -2139,8 +2255,8 @@
           </p:blipFill>
           <p:spPr>
             <a:xfrm rot="5400000">
-              <a:off x="2211674" y="3725547"/>
-              <a:ext cx="354780" cy="260348"/>
+              <a:off x="2795270" y="3524283"/>
+              <a:ext cx="419823" cy="319162"/>
             </a:xfrm>
             <a:prstGeom prst="rect">
               <a:avLst/>
@@ -2187,8 +2303,8 @@
           </p:blipFill>
           <p:spPr>
             <a:xfrm>
-              <a:off x="2593988" y="3625506"/>
-              <a:ext cx="388984" cy="460429"/>
+              <a:off x="3256944" y="3474912"/>
+              <a:ext cx="365760" cy="417904"/>
             </a:xfrm>
             <a:prstGeom prst="rect">
               <a:avLst/>
@@ -2207,7 +2323,7 @@
           <p:nvPicPr>
             <p:cNvPr id="132" name="Picture 131"/>
             <p:cNvPicPr>
-              <a:picLocks noChangeAspect="1"/>
+              <a:picLocks/>
             </p:cNvPicPr>
             <p:nvPr/>
           </p:nvPicPr>
@@ -2225,8 +2341,8 @@
           </p:blipFill>
           <p:spPr>
             <a:xfrm>
-              <a:off x="1625438" y="3581400"/>
-              <a:ext cx="573865" cy="548640"/>
+              <a:off x="2072311" y="3318104"/>
+              <a:ext cx="731521" cy="731520"/>
             </a:xfrm>
             <a:prstGeom prst="rect">
               <a:avLst/>
@@ -2256,8 +2372,8 @@
         </p:blipFill>
         <p:spPr>
           <a:xfrm>
-            <a:off x="4141643" y="2848996"/>
-            <a:ext cx="1363787" cy="967648"/>
+            <a:off x="4755151" y="2960497"/>
+            <a:ext cx="969852" cy="688139"/>
           </a:xfrm>
           <a:prstGeom prst="rect">
             <a:avLst/>
@@ -2267,15 +2383,17 @@
       <p:grpSp>
         <p:nvGrpSpPr>
           <p:cNvPr id="360" name="Group 359"/>
-          <p:cNvGrpSpPr/>
+          <p:cNvGrpSpPr>
+            <a:grpSpLocks noChangeAspect="1"/>
+          </p:cNvGrpSpPr>
           <p:nvPr/>
         </p:nvGrpSpPr>
         <p:grpSpPr>
           <a:xfrm>
-            <a:off x="1999240" y="2666188"/>
-            <a:ext cx="1339494" cy="524524"/>
-            <a:chOff x="1639636" y="2919218"/>
-            <a:chExt cx="1339494" cy="524524"/>
+            <a:off x="2518301" y="2510078"/>
+            <a:ext cx="1546689" cy="731520"/>
+            <a:chOff x="1639635" y="2862341"/>
+            <a:chExt cx="1244905" cy="588787"/>
           </a:xfrm>
         </p:grpSpPr>
         <p:pic>
@@ -2310,8 +2428,8 @@
           </p:blipFill>
           <p:spPr>
             <a:xfrm>
-              <a:off x="2590146" y="2951266"/>
-              <a:ext cx="388984" cy="460429"/>
+              <a:off x="2590146" y="2982502"/>
+              <a:ext cx="294394" cy="348466"/>
             </a:xfrm>
             <a:prstGeom prst="rect">
               <a:avLst/>
@@ -2345,7 +2463,7 @@
           </p:blipFill>
           <p:spPr>
             <a:xfrm rot="5400000">
-              <a:off x="2211674" y="3051306"/>
+              <a:off x="2211674" y="3026561"/>
               <a:ext cx="354780" cy="260348"/>
             </a:xfrm>
             <a:prstGeom prst="rect">
@@ -2365,7 +2483,7 @@
           <p:nvPicPr>
             <p:cNvPr id="137" name="Picture 136"/>
             <p:cNvPicPr>
-              <a:picLocks noChangeAspect="1"/>
+              <a:picLocks/>
             </p:cNvPicPr>
             <p:nvPr/>
           </p:nvPicPr>
@@ -2383,8 +2501,8 @@
           </p:blipFill>
           <p:spPr>
             <a:xfrm>
-              <a:off x="1639636" y="2919218"/>
-              <a:ext cx="548640" cy="524524"/>
+              <a:off x="1639635" y="2862341"/>
+              <a:ext cx="588789" cy="588787"/>
             </a:xfrm>
             <a:prstGeom prst="rect">
               <a:avLst/>
@@ -2400,10 +2518,10 @@
         </p:nvGrpSpPr>
         <p:grpSpPr>
           <a:xfrm>
-            <a:off x="2286000" y="3895076"/>
-            <a:ext cx="1348305" cy="524524"/>
-            <a:chOff x="1634667" y="4261486"/>
-            <a:chExt cx="1348305" cy="524524"/>
+            <a:off x="2880688" y="4069080"/>
+            <a:ext cx="1562364" cy="731520"/>
+            <a:chOff x="1623869" y="4263478"/>
+            <a:chExt cx="1266650" cy="593063"/>
           </a:xfrm>
         </p:grpSpPr>
         <p:pic>
@@ -2438,8 +2556,8 @@
           </p:blipFill>
           <p:spPr>
             <a:xfrm>
-              <a:off x="2593988" y="4293534"/>
-              <a:ext cx="388984" cy="460429"/>
+              <a:off x="2593988" y="4382519"/>
+              <a:ext cx="296531" cy="350995"/>
             </a:xfrm>
             <a:prstGeom prst="rect">
               <a:avLst/>
@@ -2473,7 +2591,7 @@
           </p:blipFill>
           <p:spPr>
             <a:xfrm rot="5400000">
-              <a:off x="2206041" y="4393574"/>
+              <a:off x="2206041" y="4427843"/>
               <a:ext cx="354780" cy="260348"/>
             </a:xfrm>
             <a:prstGeom prst="rect">
@@ -2493,7 +2611,7 @@
           <p:nvPicPr>
             <p:cNvPr id="138" name="Picture 137"/>
             <p:cNvPicPr>
-              <a:picLocks noChangeAspect="1"/>
+              <a:picLocks/>
             </p:cNvPicPr>
             <p:nvPr/>
           </p:nvPicPr>
@@ -2511,8 +2629,8 @@
           </p:blipFill>
           <p:spPr>
             <a:xfrm>
-              <a:off x="1634667" y="4261486"/>
-              <a:ext cx="548640" cy="524524"/>
+              <a:off x="1623869" y="4263478"/>
+              <a:ext cx="593063" cy="593063"/>
             </a:xfrm>
             <a:prstGeom prst="rect">
               <a:avLst/>
@@ -2528,10 +2646,10 @@
         </p:nvGrpSpPr>
         <p:grpSpPr>
           <a:xfrm>
-            <a:off x="2295443" y="2059721"/>
-            <a:ext cx="1338862" cy="523408"/>
-            <a:chOff x="2066629" y="2351356"/>
-            <a:chExt cx="1338862" cy="523408"/>
+            <a:off x="2894005" y="1752600"/>
+            <a:ext cx="1545662" cy="731520"/>
+            <a:chOff x="2066628" y="2351356"/>
+            <a:chExt cx="1244334" cy="588910"/>
           </a:xfrm>
         </p:grpSpPr>
         <p:pic>
@@ -2566,8 +2684,8 @@
           </p:blipFill>
           <p:spPr>
             <a:xfrm>
-              <a:off x="3016507" y="2382846"/>
-              <a:ext cx="388984" cy="460429"/>
+              <a:off x="3016507" y="2471543"/>
+              <a:ext cx="294455" cy="348537"/>
             </a:xfrm>
             <a:prstGeom prst="rect">
               <a:avLst/>
@@ -2601,7 +2719,7 @@
           </p:blipFill>
           <p:spPr>
             <a:xfrm rot="5400000">
-              <a:off x="2638003" y="2482886"/>
+              <a:off x="2638003" y="2515637"/>
               <a:ext cx="354780" cy="260348"/>
             </a:xfrm>
             <a:prstGeom prst="rect">
@@ -2621,7 +2739,7 @@
           <p:nvPicPr>
             <p:cNvPr id="440" name="Picture 439"/>
             <p:cNvPicPr>
-              <a:picLocks noChangeAspect="1"/>
+              <a:picLocks/>
             </p:cNvPicPr>
             <p:nvPr/>
           </p:nvPicPr>
@@ -2639,8 +2757,8 @@
           </p:blipFill>
           <p:spPr>
             <a:xfrm>
-              <a:off x="2066629" y="2351356"/>
-              <a:ext cx="548640" cy="523408"/>
+              <a:off x="2066628" y="2351356"/>
+              <a:ext cx="588910" cy="588910"/>
             </a:xfrm>
             <a:prstGeom prst="rect">
               <a:avLst/>
@@ -2653,18 +2771,18 @@
           <p:cNvPr id="575" name="Elbow Connector 574"/>
           <p:cNvCxnSpPr>
             <a:stCxn id="216" idx="3"/>
-            <a:endCxn id="567" idx="1"/>
+            <a:endCxn id="109" idx="1"/>
           </p:cNvCxnSpPr>
           <p:nvPr/>
         </p:nvCxnSpPr>
         <p:spPr>
           <a:xfrm flipV="1">
-            <a:off x="5616361" y="3128505"/>
-            <a:ext cx="466862" cy="210376"/>
+            <a:off x="5791200" y="3057047"/>
+            <a:ext cx="228600" cy="247519"/>
           </a:xfrm>
           <a:prstGeom prst="bentConnector3">
             <a:avLst>
-              <a:gd name="adj1" fmla="val 50000"/>
+              <a:gd name="adj1" fmla="val 58333"/>
             </a:avLst>
           </a:prstGeom>
           <a:ln w="9525">
@@ -2674,89 +2792,8 @@
               </a:schemeClr>
             </a:solidFill>
             <a:prstDash val="dash"/>
-            <a:headEnd type="arrow"/>
-            <a:tailEnd type="arrow"/>
-          </a:ln>
-        </p:spPr>
-        <p:style>
-          <a:lnRef idx="1">
-            <a:schemeClr val="accent1"/>
-          </a:lnRef>
-          <a:fillRef idx="0">
-            <a:schemeClr val="accent1"/>
-          </a:fillRef>
-          <a:effectRef idx="0">
-            <a:schemeClr val="accent1"/>
-          </a:effectRef>
-          <a:fontRef idx="minor">
-            <a:schemeClr val="tx1"/>
-          </a:fontRef>
-        </p:style>
-      </p:cxnSp>
-      <p:pic>
-        <p:nvPicPr>
-          <p:cNvPr id="614" name="Picture 613"/>
-          <p:cNvPicPr>
-            <a:picLocks noChangeAspect="1"/>
-          </p:cNvPicPr>
-          <p:nvPr/>
-        </p:nvPicPr>
-        <p:blipFill>
-          <a:blip r:embed="rId11">
-            <a:extLst>
-              <a:ext uri="{28A0092B-C50C-407E-A947-70E740481C1C}">
-                <a14:useLocalDpi xmlns:a14="http://schemas.microsoft.com/office/drawing/2010/main" val="0"/>
-              </a:ext>
-            </a:extLst>
-          </a:blip>
-          <a:stretch>
-            <a:fillRect/>
-          </a:stretch>
-        </p:blipFill>
-        <p:spPr>
-          <a:xfrm>
-            <a:off x="6193981" y="4299941"/>
-            <a:ext cx="482678" cy="296448"/>
-          </a:xfrm>
-          <a:prstGeom prst="rect">
-            <a:avLst/>
-          </a:prstGeom>
-          <a:effectLst>
-            <a:outerShdw blurRad="12700" dist="12700" dir="2700000" algn="tl" rotWithShape="0">
-              <a:schemeClr val="bg1">
-                <a:alpha val="40000"/>
-              </a:schemeClr>
-            </a:outerShdw>
-          </a:effectLst>
-        </p:spPr>
-      </p:pic>
-      <p:cxnSp>
-        <p:nvCxnSpPr>
-          <p:cNvPr id="280" name="Elbow Connector 279"/>
-          <p:cNvCxnSpPr>
-            <a:stCxn id="216" idx="3"/>
-          </p:cNvCxnSpPr>
-          <p:nvPr/>
-        </p:nvCxnSpPr>
-        <p:spPr>
-          <a:xfrm>
-            <a:off x="5616361" y="3338881"/>
-            <a:ext cx="1349277" cy="890942"/>
-          </a:xfrm>
-          <a:prstGeom prst="bentConnector3">
-            <a:avLst>
-              <a:gd name="adj1" fmla="val 27781"/>
-            </a:avLst>
-          </a:prstGeom>
-          <a:ln w="9525">
-            <a:solidFill>
-              <a:schemeClr val="accent4">
-                <a:lumMod val="75000"/>
-              </a:schemeClr>
-            </a:solidFill>
-            <a:prstDash val="dash"/>
-            <a:headEnd type="arrow"/>
-            <a:tailEnd type="arrow"/>
+            <a:headEnd type="arrow" w="sm" len="sm"/>
+            <a:tailEnd type="arrow" w="sm" len="sm"/>
           </a:ln>
         </p:spPr>
         <p:style>
@@ -2776,28 +2813,28 @@
       </p:cxnSp>
       <p:grpSp>
         <p:nvGrpSpPr>
-          <p:cNvPr id="582" name="Group 581"/>
+          <p:cNvPr id="20" name="Group 19"/>
           <p:cNvGrpSpPr/>
           <p:nvPr/>
         </p:nvGrpSpPr>
         <p:grpSpPr>
           <a:xfrm>
-            <a:off x="6083223" y="2188411"/>
-            <a:ext cx="1943934" cy="1880187"/>
-            <a:chOff x="6092546" y="2173024"/>
-            <a:chExt cx="1943934" cy="1880187"/>
+            <a:off x="6019800" y="2142647"/>
+            <a:ext cx="1847088" cy="1828800"/>
+            <a:chOff x="4104064" y="4651016"/>
+            <a:chExt cx="1847088" cy="1828800"/>
           </a:xfrm>
         </p:grpSpPr>
         <p:sp>
           <p:nvSpPr>
-            <p:cNvPr id="567" name="Rectangle 566"/>
+            <p:cNvPr id="109" name="Rectangle 108"/>
             <p:cNvSpPr/>
             <p:nvPr/>
           </p:nvSpPr>
           <p:spPr>
             <a:xfrm>
-              <a:off x="6092546" y="2173024"/>
-              <a:ext cx="1943934" cy="1880187"/>
+              <a:off x="4104064" y="4651016"/>
+              <a:ext cx="1847088" cy="1828800"/>
             </a:xfrm>
             <a:prstGeom prst="rect">
               <a:avLst/>
@@ -2851,48 +2888,41 @@
         </p:sp>
         <p:grpSp>
           <p:nvGrpSpPr>
-            <p:cNvPr id="1049" name="Group 1048"/>
+            <p:cNvPr id="19" name="Group 18"/>
             <p:cNvGrpSpPr/>
             <p:nvPr/>
           </p:nvGrpSpPr>
           <p:grpSpPr>
             <a:xfrm>
-              <a:off x="6191121" y="3168351"/>
-              <a:ext cx="962406" cy="824502"/>
-              <a:chOff x="8365690" y="2911597"/>
-              <a:chExt cx="962406" cy="824502"/>
+              <a:off x="4150642" y="4717471"/>
+              <a:ext cx="1743858" cy="1681393"/>
+              <a:chOff x="4150642" y="4717471"/>
+              <a:chExt cx="1743858" cy="1681393"/>
             </a:xfrm>
-            <a:effectLst>
-              <a:outerShdw blurRad="12700" dist="12700" dir="2700000" algn="tl" rotWithShape="0">
-                <a:prstClr val="black">
-                  <a:alpha val="40000"/>
-                </a:prstClr>
-              </a:outerShdw>
-            </a:effectLst>
           </p:grpSpPr>
           <p:grpSp>
             <p:nvGrpSpPr>
-              <p:cNvPr id="420" name="Group 419"/>
+              <p:cNvPr id="114" name="Group 113"/>
               <p:cNvGrpSpPr/>
               <p:nvPr/>
             </p:nvGrpSpPr>
             <p:grpSpPr>
               <a:xfrm>
-                <a:off x="8365690" y="2911597"/>
+                <a:off x="4932094" y="5153165"/>
                 <a:ext cx="962406" cy="824502"/>
-                <a:chOff x="7953376" y="5039279"/>
+                <a:chOff x="6181798" y="3183738"/>
                 <a:chExt cx="962406" cy="824502"/>
               </a:xfrm>
             </p:grpSpPr>
             <p:sp>
               <p:nvSpPr>
-                <p:cNvPr id="421" name="Hexagon 420"/>
+                <p:cNvPr id="115" name="Hexagon 114"/>
                 <p:cNvSpPr/>
                 <p:nvPr/>
               </p:nvSpPr>
               <p:spPr>
                 <a:xfrm>
-                  <a:off x="7953376" y="5039279"/>
+                  <a:off x="6181798" y="3183738"/>
                   <a:ext cx="962406" cy="824502"/>
                 </a:xfrm>
                 <a:prstGeom prst="hexagon">
@@ -2940,34 +2970,152 @@
                 </a:p>
               </p:txBody>
             </p:sp>
+            <p:pic>
+              <p:nvPicPr>
+                <p:cNvPr id="116" name="pasted-image.pdf" descr="pasted-image.pdf"/>
+                <p:cNvPicPr>
+                  <a:picLocks/>
+                </p:cNvPicPr>
+                <p:nvPr/>
+              </p:nvPicPr>
+              <p:blipFill>
+                <a:blip r:embed="rId11">
+                  <a:extLst>
+                    <a:ext uri="{BEBA8EAE-BF5A-486C-A8C5-ECC9F3942E4B}">
+                      <a14:imgProps xmlns:a14="http://schemas.microsoft.com/office/drawing/2010/main">
+                        <a14:imgLayer r:embed="rId12">
+                          <a14:imgEffect>
+                            <a14:colorTemperature colorTemp="5093"/>
+                          </a14:imgEffect>
+                        </a14:imgLayer>
+                      </a14:imgProps>
+                    </a:ext>
+                  </a:extLst>
+                </a:blip>
+                <a:stretch>
+                  <a:fillRect/>
+                </a:stretch>
+              </p:blipFill>
+              <p:spPr>
+                <a:xfrm>
+                  <a:off x="6315529" y="3248517"/>
+                  <a:ext cx="694944" cy="694944"/>
+                </a:xfrm>
+                <a:prstGeom prst="rect">
+                  <a:avLst/>
+                </a:prstGeom>
+                <a:ln w="12700" cap="flat">
+                  <a:noFill/>
+                  <a:miter lim="400000"/>
+                </a:ln>
+                <a:effectLst>
+                  <a:outerShdw blurRad="25400" dist="25400" dir="2700000" algn="tl" rotWithShape="0">
+                    <a:prstClr val="black">
+                      <a:alpha val="40000"/>
+                    </a:prstClr>
+                  </a:outerShdw>
+                </a:effectLst>
+              </p:spPr>
+            </p:pic>
+          </p:grpSp>
+          <p:grpSp>
+            <p:nvGrpSpPr>
+              <p:cNvPr id="7" name="Group 6"/>
+              <p:cNvGrpSpPr/>
+              <p:nvPr/>
+            </p:nvGrpSpPr>
+            <p:grpSpPr>
+              <a:xfrm>
+                <a:off x="4150642" y="5574362"/>
+                <a:ext cx="962406" cy="824502"/>
+                <a:chOff x="6150556" y="2317522"/>
+                <a:chExt cx="962406" cy="824502"/>
+              </a:xfrm>
+            </p:grpSpPr>
             <p:grpSp>
               <p:nvGrpSpPr>
-                <p:cNvPr id="422" name="Group 421"/>
+                <p:cNvPr id="106" name="Group 105"/>
                 <p:cNvGrpSpPr/>
                 <p:nvPr/>
               </p:nvGrpSpPr>
               <p:grpSpPr>
                 <a:xfrm>
-                  <a:off x="8097919" y="5098330"/>
-                  <a:ext cx="673321" cy="706400"/>
-                  <a:chOff x="6870571" y="4152548"/>
-                  <a:chExt cx="673321" cy="706400"/>
+                  <a:off x="6150556" y="2317522"/>
+                  <a:ext cx="962406" cy="824502"/>
+                  <a:chOff x="6181798" y="3183738"/>
+                  <a:chExt cx="962406" cy="824502"/>
                 </a:xfrm>
               </p:grpSpPr>
+              <p:sp>
+                <p:nvSpPr>
+                  <p:cNvPr id="107" name="Hexagon 106"/>
+                  <p:cNvSpPr/>
+                  <p:nvPr/>
+                </p:nvSpPr>
+                <p:spPr>
+                  <a:xfrm>
+                    <a:off x="6181798" y="3183738"/>
+                    <a:ext cx="962406" cy="824502"/>
+                  </a:xfrm>
+                  <a:prstGeom prst="hexagon">
+                    <a:avLst/>
+                  </a:prstGeom>
+                  <a:solidFill>
+                    <a:schemeClr val="accent6">
+                      <a:lumMod val="40000"/>
+                      <a:lumOff val="60000"/>
+                    </a:schemeClr>
+                  </a:solidFill>
+                  <a:ln>
+                    <a:noFill/>
+                  </a:ln>
+                </p:spPr>
+                <p:style>
+                  <a:lnRef idx="2">
+                    <a:schemeClr val="accent1">
+                      <a:shade val="50000"/>
+                    </a:schemeClr>
+                  </a:lnRef>
+                  <a:fillRef idx="1">
+                    <a:schemeClr val="accent1"/>
+                  </a:fillRef>
+                  <a:effectRef idx="0">
+                    <a:schemeClr val="accent1"/>
+                  </a:effectRef>
+                  <a:fontRef idx="minor">
+                    <a:schemeClr val="lt1"/>
+                  </a:fontRef>
+                </p:style>
+                <p:txBody>
+                  <a:bodyPr wrap="none" rtlCol="0" anchor="ctr"/>
+                  <a:lstStyle/>
+                  <a:p>
+                    <a:pPr algn="ctr"/>
+                    <a:endParaRPr lang="en-US" sz="1400" smtClean="0">
+                      <a:solidFill>
+                        <a:schemeClr val="tx1">
+                          <a:lumMod val="85000"/>
+                          <a:lumOff val="15000"/>
+                        </a:schemeClr>
+                      </a:solidFill>
+                    </a:endParaRPr>
+                  </a:p>
+                </p:txBody>
+              </p:sp>
               <p:pic>
                 <p:nvPicPr>
-                  <p:cNvPr id="423" name="pasted-image.pdf" descr="pasted-image.pdf"/>
+                  <p:cNvPr id="108" name="pasted-image.pdf" descr="pasted-image.pdf"/>
                   <p:cNvPicPr>
-                    <a:picLocks noChangeAspect="1"/>
+                    <a:picLocks/>
                   </p:cNvPicPr>
                   <p:nvPr/>
                 </p:nvPicPr>
                 <p:blipFill>
-                  <a:blip r:embed="rId12">
+                  <a:blip r:embed="rId11">
                     <a:extLst>
                       <a:ext uri="{BEBA8EAE-BF5A-486C-A8C5-ECC9F3942E4B}">
                         <a14:imgProps xmlns:a14="http://schemas.microsoft.com/office/drawing/2010/main">
-                          <a14:imgLayer r:embed="rId13">
+                          <a14:imgLayer r:embed="rId12">
                             <a14:imgEffect>
                               <a14:colorTemperature colorTemp="5093"/>
                             </a14:imgEffect>
@@ -2982,102 +3130,8 @@
                 </p:blipFill>
                 <p:spPr>
                   <a:xfrm>
-                    <a:off x="7009377" y="4152548"/>
-                    <a:ext cx="534515" cy="549875"/>
-                  </a:xfrm>
-                  <a:prstGeom prst="rect">
-                    <a:avLst/>
-                  </a:prstGeom>
-                  <a:ln w="12700" cap="flat">
-                    <a:noFill/>
-                    <a:miter lim="400000"/>
-                  </a:ln>
-                  <a:effectLst>
-                    <a:outerShdw blurRad="25400" dist="25400" dir="2700000" algn="tl" rotWithShape="0">
-                      <a:prstClr val="black">
-                        <a:alpha val="40000"/>
-                      </a:prstClr>
-                    </a:outerShdw>
-                  </a:effectLst>
-                </p:spPr>
-              </p:pic>
-              <p:pic>
-                <p:nvPicPr>
-                  <p:cNvPr id="424" name="pasted-image.pdf" descr="pasted-image.pdf"/>
-                  <p:cNvPicPr>
-                    <a:picLocks noChangeAspect="1"/>
-                  </p:cNvPicPr>
-                  <p:nvPr/>
-                </p:nvPicPr>
-                <p:blipFill>
-                  <a:blip r:embed="rId12">
-                    <a:extLst>
-                      <a:ext uri="{BEBA8EAE-BF5A-486C-A8C5-ECC9F3942E4B}">
-                        <a14:imgProps xmlns:a14="http://schemas.microsoft.com/office/drawing/2010/main">
-                          <a14:imgLayer r:embed="rId13">
-                            <a14:imgEffect>
-                              <a14:colorTemperature colorTemp="5093"/>
-                            </a14:imgEffect>
-                          </a14:imgLayer>
-                        </a14:imgProps>
-                      </a:ext>
-                    </a:extLst>
-                  </a:blip>
-                  <a:stretch>
-                    <a:fillRect/>
-                  </a:stretch>
-                </p:blipFill>
-                <p:spPr>
-                  <a:xfrm>
-                    <a:off x="6949332" y="4228748"/>
-                    <a:ext cx="534515" cy="549875"/>
-                  </a:xfrm>
-                  <a:prstGeom prst="rect">
-                    <a:avLst/>
-                  </a:prstGeom>
-                  <a:ln w="12700" cap="flat">
-                    <a:noFill/>
-                    <a:miter lim="400000"/>
-                  </a:ln>
-                  <a:effectLst>
-                    <a:outerShdw blurRad="25400" dist="25400" dir="2700000" algn="tl" rotWithShape="0">
-                      <a:prstClr val="black">
-                        <a:alpha val="40000"/>
-                      </a:prstClr>
-                    </a:outerShdw>
-                  </a:effectLst>
-                </p:spPr>
-              </p:pic>
-              <p:pic>
-                <p:nvPicPr>
-                  <p:cNvPr id="425" name="pasted-image.pdf" descr="pasted-image.pdf"/>
-                  <p:cNvPicPr>
-                    <a:picLocks noChangeAspect="1"/>
-                  </p:cNvPicPr>
-                  <p:nvPr/>
-                </p:nvPicPr>
-                <p:blipFill>
-                  <a:blip r:embed="rId12">
-                    <a:extLst>
-                      <a:ext uri="{BEBA8EAE-BF5A-486C-A8C5-ECC9F3942E4B}">
-                        <a14:imgProps xmlns:a14="http://schemas.microsoft.com/office/drawing/2010/main">
-                          <a14:imgLayer r:embed="rId13">
-                            <a14:imgEffect>
-                              <a14:colorTemperature colorTemp="5093"/>
-                            </a14:imgEffect>
-                          </a14:imgLayer>
-                        </a14:imgProps>
-                      </a:ext>
-                    </a:extLst>
-                  </a:blip>
-                  <a:stretch>
-                    <a:fillRect/>
-                  </a:stretch>
-                </p:blipFill>
-                <p:spPr>
-                  <a:xfrm>
-                    <a:off x="6870571" y="4309073"/>
-                    <a:ext cx="534515" cy="549875"/>
+                    <a:off x="6315529" y="3248517"/>
+                    <a:ext cx="694944" cy="694944"/>
                   </a:xfrm>
                   <a:prstGeom prst="rect">
                     <a:avLst/>
@@ -3096,752 +3150,569 @@
                 </p:spPr>
               </p:pic>
             </p:grpSp>
+            <p:pic>
+              <p:nvPicPr>
+                <p:cNvPr id="426" name="Picture 425"/>
+                <p:cNvPicPr>
+                  <a:picLocks noChangeAspect="1"/>
+                </p:cNvPicPr>
+                <p:nvPr/>
+              </p:nvPicPr>
+              <p:blipFill>
+                <a:blip r:embed="rId13">
+                  <a:extLst>
+                    <a:ext uri="{28A0092B-C50C-407E-A947-70E740481C1C}">
+                      <a14:useLocalDpi xmlns:a14="http://schemas.microsoft.com/office/drawing/2010/main" val="0"/>
+                    </a:ext>
+                  </a:extLst>
+                </a:blip>
+                <a:stretch>
+                  <a:fillRect/>
+                </a:stretch>
+              </p:blipFill>
+              <p:spPr>
+                <a:xfrm rot="189821">
+                  <a:off x="6422460" y="2509808"/>
+                  <a:ext cx="438912" cy="438912"/>
+                </a:xfrm>
+                <a:prstGeom prst="rect">
+                  <a:avLst/>
+                </a:prstGeom>
+              </p:spPr>
+            </p:pic>
           </p:grpSp>
-          <p:pic>
-            <p:nvPicPr>
-              <p:cNvPr id="426" name="Picture 425"/>
-              <p:cNvPicPr>
-                <a:picLocks noChangeAspect="1"/>
-              </p:cNvPicPr>
+          <p:grpSp>
+            <p:nvGrpSpPr>
+              <p:cNvPr id="8" name="Group 7"/>
+              <p:cNvGrpSpPr/>
               <p:nvPr/>
-            </p:nvPicPr>
-            <p:blipFill>
-              <a:blip r:embed="rId14">
-                <a:extLst>
-                  <a:ext uri="{28A0092B-C50C-407E-A947-70E740481C1C}">
-                    <a14:useLocalDpi xmlns:a14="http://schemas.microsoft.com/office/drawing/2010/main" val="0"/>
-                  </a:ext>
-                </a:extLst>
-              </a:blip>
-              <a:stretch>
-                <a:fillRect/>
-              </a:stretch>
-            </p:blipFill>
-            <p:spPr>
-              <a:xfrm rot="189821">
-                <a:off x="8612899" y="3244645"/>
-                <a:ext cx="324471" cy="324471"/>
+            </p:nvGrpSpPr>
+            <p:grpSpPr>
+              <a:xfrm>
+                <a:off x="4151120" y="4717471"/>
+                <a:ext cx="962406" cy="824502"/>
+                <a:chOff x="6180095" y="3190894"/>
+                <a:chExt cx="962406" cy="824502"/>
               </a:xfrm>
-              <a:prstGeom prst="rect">
-                <a:avLst/>
-              </a:prstGeom>
-            </p:spPr>
-          </p:pic>
-        </p:grpSp>
-        <p:grpSp>
-          <p:nvGrpSpPr>
-            <p:cNvPr id="1043" name="Group 1042"/>
-            <p:cNvGrpSpPr/>
-            <p:nvPr/>
-          </p:nvGrpSpPr>
-          <p:grpSpPr>
-            <a:xfrm>
-              <a:off x="6335663" y="2326700"/>
-              <a:ext cx="673321" cy="706400"/>
-              <a:chOff x="6587851" y="4236330"/>
-              <a:chExt cx="673321" cy="706400"/>
-            </a:xfrm>
-          </p:grpSpPr>
-          <p:pic>
-            <p:nvPicPr>
-              <p:cNvPr id="346" name="pasted-image.pdf" descr="pasted-image.pdf"/>
-              <p:cNvPicPr>
-                <a:picLocks noChangeAspect="1"/>
-              </p:cNvPicPr>
-              <p:nvPr/>
-            </p:nvPicPr>
-            <p:blipFill>
-              <a:blip r:embed="rId12">
-                <a:extLst>
-                  <a:ext uri="{BEBA8EAE-BF5A-486C-A8C5-ECC9F3942E4B}">
-                    <a14:imgProps xmlns:a14="http://schemas.microsoft.com/office/drawing/2010/main">
-                      <a14:imgLayer r:embed="rId13">
-                        <a14:imgEffect>
-                          <a14:colorTemperature colorTemp="5093"/>
-                        </a14:imgEffect>
-                      </a14:imgLayer>
-                    </a14:imgProps>
-                  </a:ext>
-                </a:extLst>
-              </a:blip>
-              <a:stretch>
-                <a:fillRect/>
-              </a:stretch>
-            </p:blipFill>
-            <p:spPr>
-              <a:xfrm>
-                <a:off x="6726657" y="4236330"/>
-                <a:ext cx="534515" cy="549875"/>
-              </a:xfrm>
-              <a:prstGeom prst="rect">
-                <a:avLst/>
-              </a:prstGeom>
-              <a:ln w="12700" cap="flat">
-                <a:noFill/>
-                <a:miter lim="400000"/>
-              </a:ln>
-              <a:effectLst>
-                <a:outerShdw blurRad="25400" dist="25400" dir="2700000" algn="tl" rotWithShape="0">
-                  <a:prstClr val="black">
-                    <a:alpha val="40000"/>
-                  </a:prstClr>
-                </a:outerShdw>
-              </a:effectLst>
-            </p:spPr>
-          </p:pic>
-          <p:pic>
-            <p:nvPicPr>
-              <p:cNvPr id="347" name="pasted-image.pdf" descr="pasted-image.pdf"/>
-              <p:cNvPicPr>
-                <a:picLocks noChangeAspect="1"/>
-              </p:cNvPicPr>
-              <p:nvPr/>
-            </p:nvPicPr>
-            <p:blipFill>
-              <a:blip r:embed="rId12">
-                <a:extLst>
-                  <a:ext uri="{BEBA8EAE-BF5A-486C-A8C5-ECC9F3942E4B}">
-                    <a14:imgProps xmlns:a14="http://schemas.microsoft.com/office/drawing/2010/main">
-                      <a14:imgLayer r:embed="rId13">
-                        <a14:imgEffect>
-                          <a14:colorTemperature colorTemp="5093"/>
-                        </a14:imgEffect>
-                      </a14:imgLayer>
-                    </a14:imgProps>
-                  </a:ext>
-                </a:extLst>
-              </a:blip>
-              <a:stretch>
-                <a:fillRect/>
-              </a:stretch>
-            </p:blipFill>
-            <p:spPr>
-              <a:xfrm>
-                <a:off x="6666612" y="4312530"/>
-                <a:ext cx="534515" cy="549875"/>
-              </a:xfrm>
-              <a:prstGeom prst="rect">
-                <a:avLst/>
-              </a:prstGeom>
-              <a:ln w="12700" cap="flat">
-                <a:noFill/>
-                <a:miter lim="400000"/>
-              </a:ln>
-              <a:effectLst>
-                <a:outerShdw blurRad="25400" dist="25400" dir="2700000" algn="tl" rotWithShape="0">
-                  <a:prstClr val="black">
-                    <a:alpha val="40000"/>
-                  </a:prstClr>
-                </a:outerShdw>
-              </a:effectLst>
-            </p:spPr>
-          </p:pic>
-          <p:pic>
-            <p:nvPicPr>
-              <p:cNvPr id="348" name="pasted-image.pdf" descr="pasted-image.pdf"/>
-              <p:cNvPicPr>
-                <a:picLocks noChangeAspect="1"/>
-              </p:cNvPicPr>
-              <p:nvPr/>
-            </p:nvPicPr>
-            <p:blipFill>
-              <a:blip r:embed="rId12">
-                <a:extLst>
-                  <a:ext uri="{BEBA8EAE-BF5A-486C-A8C5-ECC9F3942E4B}">
-                    <a14:imgProps xmlns:a14="http://schemas.microsoft.com/office/drawing/2010/main">
-                      <a14:imgLayer r:embed="rId13">
-                        <a14:imgEffect>
-                          <a14:colorTemperature colorTemp="5093"/>
-                        </a14:imgEffect>
-                      </a14:imgLayer>
-                    </a14:imgProps>
-                  </a:ext>
-                </a:extLst>
-              </a:blip>
-              <a:stretch>
-                <a:fillRect/>
-              </a:stretch>
-            </p:blipFill>
-            <p:spPr>
-              <a:xfrm>
-                <a:off x="6587851" y="4392855"/>
-                <a:ext cx="534515" cy="549875"/>
-              </a:xfrm>
-              <a:prstGeom prst="rect">
-                <a:avLst/>
-              </a:prstGeom>
-              <a:ln w="12700" cap="flat">
-                <a:noFill/>
-                <a:miter lim="400000"/>
-              </a:ln>
-              <a:effectLst>
-                <a:outerShdw blurRad="25400" dist="25400" dir="2700000" algn="tl" rotWithShape="0">
-                  <a:prstClr val="black">
-                    <a:alpha val="40000"/>
-                  </a:prstClr>
-                </a:outerShdw>
-              </a:effectLst>
-            </p:spPr>
-          </p:pic>
-          <p:sp>
-            <p:nvSpPr>
-              <p:cNvPr id="362" name="Hexagon 1037"/>
-              <p:cNvSpPr/>
-              <p:nvPr/>
-            </p:nvSpPr>
-            <p:spPr>
-              <a:xfrm rot="5400000">
-                <a:off x="6704130" y="4540500"/>
-                <a:ext cx="303491" cy="275941"/>
-              </a:xfrm>
-              <a:custGeom>
-                <a:avLst/>
-                <a:gdLst>
-                  <a:gd name="connsiteX0" fmla="*/ 0 w 1364847"/>
-                  <a:gd name="connsiteY0" fmla="*/ 612107 h 1224213"/>
-                  <a:gd name="connsiteX1" fmla="*/ 306053 w 1364847"/>
-                  <a:gd name="connsiteY1" fmla="*/ 0 h 1224213"/>
-                  <a:gd name="connsiteX2" fmla="*/ 1058794 w 1364847"/>
-                  <a:gd name="connsiteY2" fmla="*/ 0 h 1224213"/>
-                  <a:gd name="connsiteX3" fmla="*/ 1364847 w 1364847"/>
-                  <a:gd name="connsiteY3" fmla="*/ 612107 h 1224213"/>
-                  <a:gd name="connsiteX4" fmla="*/ 1058794 w 1364847"/>
-                  <a:gd name="connsiteY4" fmla="*/ 1224213 h 1224213"/>
-                  <a:gd name="connsiteX5" fmla="*/ 306053 w 1364847"/>
-                  <a:gd name="connsiteY5" fmla="*/ 1224213 h 1224213"/>
-                  <a:gd name="connsiteX6" fmla="*/ 0 w 1364847"/>
-                  <a:gd name="connsiteY6" fmla="*/ 612107 h 1224213"/>
-                  <a:gd name="connsiteX0" fmla="*/ 0 w 1364847"/>
-                  <a:gd name="connsiteY0" fmla="*/ 612107 h 1236913"/>
-                  <a:gd name="connsiteX1" fmla="*/ 306053 w 1364847"/>
-                  <a:gd name="connsiteY1" fmla="*/ 0 h 1236913"/>
-                  <a:gd name="connsiteX2" fmla="*/ 1058794 w 1364847"/>
-                  <a:gd name="connsiteY2" fmla="*/ 0 h 1236913"/>
-                  <a:gd name="connsiteX3" fmla="*/ 1364847 w 1364847"/>
-                  <a:gd name="connsiteY3" fmla="*/ 612107 h 1236913"/>
-                  <a:gd name="connsiteX4" fmla="*/ 1058794 w 1364847"/>
-                  <a:gd name="connsiteY4" fmla="*/ 1224213 h 1236913"/>
-                  <a:gd name="connsiteX5" fmla="*/ 356853 w 1364847"/>
-                  <a:gd name="connsiteY5" fmla="*/ 1236913 h 1236913"/>
-                  <a:gd name="connsiteX6" fmla="*/ 0 w 1364847"/>
-                  <a:gd name="connsiteY6" fmla="*/ 612107 h 1236913"/>
-                  <a:gd name="connsiteX0" fmla="*/ 0 w 1364847"/>
-                  <a:gd name="connsiteY0" fmla="*/ 612107 h 1230563"/>
-                  <a:gd name="connsiteX1" fmla="*/ 306053 w 1364847"/>
-                  <a:gd name="connsiteY1" fmla="*/ 0 h 1230563"/>
-                  <a:gd name="connsiteX2" fmla="*/ 1058794 w 1364847"/>
-                  <a:gd name="connsiteY2" fmla="*/ 0 h 1230563"/>
-                  <a:gd name="connsiteX3" fmla="*/ 1364847 w 1364847"/>
-                  <a:gd name="connsiteY3" fmla="*/ 612107 h 1230563"/>
-                  <a:gd name="connsiteX4" fmla="*/ 1058794 w 1364847"/>
-                  <a:gd name="connsiteY4" fmla="*/ 1224213 h 1230563"/>
-                  <a:gd name="connsiteX5" fmla="*/ 331453 w 1364847"/>
-                  <a:gd name="connsiteY5" fmla="*/ 1230563 h 1230563"/>
-                  <a:gd name="connsiteX6" fmla="*/ 0 w 1364847"/>
-                  <a:gd name="connsiteY6" fmla="*/ 612107 h 1230563"/>
-                  <a:gd name="connsiteX0" fmla="*/ 0 w 1364847"/>
-                  <a:gd name="connsiteY0" fmla="*/ 612107 h 1249613"/>
-                  <a:gd name="connsiteX1" fmla="*/ 306053 w 1364847"/>
-                  <a:gd name="connsiteY1" fmla="*/ 0 h 1249613"/>
-                  <a:gd name="connsiteX2" fmla="*/ 1058794 w 1364847"/>
-                  <a:gd name="connsiteY2" fmla="*/ 0 h 1249613"/>
-                  <a:gd name="connsiteX3" fmla="*/ 1364847 w 1364847"/>
-                  <a:gd name="connsiteY3" fmla="*/ 612107 h 1249613"/>
-                  <a:gd name="connsiteX4" fmla="*/ 1014344 w 1364847"/>
-                  <a:gd name="connsiteY4" fmla="*/ 1249613 h 1249613"/>
-                  <a:gd name="connsiteX5" fmla="*/ 331453 w 1364847"/>
-                  <a:gd name="connsiteY5" fmla="*/ 1230563 h 1249613"/>
-                  <a:gd name="connsiteX6" fmla="*/ 0 w 1364847"/>
-                  <a:gd name="connsiteY6" fmla="*/ 612107 h 1249613"/>
-                  <a:gd name="connsiteX0" fmla="*/ 0 w 1364847"/>
-                  <a:gd name="connsiteY0" fmla="*/ 612107 h 1249613"/>
-                  <a:gd name="connsiteX1" fmla="*/ 306053 w 1364847"/>
-                  <a:gd name="connsiteY1" fmla="*/ 0 h 1249613"/>
-                  <a:gd name="connsiteX2" fmla="*/ 1058794 w 1364847"/>
-                  <a:gd name="connsiteY2" fmla="*/ 0 h 1249613"/>
-                  <a:gd name="connsiteX3" fmla="*/ 1364847 w 1364847"/>
-                  <a:gd name="connsiteY3" fmla="*/ 643857 h 1249613"/>
-                  <a:gd name="connsiteX4" fmla="*/ 1014344 w 1364847"/>
-                  <a:gd name="connsiteY4" fmla="*/ 1249613 h 1249613"/>
-                  <a:gd name="connsiteX5" fmla="*/ 331453 w 1364847"/>
-                  <a:gd name="connsiteY5" fmla="*/ 1230563 h 1249613"/>
-                  <a:gd name="connsiteX6" fmla="*/ 0 w 1364847"/>
-                  <a:gd name="connsiteY6" fmla="*/ 612107 h 1249613"/>
-                  <a:gd name="connsiteX0" fmla="*/ 0 w 1364847"/>
-                  <a:gd name="connsiteY0" fmla="*/ 637507 h 1275013"/>
-                  <a:gd name="connsiteX1" fmla="*/ 306053 w 1364847"/>
-                  <a:gd name="connsiteY1" fmla="*/ 25400 h 1275013"/>
-                  <a:gd name="connsiteX2" fmla="*/ 1007994 w 1364847"/>
-                  <a:gd name="connsiteY2" fmla="*/ 0 h 1275013"/>
-                  <a:gd name="connsiteX3" fmla="*/ 1364847 w 1364847"/>
-                  <a:gd name="connsiteY3" fmla="*/ 669257 h 1275013"/>
-                  <a:gd name="connsiteX4" fmla="*/ 1014344 w 1364847"/>
-                  <a:gd name="connsiteY4" fmla="*/ 1275013 h 1275013"/>
-                  <a:gd name="connsiteX5" fmla="*/ 331453 w 1364847"/>
-                  <a:gd name="connsiteY5" fmla="*/ 1255963 h 1275013"/>
-                  <a:gd name="connsiteX6" fmla="*/ 0 w 1364847"/>
-                  <a:gd name="connsiteY6" fmla="*/ 637507 h 1275013"/>
-                  <a:gd name="connsiteX0" fmla="*/ 0 w 1364847"/>
-                  <a:gd name="connsiteY0" fmla="*/ 643857 h 1281363"/>
-                  <a:gd name="connsiteX1" fmla="*/ 344153 w 1364847"/>
-                  <a:gd name="connsiteY1" fmla="*/ 0 h 1281363"/>
-                  <a:gd name="connsiteX2" fmla="*/ 1007994 w 1364847"/>
-                  <a:gd name="connsiteY2" fmla="*/ 6350 h 1281363"/>
-                  <a:gd name="connsiteX3" fmla="*/ 1364847 w 1364847"/>
-                  <a:gd name="connsiteY3" fmla="*/ 675607 h 1281363"/>
-                  <a:gd name="connsiteX4" fmla="*/ 1014344 w 1364847"/>
-                  <a:gd name="connsiteY4" fmla="*/ 1281363 h 1281363"/>
-                  <a:gd name="connsiteX5" fmla="*/ 331453 w 1364847"/>
-                  <a:gd name="connsiteY5" fmla="*/ 1262313 h 1281363"/>
-                  <a:gd name="connsiteX6" fmla="*/ 0 w 1364847"/>
-                  <a:gd name="connsiteY6" fmla="*/ 643857 h 1281363"/>
-                  <a:gd name="connsiteX0" fmla="*/ 0 w 1364847"/>
-                  <a:gd name="connsiteY0" fmla="*/ 643857 h 1281363"/>
-                  <a:gd name="connsiteX1" fmla="*/ 344153 w 1364847"/>
-                  <a:gd name="connsiteY1" fmla="*/ 0 h 1281363"/>
-                  <a:gd name="connsiteX2" fmla="*/ 1007994 w 1364847"/>
-                  <a:gd name="connsiteY2" fmla="*/ 6350 h 1281363"/>
-                  <a:gd name="connsiteX3" fmla="*/ 1364847 w 1364847"/>
-                  <a:gd name="connsiteY3" fmla="*/ 675607 h 1281363"/>
-                  <a:gd name="connsiteX4" fmla="*/ 1014344 w 1364847"/>
-                  <a:gd name="connsiteY4" fmla="*/ 1281363 h 1281363"/>
-                  <a:gd name="connsiteX5" fmla="*/ 369553 w 1364847"/>
-                  <a:gd name="connsiteY5" fmla="*/ 1275013 h 1281363"/>
-                  <a:gd name="connsiteX6" fmla="*/ 0 w 1364847"/>
-                  <a:gd name="connsiteY6" fmla="*/ 643857 h 1281363"/>
-                  <a:gd name="connsiteX0" fmla="*/ 0 w 1390247"/>
-                  <a:gd name="connsiteY0" fmla="*/ 643857 h 1281363"/>
-                  <a:gd name="connsiteX1" fmla="*/ 344153 w 1390247"/>
-                  <a:gd name="connsiteY1" fmla="*/ 0 h 1281363"/>
-                  <a:gd name="connsiteX2" fmla="*/ 1007994 w 1390247"/>
-                  <a:gd name="connsiteY2" fmla="*/ 6350 h 1281363"/>
-                  <a:gd name="connsiteX3" fmla="*/ 1390247 w 1390247"/>
-                  <a:gd name="connsiteY3" fmla="*/ 656557 h 1281363"/>
-                  <a:gd name="connsiteX4" fmla="*/ 1014344 w 1390247"/>
-                  <a:gd name="connsiteY4" fmla="*/ 1281363 h 1281363"/>
-                  <a:gd name="connsiteX5" fmla="*/ 369553 w 1390247"/>
-                  <a:gd name="connsiteY5" fmla="*/ 1275013 h 1281363"/>
-                  <a:gd name="connsiteX6" fmla="*/ 0 w 1390247"/>
-                  <a:gd name="connsiteY6" fmla="*/ 643857 h 1281363"/>
-                  <a:gd name="connsiteX0" fmla="*/ 0 w 1390247"/>
-                  <a:gd name="connsiteY0" fmla="*/ 643857 h 1281363"/>
-                  <a:gd name="connsiteX1" fmla="*/ 344153 w 1390247"/>
-                  <a:gd name="connsiteY1" fmla="*/ 0 h 1281363"/>
-                  <a:gd name="connsiteX2" fmla="*/ 1007994 w 1390247"/>
-                  <a:gd name="connsiteY2" fmla="*/ 6350 h 1281363"/>
-                  <a:gd name="connsiteX3" fmla="*/ 1390247 w 1390247"/>
-                  <a:gd name="connsiteY3" fmla="*/ 656557 h 1281363"/>
-                  <a:gd name="connsiteX4" fmla="*/ 1014344 w 1390247"/>
-                  <a:gd name="connsiteY4" fmla="*/ 1281363 h 1281363"/>
-                  <a:gd name="connsiteX5" fmla="*/ 331453 w 1390247"/>
-                  <a:gd name="connsiteY5" fmla="*/ 1275013 h 1281363"/>
-                  <a:gd name="connsiteX6" fmla="*/ 0 w 1390247"/>
-                  <a:gd name="connsiteY6" fmla="*/ 643857 h 1281363"/>
-                  <a:gd name="connsiteX0" fmla="*/ 0 w 1409297"/>
-                  <a:gd name="connsiteY0" fmla="*/ 656557 h 1281363"/>
-                  <a:gd name="connsiteX1" fmla="*/ 363203 w 1409297"/>
-                  <a:gd name="connsiteY1" fmla="*/ 0 h 1281363"/>
-                  <a:gd name="connsiteX2" fmla="*/ 1027044 w 1409297"/>
-                  <a:gd name="connsiteY2" fmla="*/ 6350 h 1281363"/>
-                  <a:gd name="connsiteX3" fmla="*/ 1409297 w 1409297"/>
-                  <a:gd name="connsiteY3" fmla="*/ 656557 h 1281363"/>
-                  <a:gd name="connsiteX4" fmla="*/ 1033394 w 1409297"/>
-                  <a:gd name="connsiteY4" fmla="*/ 1281363 h 1281363"/>
-                  <a:gd name="connsiteX5" fmla="*/ 350503 w 1409297"/>
-                  <a:gd name="connsiteY5" fmla="*/ 1275013 h 1281363"/>
-                  <a:gd name="connsiteX6" fmla="*/ 0 w 1409297"/>
-                  <a:gd name="connsiteY6" fmla="*/ 656557 h 1281363"/>
-                  <a:gd name="connsiteX0" fmla="*/ 0 w 1409297"/>
-                  <a:gd name="connsiteY0" fmla="*/ 656557 h 1281363"/>
-                  <a:gd name="connsiteX1" fmla="*/ 363203 w 1409297"/>
-                  <a:gd name="connsiteY1" fmla="*/ 0 h 1281363"/>
-                  <a:gd name="connsiteX2" fmla="*/ 1046094 w 1409297"/>
-                  <a:gd name="connsiteY2" fmla="*/ 19050 h 1281363"/>
-                  <a:gd name="connsiteX3" fmla="*/ 1409297 w 1409297"/>
-                  <a:gd name="connsiteY3" fmla="*/ 656557 h 1281363"/>
-                  <a:gd name="connsiteX4" fmla="*/ 1033394 w 1409297"/>
-                  <a:gd name="connsiteY4" fmla="*/ 1281363 h 1281363"/>
-                  <a:gd name="connsiteX5" fmla="*/ 350503 w 1409297"/>
-                  <a:gd name="connsiteY5" fmla="*/ 1275013 h 1281363"/>
-                  <a:gd name="connsiteX6" fmla="*/ 0 w 1409297"/>
-                  <a:gd name="connsiteY6" fmla="*/ 656557 h 1281363"/>
-                  <a:gd name="connsiteX0" fmla="*/ 0 w 1409297"/>
-                  <a:gd name="connsiteY0" fmla="*/ 656557 h 1281363"/>
-                  <a:gd name="connsiteX1" fmla="*/ 363203 w 1409297"/>
-                  <a:gd name="connsiteY1" fmla="*/ 0 h 1281363"/>
-                  <a:gd name="connsiteX2" fmla="*/ 1052444 w 1409297"/>
-                  <a:gd name="connsiteY2" fmla="*/ 6350 h 1281363"/>
-                  <a:gd name="connsiteX3" fmla="*/ 1409297 w 1409297"/>
-                  <a:gd name="connsiteY3" fmla="*/ 656557 h 1281363"/>
-                  <a:gd name="connsiteX4" fmla="*/ 1033394 w 1409297"/>
-                  <a:gd name="connsiteY4" fmla="*/ 1281363 h 1281363"/>
-                  <a:gd name="connsiteX5" fmla="*/ 350503 w 1409297"/>
-                  <a:gd name="connsiteY5" fmla="*/ 1275013 h 1281363"/>
-                  <a:gd name="connsiteX6" fmla="*/ 0 w 1409297"/>
-                  <a:gd name="connsiteY6" fmla="*/ 656557 h 1281363"/>
-                </a:gdLst>
-                <a:ahLst/>
-                <a:cxnLst>
-                  <a:cxn ang="0">
-                    <a:pos x="connsiteX0" y="connsiteY0"/>
-                  </a:cxn>
-                  <a:cxn ang="0">
-                    <a:pos x="connsiteX1" y="connsiteY1"/>
-                  </a:cxn>
-                  <a:cxn ang="0">
-                    <a:pos x="connsiteX2" y="connsiteY2"/>
-                  </a:cxn>
-                  <a:cxn ang="0">
-                    <a:pos x="connsiteX3" y="connsiteY3"/>
-                  </a:cxn>
-                  <a:cxn ang="0">
-                    <a:pos x="connsiteX4" y="connsiteY4"/>
-                  </a:cxn>
-                  <a:cxn ang="0">
-                    <a:pos x="connsiteX5" y="connsiteY5"/>
-                  </a:cxn>
-                  <a:cxn ang="0">
-                    <a:pos x="connsiteX6" y="connsiteY6"/>
-                  </a:cxn>
-                </a:cxnLst>
-                <a:rect l="l" t="t" r="r" b="b"/>
-                <a:pathLst>
-                  <a:path w="1409297" h="1281363">
-                    <a:moveTo>
-                      <a:pt x="0" y="656557"/>
-                    </a:moveTo>
-                    <a:lnTo>
-                      <a:pt x="363203" y="0"/>
-                    </a:lnTo>
-                    <a:lnTo>
-                      <a:pt x="1052444" y="6350"/>
-                    </a:lnTo>
-                    <a:lnTo>
-                      <a:pt x="1409297" y="656557"/>
-                    </a:lnTo>
-                    <a:lnTo>
-                      <a:pt x="1033394" y="1281363"/>
-                    </a:lnTo>
-                    <a:lnTo>
-                      <a:pt x="350503" y="1275013"/>
-                    </a:lnTo>
-                    <a:lnTo>
-                      <a:pt x="0" y="656557"/>
-                    </a:lnTo>
-                    <a:close/>
-                  </a:path>
-                </a:pathLst>
-              </a:custGeom>
-              <a:solidFill>
-                <a:schemeClr val="bg1"/>
-              </a:solidFill>
-              <a:ln>
-                <a:noFill/>
-              </a:ln>
-            </p:spPr>
-            <p:style>
-              <a:lnRef idx="2">
-                <a:schemeClr val="accent1">
-                  <a:shade val="50000"/>
-                </a:schemeClr>
-              </a:lnRef>
-              <a:fillRef idx="1">
-                <a:schemeClr val="accent1"/>
-              </a:fillRef>
-              <a:effectRef idx="0">
-                <a:schemeClr val="accent1"/>
-              </a:effectRef>
-              <a:fontRef idx="minor">
-                <a:schemeClr val="lt1"/>
-              </a:fontRef>
-            </p:style>
-            <p:txBody>
-              <a:bodyPr wrap="none" rtlCol="0" anchor="ctr"/>
-              <a:lstStyle/>
-              <a:p>
-                <a:pPr algn="ctr"/>
-                <a:endParaRPr lang="en-US" sz="1400" smtClean="0">
+            </p:grpSpPr>
+            <p:grpSp>
+              <p:nvGrpSpPr>
+                <p:cNvPr id="6" name="Group 5"/>
+                <p:cNvGrpSpPr/>
+                <p:nvPr/>
+              </p:nvGrpSpPr>
+              <p:grpSpPr>
+                <a:xfrm>
+                  <a:off x="6180095" y="3190894"/>
+                  <a:ext cx="962406" cy="824502"/>
+                  <a:chOff x="6180095" y="3190894"/>
+                  <a:chExt cx="962406" cy="824502"/>
+                </a:xfrm>
+              </p:grpSpPr>
+              <p:sp>
+                <p:nvSpPr>
+                  <p:cNvPr id="421" name="Hexagon 420"/>
+                  <p:cNvSpPr/>
+                  <p:nvPr/>
+                </p:nvSpPr>
+                <p:spPr>
+                  <a:xfrm>
+                    <a:off x="6180095" y="3190894"/>
+                    <a:ext cx="962406" cy="824502"/>
+                  </a:xfrm>
+                  <a:prstGeom prst="hexagon">
+                    <a:avLst/>
+                  </a:prstGeom>
                   <a:solidFill>
-                    <a:schemeClr val="tx1">
-                      <a:lumMod val="85000"/>
-                      <a:lumOff val="15000"/>
+                    <a:schemeClr val="accent6">
+                      <a:lumMod val="40000"/>
+                      <a:lumOff val="60000"/>
                     </a:schemeClr>
                   </a:solidFill>
-                </a:endParaRPr>
-              </a:p>
-            </p:txBody>
-          </p:sp>
-          <p:pic>
-            <p:nvPicPr>
-              <p:cNvPr id="363" name="Picture 362"/>
-              <p:cNvPicPr>
-                <a:picLocks noChangeAspect="1"/>
-              </p:cNvPicPr>
-              <p:nvPr/>
-            </p:nvPicPr>
-            <p:blipFill>
-              <a:blip r:embed="rId15">
-                <a:extLst>
-                  <a:ext uri="{28A0092B-C50C-407E-A947-70E740481C1C}">
-                    <a14:useLocalDpi xmlns:a14="http://schemas.microsoft.com/office/drawing/2010/main" val="0"/>
-                  </a:ext>
-                </a:extLst>
-              </a:blip>
-              <a:stretch>
-                <a:fillRect/>
-              </a:stretch>
-            </p:blipFill>
-            <p:spPr>
-              <a:xfrm>
-                <a:off x="6702294" y="4507799"/>
-                <a:ext cx="305629" cy="319987"/>
-              </a:xfrm>
-              <a:prstGeom prst="rect">
-                <a:avLst/>
-              </a:prstGeom>
-              <a:ln>
-                <a:noFill/>
-              </a:ln>
-            </p:spPr>
-          </p:pic>
+                  <a:ln>
+                    <a:noFill/>
+                  </a:ln>
+                </p:spPr>
+                <p:style>
+                  <a:lnRef idx="2">
+                    <a:schemeClr val="accent1">
+                      <a:shade val="50000"/>
+                    </a:schemeClr>
+                  </a:lnRef>
+                  <a:fillRef idx="1">
+                    <a:schemeClr val="accent1"/>
+                  </a:fillRef>
+                  <a:effectRef idx="0">
+                    <a:schemeClr val="accent1"/>
+                  </a:effectRef>
+                  <a:fontRef idx="minor">
+                    <a:schemeClr val="lt1"/>
+                  </a:fontRef>
+                </p:style>
+                <p:txBody>
+                  <a:bodyPr wrap="none" rtlCol="0" anchor="ctr"/>
+                  <a:lstStyle/>
+                  <a:p>
+                    <a:pPr algn="ctr"/>
+                    <a:endParaRPr lang="en-US" sz="1400" smtClean="0">
+                      <a:solidFill>
+                        <a:schemeClr val="tx1">
+                          <a:lumMod val="85000"/>
+                          <a:lumOff val="15000"/>
+                        </a:schemeClr>
+                      </a:solidFill>
+                    </a:endParaRPr>
+                  </a:p>
+                </p:txBody>
+              </p:sp>
+              <p:pic>
+                <p:nvPicPr>
+                  <p:cNvPr id="103" name="pasted-image.pdf" descr="pasted-image.pdf"/>
+                  <p:cNvPicPr>
+                    <a:picLocks/>
+                  </p:cNvPicPr>
+                  <p:nvPr/>
+                </p:nvPicPr>
+                <p:blipFill>
+                  <a:blip r:embed="rId11">
+                    <a:extLst>
+                      <a:ext uri="{BEBA8EAE-BF5A-486C-A8C5-ECC9F3942E4B}">
+                        <a14:imgProps xmlns:a14="http://schemas.microsoft.com/office/drawing/2010/main">
+                          <a14:imgLayer r:embed="rId12">
+                            <a14:imgEffect>
+                              <a14:colorTemperature colorTemp="5093"/>
+                            </a14:imgEffect>
+                          </a14:imgLayer>
+                        </a14:imgProps>
+                      </a:ext>
+                    </a:extLst>
+                  </a:blip>
+                  <a:stretch>
+                    <a:fillRect/>
+                  </a:stretch>
+                </p:blipFill>
+                <p:spPr>
+                  <a:xfrm>
+                    <a:off x="6315529" y="3248517"/>
+                    <a:ext cx="694944" cy="694944"/>
+                  </a:xfrm>
+                  <a:prstGeom prst="rect">
+                    <a:avLst/>
+                  </a:prstGeom>
+                  <a:ln w="12700" cap="flat">
+                    <a:noFill/>
+                    <a:miter lim="400000"/>
+                  </a:ln>
+                  <a:effectLst>
+                    <a:outerShdw blurRad="25400" dist="25400" dir="2700000" algn="tl" rotWithShape="0">
+                      <a:prstClr val="black">
+                        <a:alpha val="40000"/>
+                      </a:prstClr>
+                    </a:outerShdw>
+                  </a:effectLst>
+                </p:spPr>
+              </p:pic>
+            </p:grpSp>
+            <p:grpSp>
+              <p:nvGrpSpPr>
+                <p:cNvPr id="4" name="Group 3"/>
+                <p:cNvGrpSpPr/>
+                <p:nvPr/>
+              </p:nvGrpSpPr>
+              <p:grpSpPr>
+                <a:xfrm>
+                  <a:off x="6464126" y="3387588"/>
+                  <a:ext cx="396786" cy="418581"/>
+                  <a:chOff x="6440783" y="2613556"/>
+                  <a:chExt cx="305629" cy="322417"/>
+                </a:xfrm>
+              </p:grpSpPr>
+              <p:sp>
+                <p:nvSpPr>
+                  <p:cNvPr id="362" name="Hexagon 1037"/>
+                  <p:cNvSpPr/>
+                  <p:nvPr/>
+                </p:nvSpPr>
+                <p:spPr>
+                  <a:xfrm rot="5400000">
+                    <a:off x="6442619" y="2646257"/>
+                    <a:ext cx="303491" cy="275941"/>
+                  </a:xfrm>
+                  <a:custGeom>
+                    <a:avLst/>
+                    <a:gdLst>
+                      <a:gd name="connsiteX0" fmla="*/ 0 w 1364847"/>
+                      <a:gd name="connsiteY0" fmla="*/ 612107 h 1224213"/>
+                      <a:gd name="connsiteX1" fmla="*/ 306053 w 1364847"/>
+                      <a:gd name="connsiteY1" fmla="*/ 0 h 1224213"/>
+                      <a:gd name="connsiteX2" fmla="*/ 1058794 w 1364847"/>
+                      <a:gd name="connsiteY2" fmla="*/ 0 h 1224213"/>
+                      <a:gd name="connsiteX3" fmla="*/ 1364847 w 1364847"/>
+                      <a:gd name="connsiteY3" fmla="*/ 612107 h 1224213"/>
+                      <a:gd name="connsiteX4" fmla="*/ 1058794 w 1364847"/>
+                      <a:gd name="connsiteY4" fmla="*/ 1224213 h 1224213"/>
+                      <a:gd name="connsiteX5" fmla="*/ 306053 w 1364847"/>
+                      <a:gd name="connsiteY5" fmla="*/ 1224213 h 1224213"/>
+                      <a:gd name="connsiteX6" fmla="*/ 0 w 1364847"/>
+                      <a:gd name="connsiteY6" fmla="*/ 612107 h 1224213"/>
+                      <a:gd name="connsiteX0" fmla="*/ 0 w 1364847"/>
+                      <a:gd name="connsiteY0" fmla="*/ 612107 h 1236913"/>
+                      <a:gd name="connsiteX1" fmla="*/ 306053 w 1364847"/>
+                      <a:gd name="connsiteY1" fmla="*/ 0 h 1236913"/>
+                      <a:gd name="connsiteX2" fmla="*/ 1058794 w 1364847"/>
+                      <a:gd name="connsiteY2" fmla="*/ 0 h 1236913"/>
+                      <a:gd name="connsiteX3" fmla="*/ 1364847 w 1364847"/>
+                      <a:gd name="connsiteY3" fmla="*/ 612107 h 1236913"/>
+                      <a:gd name="connsiteX4" fmla="*/ 1058794 w 1364847"/>
+                      <a:gd name="connsiteY4" fmla="*/ 1224213 h 1236913"/>
+                      <a:gd name="connsiteX5" fmla="*/ 356853 w 1364847"/>
+                      <a:gd name="connsiteY5" fmla="*/ 1236913 h 1236913"/>
+                      <a:gd name="connsiteX6" fmla="*/ 0 w 1364847"/>
+                      <a:gd name="connsiteY6" fmla="*/ 612107 h 1236913"/>
+                      <a:gd name="connsiteX0" fmla="*/ 0 w 1364847"/>
+                      <a:gd name="connsiteY0" fmla="*/ 612107 h 1230563"/>
+                      <a:gd name="connsiteX1" fmla="*/ 306053 w 1364847"/>
+                      <a:gd name="connsiteY1" fmla="*/ 0 h 1230563"/>
+                      <a:gd name="connsiteX2" fmla="*/ 1058794 w 1364847"/>
+                      <a:gd name="connsiteY2" fmla="*/ 0 h 1230563"/>
+                      <a:gd name="connsiteX3" fmla="*/ 1364847 w 1364847"/>
+                      <a:gd name="connsiteY3" fmla="*/ 612107 h 1230563"/>
+                      <a:gd name="connsiteX4" fmla="*/ 1058794 w 1364847"/>
+                      <a:gd name="connsiteY4" fmla="*/ 1224213 h 1230563"/>
+                      <a:gd name="connsiteX5" fmla="*/ 331453 w 1364847"/>
+                      <a:gd name="connsiteY5" fmla="*/ 1230563 h 1230563"/>
+                      <a:gd name="connsiteX6" fmla="*/ 0 w 1364847"/>
+                      <a:gd name="connsiteY6" fmla="*/ 612107 h 1230563"/>
+                      <a:gd name="connsiteX0" fmla="*/ 0 w 1364847"/>
+                      <a:gd name="connsiteY0" fmla="*/ 612107 h 1249613"/>
+                      <a:gd name="connsiteX1" fmla="*/ 306053 w 1364847"/>
+                      <a:gd name="connsiteY1" fmla="*/ 0 h 1249613"/>
+                      <a:gd name="connsiteX2" fmla="*/ 1058794 w 1364847"/>
+                      <a:gd name="connsiteY2" fmla="*/ 0 h 1249613"/>
+                      <a:gd name="connsiteX3" fmla="*/ 1364847 w 1364847"/>
+                      <a:gd name="connsiteY3" fmla="*/ 612107 h 1249613"/>
+                      <a:gd name="connsiteX4" fmla="*/ 1014344 w 1364847"/>
+                      <a:gd name="connsiteY4" fmla="*/ 1249613 h 1249613"/>
+                      <a:gd name="connsiteX5" fmla="*/ 331453 w 1364847"/>
+                      <a:gd name="connsiteY5" fmla="*/ 1230563 h 1249613"/>
+                      <a:gd name="connsiteX6" fmla="*/ 0 w 1364847"/>
+                      <a:gd name="connsiteY6" fmla="*/ 612107 h 1249613"/>
+                      <a:gd name="connsiteX0" fmla="*/ 0 w 1364847"/>
+                      <a:gd name="connsiteY0" fmla="*/ 612107 h 1249613"/>
+                      <a:gd name="connsiteX1" fmla="*/ 306053 w 1364847"/>
+                      <a:gd name="connsiteY1" fmla="*/ 0 h 1249613"/>
+                      <a:gd name="connsiteX2" fmla="*/ 1058794 w 1364847"/>
+                      <a:gd name="connsiteY2" fmla="*/ 0 h 1249613"/>
+                      <a:gd name="connsiteX3" fmla="*/ 1364847 w 1364847"/>
+                      <a:gd name="connsiteY3" fmla="*/ 643857 h 1249613"/>
+                      <a:gd name="connsiteX4" fmla="*/ 1014344 w 1364847"/>
+                      <a:gd name="connsiteY4" fmla="*/ 1249613 h 1249613"/>
+                      <a:gd name="connsiteX5" fmla="*/ 331453 w 1364847"/>
+                      <a:gd name="connsiteY5" fmla="*/ 1230563 h 1249613"/>
+                      <a:gd name="connsiteX6" fmla="*/ 0 w 1364847"/>
+                      <a:gd name="connsiteY6" fmla="*/ 612107 h 1249613"/>
+                      <a:gd name="connsiteX0" fmla="*/ 0 w 1364847"/>
+                      <a:gd name="connsiteY0" fmla="*/ 637507 h 1275013"/>
+                      <a:gd name="connsiteX1" fmla="*/ 306053 w 1364847"/>
+                      <a:gd name="connsiteY1" fmla="*/ 25400 h 1275013"/>
+                      <a:gd name="connsiteX2" fmla="*/ 1007994 w 1364847"/>
+                      <a:gd name="connsiteY2" fmla="*/ 0 h 1275013"/>
+                      <a:gd name="connsiteX3" fmla="*/ 1364847 w 1364847"/>
+                      <a:gd name="connsiteY3" fmla="*/ 669257 h 1275013"/>
+                      <a:gd name="connsiteX4" fmla="*/ 1014344 w 1364847"/>
+                      <a:gd name="connsiteY4" fmla="*/ 1275013 h 1275013"/>
+                      <a:gd name="connsiteX5" fmla="*/ 331453 w 1364847"/>
+                      <a:gd name="connsiteY5" fmla="*/ 1255963 h 1275013"/>
+                      <a:gd name="connsiteX6" fmla="*/ 0 w 1364847"/>
+                      <a:gd name="connsiteY6" fmla="*/ 637507 h 1275013"/>
+                      <a:gd name="connsiteX0" fmla="*/ 0 w 1364847"/>
+                      <a:gd name="connsiteY0" fmla="*/ 643857 h 1281363"/>
+                      <a:gd name="connsiteX1" fmla="*/ 344153 w 1364847"/>
+                      <a:gd name="connsiteY1" fmla="*/ 0 h 1281363"/>
+                      <a:gd name="connsiteX2" fmla="*/ 1007994 w 1364847"/>
+                      <a:gd name="connsiteY2" fmla="*/ 6350 h 1281363"/>
+                      <a:gd name="connsiteX3" fmla="*/ 1364847 w 1364847"/>
+                      <a:gd name="connsiteY3" fmla="*/ 675607 h 1281363"/>
+                      <a:gd name="connsiteX4" fmla="*/ 1014344 w 1364847"/>
+                      <a:gd name="connsiteY4" fmla="*/ 1281363 h 1281363"/>
+                      <a:gd name="connsiteX5" fmla="*/ 331453 w 1364847"/>
+                      <a:gd name="connsiteY5" fmla="*/ 1262313 h 1281363"/>
+                      <a:gd name="connsiteX6" fmla="*/ 0 w 1364847"/>
+                      <a:gd name="connsiteY6" fmla="*/ 643857 h 1281363"/>
+                      <a:gd name="connsiteX0" fmla="*/ 0 w 1364847"/>
+                      <a:gd name="connsiteY0" fmla="*/ 643857 h 1281363"/>
+                      <a:gd name="connsiteX1" fmla="*/ 344153 w 1364847"/>
+                      <a:gd name="connsiteY1" fmla="*/ 0 h 1281363"/>
+                      <a:gd name="connsiteX2" fmla="*/ 1007994 w 1364847"/>
+                      <a:gd name="connsiteY2" fmla="*/ 6350 h 1281363"/>
+                      <a:gd name="connsiteX3" fmla="*/ 1364847 w 1364847"/>
+                      <a:gd name="connsiteY3" fmla="*/ 675607 h 1281363"/>
+                      <a:gd name="connsiteX4" fmla="*/ 1014344 w 1364847"/>
+                      <a:gd name="connsiteY4" fmla="*/ 1281363 h 1281363"/>
+                      <a:gd name="connsiteX5" fmla="*/ 369553 w 1364847"/>
+                      <a:gd name="connsiteY5" fmla="*/ 1275013 h 1281363"/>
+                      <a:gd name="connsiteX6" fmla="*/ 0 w 1364847"/>
+                      <a:gd name="connsiteY6" fmla="*/ 643857 h 1281363"/>
+                      <a:gd name="connsiteX0" fmla="*/ 0 w 1390247"/>
+                      <a:gd name="connsiteY0" fmla="*/ 643857 h 1281363"/>
+                      <a:gd name="connsiteX1" fmla="*/ 344153 w 1390247"/>
+                      <a:gd name="connsiteY1" fmla="*/ 0 h 1281363"/>
+                      <a:gd name="connsiteX2" fmla="*/ 1007994 w 1390247"/>
+                      <a:gd name="connsiteY2" fmla="*/ 6350 h 1281363"/>
+                      <a:gd name="connsiteX3" fmla="*/ 1390247 w 1390247"/>
+                      <a:gd name="connsiteY3" fmla="*/ 656557 h 1281363"/>
+                      <a:gd name="connsiteX4" fmla="*/ 1014344 w 1390247"/>
+                      <a:gd name="connsiteY4" fmla="*/ 1281363 h 1281363"/>
+                      <a:gd name="connsiteX5" fmla="*/ 369553 w 1390247"/>
+                      <a:gd name="connsiteY5" fmla="*/ 1275013 h 1281363"/>
+                      <a:gd name="connsiteX6" fmla="*/ 0 w 1390247"/>
+                      <a:gd name="connsiteY6" fmla="*/ 643857 h 1281363"/>
+                      <a:gd name="connsiteX0" fmla="*/ 0 w 1390247"/>
+                      <a:gd name="connsiteY0" fmla="*/ 643857 h 1281363"/>
+                      <a:gd name="connsiteX1" fmla="*/ 344153 w 1390247"/>
+                      <a:gd name="connsiteY1" fmla="*/ 0 h 1281363"/>
+                      <a:gd name="connsiteX2" fmla="*/ 1007994 w 1390247"/>
+                      <a:gd name="connsiteY2" fmla="*/ 6350 h 1281363"/>
+                      <a:gd name="connsiteX3" fmla="*/ 1390247 w 1390247"/>
+                      <a:gd name="connsiteY3" fmla="*/ 656557 h 1281363"/>
+                      <a:gd name="connsiteX4" fmla="*/ 1014344 w 1390247"/>
+                      <a:gd name="connsiteY4" fmla="*/ 1281363 h 1281363"/>
+                      <a:gd name="connsiteX5" fmla="*/ 331453 w 1390247"/>
+                      <a:gd name="connsiteY5" fmla="*/ 1275013 h 1281363"/>
+                      <a:gd name="connsiteX6" fmla="*/ 0 w 1390247"/>
+                      <a:gd name="connsiteY6" fmla="*/ 643857 h 1281363"/>
+                      <a:gd name="connsiteX0" fmla="*/ 0 w 1409297"/>
+                      <a:gd name="connsiteY0" fmla="*/ 656557 h 1281363"/>
+                      <a:gd name="connsiteX1" fmla="*/ 363203 w 1409297"/>
+                      <a:gd name="connsiteY1" fmla="*/ 0 h 1281363"/>
+                      <a:gd name="connsiteX2" fmla="*/ 1027044 w 1409297"/>
+                      <a:gd name="connsiteY2" fmla="*/ 6350 h 1281363"/>
+                      <a:gd name="connsiteX3" fmla="*/ 1409297 w 1409297"/>
+                      <a:gd name="connsiteY3" fmla="*/ 656557 h 1281363"/>
+                      <a:gd name="connsiteX4" fmla="*/ 1033394 w 1409297"/>
+                      <a:gd name="connsiteY4" fmla="*/ 1281363 h 1281363"/>
+                      <a:gd name="connsiteX5" fmla="*/ 350503 w 1409297"/>
+                      <a:gd name="connsiteY5" fmla="*/ 1275013 h 1281363"/>
+                      <a:gd name="connsiteX6" fmla="*/ 0 w 1409297"/>
+                      <a:gd name="connsiteY6" fmla="*/ 656557 h 1281363"/>
+                      <a:gd name="connsiteX0" fmla="*/ 0 w 1409297"/>
+                      <a:gd name="connsiteY0" fmla="*/ 656557 h 1281363"/>
+                      <a:gd name="connsiteX1" fmla="*/ 363203 w 1409297"/>
+                      <a:gd name="connsiteY1" fmla="*/ 0 h 1281363"/>
+                      <a:gd name="connsiteX2" fmla="*/ 1046094 w 1409297"/>
+                      <a:gd name="connsiteY2" fmla="*/ 19050 h 1281363"/>
+                      <a:gd name="connsiteX3" fmla="*/ 1409297 w 1409297"/>
+                      <a:gd name="connsiteY3" fmla="*/ 656557 h 1281363"/>
+                      <a:gd name="connsiteX4" fmla="*/ 1033394 w 1409297"/>
+                      <a:gd name="connsiteY4" fmla="*/ 1281363 h 1281363"/>
+                      <a:gd name="connsiteX5" fmla="*/ 350503 w 1409297"/>
+                      <a:gd name="connsiteY5" fmla="*/ 1275013 h 1281363"/>
+                      <a:gd name="connsiteX6" fmla="*/ 0 w 1409297"/>
+                      <a:gd name="connsiteY6" fmla="*/ 656557 h 1281363"/>
+                      <a:gd name="connsiteX0" fmla="*/ 0 w 1409297"/>
+                      <a:gd name="connsiteY0" fmla="*/ 656557 h 1281363"/>
+                      <a:gd name="connsiteX1" fmla="*/ 363203 w 1409297"/>
+                      <a:gd name="connsiteY1" fmla="*/ 0 h 1281363"/>
+                      <a:gd name="connsiteX2" fmla="*/ 1052444 w 1409297"/>
+                      <a:gd name="connsiteY2" fmla="*/ 6350 h 1281363"/>
+                      <a:gd name="connsiteX3" fmla="*/ 1409297 w 1409297"/>
+                      <a:gd name="connsiteY3" fmla="*/ 656557 h 1281363"/>
+                      <a:gd name="connsiteX4" fmla="*/ 1033394 w 1409297"/>
+                      <a:gd name="connsiteY4" fmla="*/ 1281363 h 1281363"/>
+                      <a:gd name="connsiteX5" fmla="*/ 350503 w 1409297"/>
+                      <a:gd name="connsiteY5" fmla="*/ 1275013 h 1281363"/>
+                      <a:gd name="connsiteX6" fmla="*/ 0 w 1409297"/>
+                      <a:gd name="connsiteY6" fmla="*/ 656557 h 1281363"/>
+                    </a:gdLst>
+                    <a:ahLst/>
+                    <a:cxnLst>
+                      <a:cxn ang="0">
+                        <a:pos x="connsiteX0" y="connsiteY0"/>
+                      </a:cxn>
+                      <a:cxn ang="0">
+                        <a:pos x="connsiteX1" y="connsiteY1"/>
+                      </a:cxn>
+                      <a:cxn ang="0">
+                        <a:pos x="connsiteX2" y="connsiteY2"/>
+                      </a:cxn>
+                      <a:cxn ang="0">
+                        <a:pos x="connsiteX3" y="connsiteY3"/>
+                      </a:cxn>
+                      <a:cxn ang="0">
+                        <a:pos x="connsiteX4" y="connsiteY4"/>
+                      </a:cxn>
+                      <a:cxn ang="0">
+                        <a:pos x="connsiteX5" y="connsiteY5"/>
+                      </a:cxn>
+                      <a:cxn ang="0">
+                        <a:pos x="connsiteX6" y="connsiteY6"/>
+                      </a:cxn>
+                    </a:cxnLst>
+                    <a:rect l="l" t="t" r="r" b="b"/>
+                    <a:pathLst>
+                      <a:path w="1409297" h="1281363">
+                        <a:moveTo>
+                          <a:pt x="0" y="656557"/>
+                        </a:moveTo>
+                        <a:lnTo>
+                          <a:pt x="363203" y="0"/>
+                        </a:lnTo>
+                        <a:lnTo>
+                          <a:pt x="1052444" y="6350"/>
+                        </a:lnTo>
+                        <a:lnTo>
+                          <a:pt x="1409297" y="656557"/>
+                        </a:lnTo>
+                        <a:lnTo>
+                          <a:pt x="1033394" y="1281363"/>
+                        </a:lnTo>
+                        <a:lnTo>
+                          <a:pt x="350503" y="1275013"/>
+                        </a:lnTo>
+                        <a:lnTo>
+                          <a:pt x="0" y="656557"/>
+                        </a:lnTo>
+                        <a:close/>
+                      </a:path>
+                    </a:pathLst>
+                  </a:custGeom>
+                  <a:solidFill>
+                    <a:schemeClr val="bg1"/>
+                  </a:solidFill>
+                  <a:ln>
+                    <a:noFill/>
+                  </a:ln>
+                </p:spPr>
+                <p:style>
+                  <a:lnRef idx="2">
+                    <a:schemeClr val="accent1">
+                      <a:shade val="50000"/>
+                    </a:schemeClr>
+                  </a:lnRef>
+                  <a:fillRef idx="1">
+                    <a:schemeClr val="accent1"/>
+                  </a:fillRef>
+                  <a:effectRef idx="0">
+                    <a:schemeClr val="accent1"/>
+                  </a:effectRef>
+                  <a:fontRef idx="minor">
+                    <a:schemeClr val="lt1"/>
+                  </a:fontRef>
+                </p:style>
+                <p:txBody>
+                  <a:bodyPr wrap="none" rtlCol="0" anchor="ctr"/>
+                  <a:lstStyle/>
+                  <a:p>
+                    <a:pPr algn="ctr"/>
+                    <a:endParaRPr lang="en-US" sz="1400" smtClean="0">
+                      <a:solidFill>
+                        <a:schemeClr val="tx1">
+                          <a:lumMod val="85000"/>
+                          <a:lumOff val="15000"/>
+                        </a:schemeClr>
+                      </a:solidFill>
+                    </a:endParaRPr>
+                  </a:p>
+                </p:txBody>
+              </p:sp>
+              <p:pic>
+                <p:nvPicPr>
+                  <p:cNvPr id="363" name="Picture 362"/>
+                  <p:cNvPicPr>
+                    <a:picLocks noChangeAspect="1"/>
+                  </p:cNvPicPr>
+                  <p:nvPr/>
+                </p:nvPicPr>
+                <p:blipFill>
+                  <a:blip r:embed="rId14">
+                    <a:extLst>
+                      <a:ext uri="{28A0092B-C50C-407E-A947-70E740481C1C}">
+                        <a14:useLocalDpi xmlns:a14="http://schemas.microsoft.com/office/drawing/2010/main" val="0"/>
+                      </a:ext>
+                    </a:extLst>
+                  </a:blip>
+                  <a:stretch>
+                    <a:fillRect/>
+                  </a:stretch>
+                </p:blipFill>
+                <p:spPr>
+                  <a:xfrm>
+                    <a:off x="6440783" y="2613556"/>
+                    <a:ext cx="305629" cy="319987"/>
+                  </a:xfrm>
+                  <a:prstGeom prst="rect">
+                    <a:avLst/>
+                  </a:prstGeom>
+                  <a:ln>
+                    <a:noFill/>
+                  </a:ln>
+                </p:spPr>
+              </p:pic>
+            </p:grpSp>
+          </p:grpSp>
         </p:grpSp>
+      </p:grpSp>
+      <p:pic>
+        <p:nvPicPr>
+          <p:cNvPr id="614" name="Picture 613"/>
+          <p:cNvPicPr>
+            <a:picLocks noChangeAspect="1"/>
+          </p:cNvPicPr>
+          <p:nvPr/>
+        </p:nvPicPr>
+        <p:blipFill>
+          <a:blip r:embed="rId15">
+            <a:extLst>
+              <a:ext uri="{28A0092B-C50C-407E-A947-70E740481C1C}">
+                <a14:useLocalDpi xmlns:a14="http://schemas.microsoft.com/office/drawing/2010/main" val="0"/>
+              </a:ext>
+            </a:extLst>
+          </a:blip>
+          <a:stretch>
+            <a:fillRect/>
+          </a:stretch>
+        </p:blipFill>
+        <p:spPr>
+          <a:xfrm>
+            <a:off x="6559638" y="1809768"/>
+            <a:ext cx="482678" cy="296448"/>
+          </a:xfrm>
+          <a:prstGeom prst="rect">
+            <a:avLst/>
+          </a:prstGeom>
+          <a:effectLst>
+            <a:outerShdw blurRad="12700" dist="12700" dir="2700000" algn="tl" rotWithShape="0">
+              <a:schemeClr val="bg1">
+                <a:alpha val="40000"/>
+              </a:schemeClr>
+            </a:outerShdw>
+          </a:effectLst>
+        </p:spPr>
+      </p:pic>
+      <p:grpSp>
+        <p:nvGrpSpPr>
+          <p:cNvPr id="1033" name="Group 1032"/>
+          <p:cNvGrpSpPr/>
+          <p:nvPr/>
+        </p:nvGrpSpPr>
+        <p:grpSpPr>
+          <a:xfrm>
+            <a:off x="7446868" y="1796593"/>
+            <a:ext cx="1845638" cy="1828800"/>
+            <a:chOff x="7937545" y="1543136"/>
+            <a:chExt cx="1845638" cy="1828800"/>
+          </a:xfrm>
+        </p:grpSpPr>
         <p:sp>
           <p:nvSpPr>
-            <p:cNvPr id="461" name="Hexagon 460"/>
+            <p:cNvPr id="110" name="Rectangle 109"/>
             <p:cNvSpPr/>
             <p:nvPr/>
           </p:nvSpPr>
           <p:spPr>
             <a:xfrm>
-              <a:off x="7008984" y="2715905"/>
-              <a:ext cx="962406" cy="824502"/>
-            </a:xfrm>
-            <a:prstGeom prst="hexagon">
-              <a:avLst/>
-            </a:prstGeom>
-            <a:solidFill>
-              <a:schemeClr val="accent6">
-                <a:lumMod val="40000"/>
-                <a:lumOff val="60000"/>
-              </a:schemeClr>
-            </a:solidFill>
-            <a:ln>
-              <a:noFill/>
-            </a:ln>
-          </p:spPr>
-          <p:style>
-            <a:lnRef idx="2">
-              <a:schemeClr val="accent1">
-                <a:shade val="50000"/>
-              </a:schemeClr>
-            </a:lnRef>
-            <a:fillRef idx="1">
-              <a:schemeClr val="accent1"/>
-            </a:fillRef>
-            <a:effectRef idx="0">
-              <a:schemeClr val="accent1"/>
-            </a:effectRef>
-            <a:fontRef idx="minor">
-              <a:schemeClr val="lt1"/>
-            </a:fontRef>
-          </p:style>
-          <p:txBody>
-            <a:bodyPr wrap="none" rtlCol="0" anchor="ctr"/>
-            <a:lstStyle/>
-            <a:p>
-              <a:pPr algn="ctr"/>
-              <a:endParaRPr lang="en-US" sz="1400" smtClean="0">
-                <a:solidFill>
-                  <a:schemeClr val="tx1">
-                    <a:lumMod val="85000"/>
-                    <a:lumOff val="15000"/>
-                  </a:schemeClr>
-                </a:solidFill>
-              </a:endParaRPr>
-            </a:p>
-          </p:txBody>
-        </p:sp>
-        <p:grpSp>
-          <p:nvGrpSpPr>
-            <p:cNvPr id="484" name="Group 483"/>
-            <p:cNvGrpSpPr/>
-            <p:nvPr/>
-          </p:nvGrpSpPr>
-          <p:grpSpPr>
-            <a:xfrm>
-              <a:off x="7153527" y="2774956"/>
-              <a:ext cx="673321" cy="706400"/>
-              <a:chOff x="7842152" y="3407874"/>
-              <a:chExt cx="673321" cy="706400"/>
-            </a:xfrm>
-          </p:grpSpPr>
-          <p:pic>
-            <p:nvPicPr>
-              <p:cNvPr id="463" name="pasted-image.pdf" descr="pasted-image.pdf"/>
-              <p:cNvPicPr>
-                <a:picLocks noChangeAspect="1"/>
-              </p:cNvPicPr>
-              <p:nvPr/>
-            </p:nvPicPr>
-            <p:blipFill>
-              <a:blip r:embed="rId12">
-                <a:extLst>
-                  <a:ext uri="{BEBA8EAE-BF5A-486C-A8C5-ECC9F3942E4B}">
-                    <a14:imgProps xmlns:a14="http://schemas.microsoft.com/office/drawing/2010/main">
-                      <a14:imgLayer r:embed="rId13">
-                        <a14:imgEffect>
-                          <a14:colorTemperature colorTemp="5093"/>
-                        </a14:imgEffect>
-                      </a14:imgLayer>
-                    </a14:imgProps>
-                  </a:ext>
-                </a:extLst>
-              </a:blip>
-              <a:stretch>
-                <a:fillRect/>
-              </a:stretch>
-            </p:blipFill>
-            <p:spPr>
-              <a:xfrm>
-                <a:off x="7980958" y="3407874"/>
-                <a:ext cx="534515" cy="549875"/>
-              </a:xfrm>
-              <a:prstGeom prst="rect">
-                <a:avLst/>
-              </a:prstGeom>
-              <a:ln w="12700" cap="flat">
-                <a:noFill/>
-                <a:miter lim="400000"/>
-              </a:ln>
-              <a:effectLst>
-                <a:outerShdw blurRad="25400" dist="25400" dir="2700000" algn="tl" rotWithShape="0">
-                  <a:prstClr val="black">
-                    <a:alpha val="40000"/>
-                  </a:prstClr>
-                </a:outerShdw>
-              </a:effectLst>
-            </p:spPr>
-          </p:pic>
-          <p:pic>
-            <p:nvPicPr>
-              <p:cNvPr id="464" name="pasted-image.pdf" descr="pasted-image.pdf"/>
-              <p:cNvPicPr>
-                <a:picLocks noChangeAspect="1"/>
-              </p:cNvPicPr>
-              <p:nvPr/>
-            </p:nvPicPr>
-            <p:blipFill>
-              <a:blip r:embed="rId12">
-                <a:extLst>
-                  <a:ext uri="{BEBA8EAE-BF5A-486C-A8C5-ECC9F3942E4B}">
-                    <a14:imgProps xmlns:a14="http://schemas.microsoft.com/office/drawing/2010/main">
-                      <a14:imgLayer r:embed="rId13">
-                        <a14:imgEffect>
-                          <a14:colorTemperature colorTemp="5093"/>
-                        </a14:imgEffect>
-                      </a14:imgLayer>
-                    </a14:imgProps>
-                  </a:ext>
-                </a:extLst>
-              </a:blip>
-              <a:stretch>
-                <a:fillRect/>
-              </a:stretch>
-            </p:blipFill>
-            <p:spPr>
-              <a:xfrm>
-                <a:off x="7920913" y="3484074"/>
-                <a:ext cx="534515" cy="549875"/>
-              </a:xfrm>
-              <a:prstGeom prst="rect">
-                <a:avLst/>
-              </a:prstGeom>
-              <a:ln w="12700" cap="flat">
-                <a:noFill/>
-                <a:miter lim="400000"/>
-              </a:ln>
-              <a:effectLst>
-                <a:outerShdw blurRad="25400" dist="25400" dir="2700000" algn="tl" rotWithShape="0">
-                  <a:prstClr val="black">
-                    <a:alpha val="40000"/>
-                  </a:prstClr>
-                </a:outerShdw>
-              </a:effectLst>
-            </p:spPr>
-          </p:pic>
-          <p:pic>
-            <p:nvPicPr>
-              <p:cNvPr id="465" name="pasted-image.pdf" descr="pasted-image.pdf"/>
-              <p:cNvPicPr>
-                <a:picLocks noChangeAspect="1"/>
-              </p:cNvPicPr>
-              <p:nvPr/>
-            </p:nvPicPr>
-            <p:blipFill>
-              <a:blip r:embed="rId12">
-                <a:extLst>
-                  <a:ext uri="{BEBA8EAE-BF5A-486C-A8C5-ECC9F3942E4B}">
-                    <a14:imgProps xmlns:a14="http://schemas.microsoft.com/office/drawing/2010/main">
-                      <a14:imgLayer r:embed="rId13">
-                        <a14:imgEffect>
-                          <a14:colorTemperature colorTemp="5093"/>
-                        </a14:imgEffect>
-                      </a14:imgLayer>
-                    </a14:imgProps>
-                  </a:ext>
-                </a:extLst>
-              </a:blip>
-              <a:stretch>
-                <a:fillRect/>
-              </a:stretch>
-            </p:blipFill>
-            <p:spPr>
-              <a:xfrm>
-                <a:off x="7842152" y="3564399"/>
-                <a:ext cx="534515" cy="549875"/>
-              </a:xfrm>
-              <a:prstGeom prst="rect">
-                <a:avLst/>
-              </a:prstGeom>
-              <a:ln w="12700" cap="flat">
-                <a:noFill/>
-                <a:miter lim="400000"/>
-              </a:ln>
-              <a:effectLst>
-                <a:outerShdw blurRad="25400" dist="25400" dir="2700000" algn="tl" rotWithShape="0">
-                  <a:prstClr val="black">
-                    <a:alpha val="40000"/>
-                  </a:prstClr>
-                </a:outerShdw>
-              </a:effectLst>
-            </p:spPr>
-          </p:pic>
-        </p:grpSp>
-      </p:grpSp>
-      <p:grpSp>
-        <p:nvGrpSpPr>
-          <p:cNvPr id="631" name="Group 630"/>
-          <p:cNvGrpSpPr/>
-          <p:nvPr/>
-        </p:nvGrpSpPr>
-        <p:grpSpPr>
-          <a:xfrm>
-            <a:off x="7764408" y="1853613"/>
-            <a:ext cx="1989192" cy="1880187"/>
-            <a:chOff x="8964490" y="1810966"/>
-            <a:chExt cx="1989192" cy="1880187"/>
-          </a:xfrm>
-        </p:grpSpPr>
-        <p:sp>
-          <p:nvSpPr>
-            <p:cNvPr id="612" name="Rectangle 611"/>
-            <p:cNvSpPr/>
-            <p:nvPr/>
-          </p:nvSpPr>
-          <p:spPr>
-            <a:xfrm>
-              <a:off x="8964490" y="1810966"/>
-              <a:ext cx="1989192" cy="1880187"/>
+              <a:off x="7937545" y="1543136"/>
+              <a:ext cx="1845638" cy="1828800"/>
             </a:xfrm>
             <a:prstGeom prst="rect">
               <a:avLst/>
@@ -3895,27 +3766,2212 @@
         </p:sp>
         <p:grpSp>
           <p:nvGrpSpPr>
-            <p:cNvPr id="590" name="Group 589"/>
+            <p:cNvPr id="15" name="Group 14"/>
             <p:cNvGrpSpPr/>
             <p:nvPr/>
           </p:nvGrpSpPr>
           <p:grpSpPr>
             <a:xfrm>
-              <a:off x="9921140" y="2361298"/>
+              <a:off x="8010268" y="1603930"/>
               <a:ext cx="962406" cy="824502"/>
-              <a:chOff x="7391400" y="3635450"/>
+              <a:chOff x="8273559" y="2051336"/>
+              <a:chExt cx="962406" cy="824502"/>
+            </a:xfrm>
+          </p:grpSpPr>
+          <p:grpSp>
+            <p:nvGrpSpPr>
+              <p:cNvPr id="117" name="Group 116"/>
+              <p:cNvGrpSpPr/>
+              <p:nvPr/>
+            </p:nvGrpSpPr>
+            <p:grpSpPr>
+              <a:xfrm>
+                <a:off x="8273559" y="2051336"/>
+                <a:ext cx="962406" cy="824502"/>
+                <a:chOff x="6181798" y="3183738"/>
+                <a:chExt cx="962406" cy="824502"/>
+              </a:xfrm>
+            </p:grpSpPr>
+            <p:sp>
+              <p:nvSpPr>
+                <p:cNvPr id="118" name="Hexagon 117"/>
+                <p:cNvSpPr/>
+                <p:nvPr/>
+              </p:nvSpPr>
+              <p:spPr>
+                <a:xfrm>
+                  <a:off x="6181798" y="3183738"/>
+                  <a:ext cx="962406" cy="824502"/>
+                </a:xfrm>
+                <a:prstGeom prst="hexagon">
+                  <a:avLst/>
+                </a:prstGeom>
+                <a:solidFill>
+                  <a:schemeClr val="accent6">
+                    <a:lumMod val="40000"/>
+                    <a:lumOff val="60000"/>
+                  </a:schemeClr>
+                </a:solidFill>
+                <a:ln>
+                  <a:noFill/>
+                </a:ln>
+              </p:spPr>
+              <p:style>
+                <a:lnRef idx="2">
+                  <a:schemeClr val="accent1">
+                    <a:shade val="50000"/>
+                  </a:schemeClr>
+                </a:lnRef>
+                <a:fillRef idx="1">
+                  <a:schemeClr val="accent1"/>
+                </a:fillRef>
+                <a:effectRef idx="0">
+                  <a:schemeClr val="accent1"/>
+                </a:effectRef>
+                <a:fontRef idx="minor">
+                  <a:schemeClr val="lt1"/>
+                </a:fontRef>
+              </p:style>
+              <p:txBody>
+                <a:bodyPr wrap="none" rtlCol="0" anchor="ctr"/>
+                <a:lstStyle/>
+                <a:p>
+                  <a:pPr algn="ctr"/>
+                  <a:endParaRPr lang="en-US" sz="1400" smtClean="0">
+                    <a:solidFill>
+                      <a:schemeClr val="tx1">
+                        <a:lumMod val="85000"/>
+                        <a:lumOff val="15000"/>
+                      </a:schemeClr>
+                    </a:solidFill>
+                  </a:endParaRPr>
+                </a:p>
+              </p:txBody>
+            </p:sp>
+            <p:pic>
+              <p:nvPicPr>
+                <p:cNvPr id="119" name="pasted-image.pdf" descr="pasted-image.pdf"/>
+                <p:cNvPicPr>
+                  <a:picLocks/>
+                </p:cNvPicPr>
+                <p:nvPr/>
+              </p:nvPicPr>
+              <p:blipFill>
+                <a:blip r:embed="rId11">
+                  <a:extLst>
+                    <a:ext uri="{BEBA8EAE-BF5A-486C-A8C5-ECC9F3942E4B}">
+                      <a14:imgProps xmlns:a14="http://schemas.microsoft.com/office/drawing/2010/main">
+                        <a14:imgLayer r:embed="rId12">
+                          <a14:imgEffect>
+                            <a14:colorTemperature colorTemp="5093"/>
+                          </a14:imgEffect>
+                        </a14:imgLayer>
+                      </a14:imgProps>
+                    </a:ext>
+                  </a:extLst>
+                </a:blip>
+                <a:stretch>
+                  <a:fillRect/>
+                </a:stretch>
+              </p:blipFill>
+              <p:spPr>
+                <a:xfrm>
+                  <a:off x="6315529" y="3248517"/>
+                  <a:ext cx="694944" cy="694944"/>
+                </a:xfrm>
+                <a:prstGeom prst="rect">
+                  <a:avLst/>
+                </a:prstGeom>
+                <a:ln w="12700" cap="flat">
+                  <a:noFill/>
+                  <a:miter lim="400000"/>
+                </a:ln>
+                <a:effectLst>
+                  <a:outerShdw blurRad="25400" dist="25400" dir="2700000" algn="tl" rotWithShape="0">
+                    <a:prstClr val="black">
+                      <a:alpha val="40000"/>
+                    </a:prstClr>
+                  </a:outerShdw>
+                </a:effectLst>
+              </p:spPr>
+            </p:pic>
+          </p:grpSp>
+          <p:sp>
+            <p:nvSpPr>
+              <p:cNvPr id="13" name="Oval 12"/>
+              <p:cNvSpPr/>
+              <p:nvPr/>
+            </p:nvSpPr>
+            <p:spPr>
+              <a:xfrm>
+                <a:off x="8636343" y="2365742"/>
+                <a:ext cx="236838" cy="236755"/>
+              </a:xfrm>
+              <a:prstGeom prst="ellipse">
+                <a:avLst/>
+              </a:prstGeom>
+              <a:solidFill>
+                <a:srgbClr val="76D6FF"/>
+              </a:solidFill>
+              <a:ln>
+                <a:noFill/>
+              </a:ln>
+            </p:spPr>
+            <p:style>
+              <a:lnRef idx="2">
+                <a:schemeClr val="accent1">
+                  <a:shade val="50000"/>
+                </a:schemeClr>
+              </a:lnRef>
+              <a:fillRef idx="1">
+                <a:schemeClr val="accent1"/>
+              </a:fillRef>
+              <a:effectRef idx="0">
+                <a:schemeClr val="accent1"/>
+              </a:effectRef>
+              <a:fontRef idx="minor">
+                <a:schemeClr val="lt1"/>
+              </a:fontRef>
+            </p:style>
+            <p:txBody>
+              <a:bodyPr wrap="none" rtlCol="0" anchor="ctr"/>
+              <a:lstStyle/>
+              <a:p>
+                <a:pPr algn="ctr"/>
+                <a:endParaRPr lang="en-US" sz="1400" smtClean="0">
+                  <a:solidFill>
+                    <a:schemeClr val="tx1">
+                      <a:lumMod val="85000"/>
+                      <a:lumOff val="15000"/>
+                    </a:schemeClr>
+                  </a:solidFill>
+                </a:endParaRPr>
+              </a:p>
+            </p:txBody>
+          </p:sp>
+          <p:pic>
+            <p:nvPicPr>
+              <p:cNvPr id="134" name="Picture 133"/>
+              <p:cNvPicPr>
+                <a:picLocks noChangeAspect="1"/>
+              </p:cNvPicPr>
+              <p:nvPr/>
+            </p:nvPicPr>
+            <p:blipFill>
+              <a:blip r:embed="rId16">
+                <a:extLst>
+                  <a:ext uri="{28A0092B-C50C-407E-A947-70E740481C1C}">
+                    <a14:useLocalDpi xmlns:a14="http://schemas.microsoft.com/office/drawing/2010/main" val="0"/>
+                  </a:ext>
+                </a:extLst>
+              </a:blip>
+              <a:stretch>
+                <a:fillRect/>
+              </a:stretch>
+            </p:blipFill>
+            <p:spPr>
+              <a:xfrm>
+                <a:off x="8426366" y="2317522"/>
+                <a:ext cx="584310" cy="299059"/>
+              </a:xfrm>
+              <a:prstGeom prst="rect">
+                <a:avLst/>
+              </a:prstGeom>
+              <a:effectLst>
+                <a:outerShdw dist="12700" dir="2700000" algn="tl" rotWithShape="0">
+                  <a:schemeClr val="bg1">
+                    <a:alpha val="40000"/>
+                  </a:schemeClr>
+                </a:outerShdw>
+              </a:effectLst>
+            </p:spPr>
+          </p:pic>
+        </p:grpSp>
+        <p:grpSp>
+          <p:nvGrpSpPr>
+            <p:cNvPr id="145" name="Group 144"/>
+            <p:cNvGrpSpPr/>
+            <p:nvPr/>
+          </p:nvGrpSpPr>
+          <p:grpSpPr>
+            <a:xfrm>
+              <a:off x="8003742" y="2485043"/>
+              <a:ext cx="962406" cy="824502"/>
+              <a:chOff x="6955668" y="2729773"/>
+              <a:chExt cx="962406" cy="824502"/>
+            </a:xfrm>
+          </p:grpSpPr>
+          <p:grpSp>
+            <p:nvGrpSpPr>
+              <p:cNvPr id="146" name="Group 145"/>
+              <p:cNvGrpSpPr/>
+              <p:nvPr/>
+            </p:nvGrpSpPr>
+            <p:grpSpPr>
+              <a:xfrm>
+                <a:off x="6955668" y="2729773"/>
+                <a:ext cx="962406" cy="824502"/>
+                <a:chOff x="6181798" y="3183738"/>
+                <a:chExt cx="962406" cy="824502"/>
+              </a:xfrm>
+            </p:grpSpPr>
+            <p:sp>
+              <p:nvSpPr>
+                <p:cNvPr id="148" name="Hexagon 147"/>
+                <p:cNvSpPr/>
+                <p:nvPr/>
+              </p:nvSpPr>
+              <p:spPr>
+                <a:xfrm>
+                  <a:off x="6181798" y="3183738"/>
+                  <a:ext cx="962406" cy="824502"/>
+                </a:xfrm>
+                <a:prstGeom prst="hexagon">
+                  <a:avLst/>
+                </a:prstGeom>
+                <a:solidFill>
+                  <a:schemeClr val="accent6">
+                    <a:lumMod val="40000"/>
+                    <a:lumOff val="60000"/>
+                  </a:schemeClr>
+                </a:solidFill>
+                <a:ln>
+                  <a:noFill/>
+                </a:ln>
+              </p:spPr>
+              <p:style>
+                <a:lnRef idx="2">
+                  <a:schemeClr val="accent1">
+                    <a:shade val="50000"/>
+                  </a:schemeClr>
+                </a:lnRef>
+                <a:fillRef idx="1">
+                  <a:schemeClr val="accent1"/>
+                </a:fillRef>
+                <a:effectRef idx="0">
+                  <a:schemeClr val="accent1"/>
+                </a:effectRef>
+                <a:fontRef idx="minor">
+                  <a:schemeClr val="lt1"/>
+                </a:fontRef>
+              </p:style>
+              <p:txBody>
+                <a:bodyPr wrap="none" rtlCol="0" anchor="ctr"/>
+                <a:lstStyle/>
+                <a:p>
+                  <a:pPr algn="ctr"/>
+                  <a:endParaRPr lang="en-US" sz="1400" smtClean="0">
+                    <a:solidFill>
+                      <a:schemeClr val="tx1">
+                        <a:lumMod val="85000"/>
+                        <a:lumOff val="15000"/>
+                      </a:schemeClr>
+                    </a:solidFill>
+                  </a:endParaRPr>
+                </a:p>
+              </p:txBody>
+            </p:sp>
+            <p:pic>
+              <p:nvPicPr>
+                <p:cNvPr id="149" name="pasted-image.pdf" descr="pasted-image.pdf"/>
+                <p:cNvPicPr>
+                  <a:picLocks/>
+                </p:cNvPicPr>
+                <p:nvPr/>
+              </p:nvPicPr>
+              <p:blipFill>
+                <a:blip r:embed="rId11">
+                  <a:extLst>
+                    <a:ext uri="{BEBA8EAE-BF5A-486C-A8C5-ECC9F3942E4B}">
+                      <a14:imgProps xmlns:a14="http://schemas.microsoft.com/office/drawing/2010/main">
+                        <a14:imgLayer r:embed="rId12">
+                          <a14:imgEffect>
+                            <a14:colorTemperature colorTemp="5093"/>
+                          </a14:imgEffect>
+                        </a14:imgLayer>
+                      </a14:imgProps>
+                    </a:ext>
+                  </a:extLst>
+                </a:blip>
+                <a:stretch>
+                  <a:fillRect/>
+                </a:stretch>
+              </p:blipFill>
+              <p:spPr>
+                <a:xfrm>
+                  <a:off x="6315529" y="3248517"/>
+                  <a:ext cx="694944" cy="694944"/>
+                </a:xfrm>
+                <a:prstGeom prst="rect">
+                  <a:avLst/>
+                </a:prstGeom>
+                <a:ln w="12700" cap="flat">
+                  <a:noFill/>
+                  <a:miter lim="400000"/>
+                </a:ln>
+                <a:effectLst>
+                  <a:outerShdw blurRad="25400" dist="25400" dir="2700000" algn="tl" rotWithShape="0">
+                    <a:prstClr val="black">
+                      <a:alpha val="40000"/>
+                    </a:prstClr>
+                  </a:outerShdw>
+                </a:effectLst>
+              </p:spPr>
+            </p:pic>
+          </p:grpSp>
+          <p:pic>
+            <p:nvPicPr>
+              <p:cNvPr id="147" name="Picture 146"/>
+              <p:cNvPicPr>
+                <a:picLocks noChangeAspect="1"/>
+              </p:cNvPicPr>
+              <p:nvPr/>
+            </p:nvPicPr>
+            <p:blipFill>
+              <a:blip r:embed="rId17">
+                <a:extLst>
+                  <a:ext uri="{28A0092B-C50C-407E-A947-70E740481C1C}">
+                    <a14:useLocalDpi xmlns:a14="http://schemas.microsoft.com/office/drawing/2010/main" val="0"/>
+                  </a:ext>
+                </a:extLst>
+              </a:blip>
+              <a:stretch>
+                <a:fillRect/>
+              </a:stretch>
+            </p:blipFill>
+            <p:spPr>
+              <a:xfrm>
+                <a:off x="7286822" y="2986576"/>
+                <a:ext cx="310896" cy="310896"/>
+              </a:xfrm>
+              <a:prstGeom prst="rect">
+                <a:avLst/>
+              </a:prstGeom>
+            </p:spPr>
+          </p:pic>
+        </p:grpSp>
+        <p:grpSp>
+          <p:nvGrpSpPr>
+            <p:cNvPr id="28" name="Group 27"/>
+            <p:cNvGrpSpPr/>
+            <p:nvPr/>
+          </p:nvGrpSpPr>
+          <p:grpSpPr>
+            <a:xfrm>
+              <a:off x="8789890" y="2051336"/>
+              <a:ext cx="962406" cy="824502"/>
+              <a:chOff x="7814165" y="2801823"/>
               <a:chExt cx="962406" cy="824502"/>
             </a:xfrm>
           </p:grpSpPr>
           <p:sp>
             <p:nvSpPr>
-              <p:cNvPr id="606" name="Hexagon 605"/>
+              <p:cNvPr id="143" name="Hexagon 142"/>
               <p:cNvSpPr/>
               <p:nvPr/>
             </p:nvSpPr>
             <p:spPr>
               <a:xfrm>
-                <a:off x="7391400" y="3635450"/>
+                <a:off x="7814165" y="2801823"/>
+                <a:ext cx="962406" cy="824502"/>
+              </a:xfrm>
+              <a:prstGeom prst="hexagon">
+                <a:avLst/>
+              </a:prstGeom>
+              <a:solidFill>
+                <a:schemeClr val="accent6">
+                  <a:lumMod val="40000"/>
+                  <a:lumOff val="60000"/>
+                </a:schemeClr>
+              </a:solidFill>
+              <a:ln>
+                <a:noFill/>
+              </a:ln>
+            </p:spPr>
+            <p:style>
+              <a:lnRef idx="2">
+                <a:schemeClr val="accent1">
+                  <a:shade val="50000"/>
+                </a:schemeClr>
+              </a:lnRef>
+              <a:fillRef idx="1">
+                <a:schemeClr val="accent1"/>
+              </a:fillRef>
+              <a:effectRef idx="0">
+                <a:schemeClr val="accent1"/>
+              </a:effectRef>
+              <a:fontRef idx="minor">
+                <a:schemeClr val="lt1"/>
+              </a:fontRef>
+            </p:style>
+            <p:txBody>
+              <a:bodyPr wrap="none" rtlCol="0" anchor="ctr"/>
+              <a:lstStyle/>
+              <a:p>
+                <a:pPr algn="ctr"/>
+                <a:endParaRPr lang="en-US" sz="1400" smtClean="0">
+                  <a:solidFill>
+                    <a:schemeClr val="tx1">
+                      <a:lumMod val="85000"/>
+                      <a:lumOff val="15000"/>
+                    </a:schemeClr>
+                  </a:solidFill>
+                </a:endParaRPr>
+              </a:p>
+            </p:txBody>
+          </p:sp>
+          <p:pic>
+            <p:nvPicPr>
+              <p:cNvPr id="144" name="pasted-image.pdf" descr="pasted-image.pdf"/>
+              <p:cNvPicPr>
+                <a:picLocks/>
+              </p:cNvPicPr>
+              <p:nvPr/>
+            </p:nvPicPr>
+            <p:blipFill>
+              <a:blip r:embed="rId11">
+                <a:extLst>
+                  <a:ext uri="{BEBA8EAE-BF5A-486C-A8C5-ECC9F3942E4B}">
+                    <a14:imgProps xmlns:a14="http://schemas.microsoft.com/office/drawing/2010/main">
+                      <a14:imgLayer r:embed="rId12">
+                        <a14:imgEffect>
+                          <a14:colorTemperature colorTemp="5093"/>
+                        </a14:imgEffect>
+                      </a14:imgLayer>
+                    </a14:imgProps>
+                  </a:ext>
+                </a:extLst>
+              </a:blip>
+              <a:stretch>
+                <a:fillRect/>
+              </a:stretch>
+            </p:blipFill>
+            <p:spPr>
+              <a:xfrm>
+                <a:off x="7947896" y="2866602"/>
+                <a:ext cx="694944" cy="694944"/>
+              </a:xfrm>
+              <a:prstGeom prst="rect">
+                <a:avLst/>
+              </a:prstGeom>
+              <a:ln w="12700" cap="flat">
+                <a:noFill/>
+                <a:miter lim="400000"/>
+              </a:ln>
+              <a:effectLst>
+                <a:outerShdw blurRad="25400" dist="25400" dir="2700000" algn="tl" rotWithShape="0">
+                  <a:prstClr val="black">
+                    <a:alpha val="40000"/>
+                  </a:prstClr>
+                </a:outerShdw>
+              </a:effectLst>
+            </p:spPr>
+          </p:pic>
+          <p:pic>
+            <p:nvPicPr>
+              <p:cNvPr id="157" name="Picture 156"/>
+              <p:cNvPicPr>
+                <a:picLocks noChangeAspect="1"/>
+              </p:cNvPicPr>
+              <p:nvPr/>
+            </p:nvPicPr>
+            <p:blipFill>
+              <a:blip r:embed="rId18">
+                <a:extLst>
+                  <a:ext uri="{28A0092B-C50C-407E-A947-70E740481C1C}">
+                    <a14:useLocalDpi xmlns:a14="http://schemas.microsoft.com/office/drawing/2010/main" val="0"/>
+                  </a:ext>
+                </a:extLst>
+              </a:blip>
+              <a:stretch>
+                <a:fillRect/>
+              </a:stretch>
+            </p:blipFill>
+            <p:spPr>
+              <a:xfrm>
+                <a:off x="8071974" y="3099824"/>
+                <a:ext cx="460002" cy="242433"/>
+              </a:xfrm>
+              <a:prstGeom prst="rect">
+                <a:avLst/>
+              </a:prstGeom>
+            </p:spPr>
+          </p:pic>
+        </p:grpSp>
+      </p:grpSp>
+      <p:grpSp>
+        <p:nvGrpSpPr>
+          <p:cNvPr id="16" name="Group 15"/>
+          <p:cNvGrpSpPr/>
+          <p:nvPr/>
+        </p:nvGrpSpPr>
+        <p:grpSpPr>
+          <a:xfrm>
+            <a:off x="6922181" y="2876621"/>
+            <a:ext cx="1847088" cy="1828800"/>
+            <a:chOff x="6108136" y="4370513"/>
+            <a:chExt cx="1847088" cy="1828800"/>
+          </a:xfrm>
+        </p:grpSpPr>
+        <p:sp>
+          <p:nvSpPr>
+            <p:cNvPr id="571" name="Rectangle 570"/>
+            <p:cNvSpPr/>
+            <p:nvPr/>
+          </p:nvSpPr>
+          <p:spPr>
+            <a:xfrm>
+              <a:off x="6108136" y="4370513"/>
+              <a:ext cx="1847088" cy="1828800"/>
+            </a:xfrm>
+            <a:prstGeom prst="rect">
+              <a:avLst/>
+            </a:prstGeom>
+            <a:solidFill>
+              <a:srgbClr val="E6F4F5">
+                <a:alpha val="80000"/>
+              </a:srgbClr>
+            </a:solidFill>
+            <a:ln>
+              <a:solidFill>
+                <a:schemeClr val="bg1">
+                  <a:lumMod val="75000"/>
+                  <a:alpha val="40000"/>
+                </a:schemeClr>
+              </a:solidFill>
+              <a:prstDash val="dash"/>
+            </a:ln>
+          </p:spPr>
+          <p:style>
+            <a:lnRef idx="2">
+              <a:schemeClr val="accent1">
+                <a:shade val="50000"/>
+              </a:schemeClr>
+            </a:lnRef>
+            <a:fillRef idx="1">
+              <a:schemeClr val="accent1"/>
+            </a:fillRef>
+            <a:effectRef idx="0">
+              <a:schemeClr val="accent1"/>
+            </a:effectRef>
+            <a:fontRef idx="minor">
+              <a:schemeClr val="lt1"/>
+            </a:fontRef>
+          </p:style>
+          <p:txBody>
+            <a:bodyPr wrap="none" rtlCol="0" anchor="ctr"/>
+            <a:lstStyle/>
+            <a:p>
+              <a:pPr algn="ctr"/>
+              <a:endParaRPr lang="en-US" sz="1400" smtClean="0">
+                <a:solidFill>
+                  <a:schemeClr val="tx1">
+                    <a:lumMod val="85000"/>
+                    <a:lumOff val="15000"/>
+                  </a:schemeClr>
+                </a:solidFill>
+              </a:endParaRPr>
+            </a:p>
+          </p:txBody>
+        </p:sp>
+        <p:grpSp>
+          <p:nvGrpSpPr>
+            <p:cNvPr id="516" name="Group 515"/>
+            <p:cNvGrpSpPr/>
+            <p:nvPr/>
+          </p:nvGrpSpPr>
+          <p:grpSpPr>
+            <a:xfrm>
+              <a:off x="6149901" y="4441180"/>
+              <a:ext cx="962406" cy="824502"/>
+              <a:chOff x="6869591" y="3865332"/>
+              <a:chExt cx="962406" cy="824502"/>
+            </a:xfrm>
+          </p:grpSpPr>
+          <p:sp>
+            <p:nvSpPr>
+              <p:cNvPr id="325" name="Hexagon 324"/>
+              <p:cNvSpPr/>
+              <p:nvPr/>
+            </p:nvSpPr>
+            <p:spPr>
+              <a:xfrm>
+                <a:off x="6869591" y="3865332"/>
+                <a:ext cx="962406" cy="824502"/>
+              </a:xfrm>
+              <a:prstGeom prst="hexagon">
+                <a:avLst/>
+              </a:prstGeom>
+              <a:solidFill>
+                <a:schemeClr val="accent6">
+                  <a:lumMod val="40000"/>
+                  <a:lumOff val="60000"/>
+                </a:schemeClr>
+              </a:solidFill>
+              <a:ln>
+                <a:noFill/>
+              </a:ln>
+              <a:effectLst/>
+            </p:spPr>
+            <p:style>
+              <a:lnRef idx="2">
+                <a:schemeClr val="accent1">
+                  <a:shade val="50000"/>
+                </a:schemeClr>
+              </a:lnRef>
+              <a:fillRef idx="1">
+                <a:schemeClr val="accent1"/>
+              </a:fillRef>
+              <a:effectRef idx="0">
+                <a:schemeClr val="accent1"/>
+              </a:effectRef>
+              <a:fontRef idx="minor">
+                <a:schemeClr val="lt1"/>
+              </a:fontRef>
+            </p:style>
+            <p:txBody>
+              <a:bodyPr wrap="none" rtlCol="0" anchor="ctr"/>
+              <a:lstStyle/>
+              <a:p>
+                <a:pPr algn="ctr"/>
+                <a:endParaRPr lang="en-US" sz="1400" smtClean="0">
+                  <a:solidFill>
+                    <a:schemeClr val="tx1">
+                      <a:lumMod val="85000"/>
+                      <a:lumOff val="15000"/>
+                    </a:schemeClr>
+                  </a:solidFill>
+                </a:endParaRPr>
+              </a:p>
+            </p:txBody>
+          </p:sp>
+          <p:grpSp>
+            <p:nvGrpSpPr>
+              <p:cNvPr id="513" name="Group 512"/>
+              <p:cNvGrpSpPr/>
+              <p:nvPr/>
+            </p:nvGrpSpPr>
+            <p:grpSpPr>
+              <a:xfrm>
+                <a:off x="7003322" y="3930111"/>
+                <a:ext cx="694944" cy="694944"/>
+                <a:chOff x="7003322" y="3930111"/>
+                <a:chExt cx="694944" cy="694944"/>
+              </a:xfrm>
+            </p:grpSpPr>
+            <p:pic>
+              <p:nvPicPr>
+                <p:cNvPr id="330" name="pasted-image.pdf" descr="pasted-image.pdf"/>
+                <p:cNvPicPr>
+                  <a:picLocks/>
+                </p:cNvPicPr>
+                <p:nvPr/>
+              </p:nvPicPr>
+              <p:blipFill>
+                <a:blip r:embed="rId11">
+                  <a:extLst>
+                    <a:ext uri="{BEBA8EAE-BF5A-486C-A8C5-ECC9F3942E4B}">
+                      <a14:imgProps xmlns:a14="http://schemas.microsoft.com/office/drawing/2010/main">
+                        <a14:imgLayer r:embed="rId12">
+                          <a14:imgEffect>
+                            <a14:colorTemperature colorTemp="5093"/>
+                          </a14:imgEffect>
+                        </a14:imgLayer>
+                      </a14:imgProps>
+                    </a:ext>
+                  </a:extLst>
+                </a:blip>
+                <a:stretch>
+                  <a:fillRect/>
+                </a:stretch>
+              </p:blipFill>
+              <p:spPr>
+                <a:xfrm>
+                  <a:off x="7003322" y="3930111"/>
+                  <a:ext cx="694944" cy="694944"/>
+                </a:xfrm>
+                <a:prstGeom prst="rect">
+                  <a:avLst/>
+                </a:prstGeom>
+                <a:ln w="12700" cap="flat">
+                  <a:noFill/>
+                  <a:miter lim="400000"/>
+                </a:ln>
+                <a:effectLst>
+                  <a:outerShdw blurRad="25400" dist="25400" dir="2700000" algn="tl" rotWithShape="0">
+                    <a:prstClr val="black">
+                      <a:alpha val="40000"/>
+                    </a:prstClr>
+                  </a:outerShdw>
+                </a:effectLst>
+              </p:spPr>
+            </p:pic>
+            <p:pic>
+              <p:nvPicPr>
+                <p:cNvPr id="512" name="Picture 511"/>
+                <p:cNvPicPr>
+                  <a:picLocks noChangeAspect="1"/>
+                </p:cNvPicPr>
+                <p:nvPr/>
+              </p:nvPicPr>
+              <p:blipFill>
+                <a:blip r:embed="rId19">
+                  <a:extLst>
+                    <a:ext uri="{28A0092B-C50C-407E-A947-70E740481C1C}">
+                      <a14:useLocalDpi xmlns:a14="http://schemas.microsoft.com/office/drawing/2010/main" val="0"/>
+                    </a:ext>
+                  </a:extLst>
+                </a:blip>
+                <a:stretch>
+                  <a:fillRect/>
+                </a:stretch>
+              </p:blipFill>
+              <p:spPr>
+                <a:xfrm>
+                  <a:off x="7131338" y="4058127"/>
+                  <a:ext cx="438912" cy="438912"/>
+                </a:xfrm>
+                <a:prstGeom prst="rect">
+                  <a:avLst/>
+                </a:prstGeom>
+              </p:spPr>
+            </p:pic>
+          </p:grpSp>
+        </p:grpSp>
+        <p:grpSp>
+          <p:nvGrpSpPr>
+            <p:cNvPr id="542" name="Group 541"/>
+            <p:cNvGrpSpPr/>
+            <p:nvPr/>
+          </p:nvGrpSpPr>
+          <p:grpSpPr>
+            <a:xfrm>
+              <a:off x="6149901" y="5318200"/>
+              <a:ext cx="962406" cy="824502"/>
+              <a:chOff x="7152718" y="5183140"/>
+              <a:chExt cx="962406" cy="824502"/>
+            </a:xfrm>
+          </p:grpSpPr>
+          <p:sp>
+            <p:nvSpPr>
+              <p:cNvPr id="443" name="Hexagon 442"/>
+              <p:cNvSpPr/>
+              <p:nvPr/>
+            </p:nvSpPr>
+            <p:spPr>
+              <a:xfrm>
+                <a:off x="7152718" y="5183140"/>
+                <a:ext cx="962406" cy="824502"/>
+              </a:xfrm>
+              <a:prstGeom prst="hexagon">
+                <a:avLst/>
+              </a:prstGeom>
+              <a:solidFill>
+                <a:schemeClr val="accent6">
+                  <a:lumMod val="40000"/>
+                  <a:lumOff val="60000"/>
+                </a:schemeClr>
+              </a:solidFill>
+              <a:ln>
+                <a:noFill/>
+              </a:ln>
+              <a:effectLst/>
+            </p:spPr>
+            <p:style>
+              <a:lnRef idx="2">
+                <a:schemeClr val="accent1">
+                  <a:shade val="50000"/>
+                </a:schemeClr>
+              </a:lnRef>
+              <a:fillRef idx="1">
+                <a:schemeClr val="accent1"/>
+              </a:fillRef>
+              <a:effectRef idx="0">
+                <a:schemeClr val="accent1"/>
+              </a:effectRef>
+              <a:fontRef idx="minor">
+                <a:schemeClr val="lt1"/>
+              </a:fontRef>
+            </p:style>
+            <p:txBody>
+              <a:bodyPr wrap="none" rtlCol="0" anchor="ctr"/>
+              <a:lstStyle/>
+              <a:p>
+                <a:pPr algn="ctr"/>
+                <a:endParaRPr lang="en-US" sz="1400" smtClean="0">
+                  <a:solidFill>
+                    <a:schemeClr val="tx1">
+                      <a:lumMod val="85000"/>
+                      <a:lumOff val="15000"/>
+                    </a:schemeClr>
+                  </a:solidFill>
+                </a:endParaRPr>
+              </a:p>
+            </p:txBody>
+          </p:sp>
+          <p:grpSp>
+            <p:nvGrpSpPr>
+              <p:cNvPr id="541" name="Group 540"/>
+              <p:cNvGrpSpPr/>
+              <p:nvPr/>
+            </p:nvGrpSpPr>
+            <p:grpSpPr>
+              <a:xfrm>
+                <a:off x="7297261" y="5249057"/>
+                <a:ext cx="694944" cy="692669"/>
+                <a:chOff x="7297261" y="5249057"/>
+                <a:chExt cx="694944" cy="692669"/>
+              </a:xfrm>
+            </p:grpSpPr>
+            <p:pic>
+              <p:nvPicPr>
+                <p:cNvPr id="447" name="pasted-image.pdf" descr="pasted-image.pdf"/>
+                <p:cNvPicPr>
+                  <a:picLocks noChangeAspect="1"/>
+                </p:cNvPicPr>
+                <p:nvPr/>
+              </p:nvPicPr>
+              <p:blipFill>
+                <a:blip r:embed="rId11">
+                  <a:extLst>
+                    <a:ext uri="{BEBA8EAE-BF5A-486C-A8C5-ECC9F3942E4B}">
+                      <a14:imgProps xmlns:a14="http://schemas.microsoft.com/office/drawing/2010/main">
+                        <a14:imgLayer r:embed="rId12">
+                          <a14:imgEffect>
+                            <a14:colorTemperature colorTemp="5093"/>
+                          </a14:imgEffect>
+                        </a14:imgLayer>
+                      </a14:imgProps>
+                    </a:ext>
+                  </a:extLst>
+                </a:blip>
+                <a:stretch>
+                  <a:fillRect/>
+                </a:stretch>
+              </p:blipFill>
+              <p:spPr>
+                <a:xfrm>
+                  <a:off x="7297261" y="5249057"/>
+                  <a:ext cx="694944" cy="692669"/>
+                </a:xfrm>
+                <a:prstGeom prst="rect">
+                  <a:avLst/>
+                </a:prstGeom>
+                <a:ln w="12700" cap="flat">
+                  <a:noFill/>
+                  <a:miter lim="400000"/>
+                </a:ln>
+                <a:effectLst>
+                  <a:outerShdw blurRad="25400" dist="25400" dir="2700000" algn="tl" rotWithShape="0">
+                    <a:prstClr val="black">
+                      <a:alpha val="40000"/>
+                    </a:prstClr>
+                  </a:outerShdw>
+                </a:effectLst>
+              </p:spPr>
+            </p:pic>
+            <p:pic>
+              <p:nvPicPr>
+                <p:cNvPr id="129" name="Picture 128"/>
+                <p:cNvPicPr>
+                  <a:picLocks noChangeAspect="1"/>
+                </p:cNvPicPr>
+                <p:nvPr/>
+              </p:nvPicPr>
+              <p:blipFill>
+                <a:blip r:embed="rId20">
+                  <a:extLst>
+                    <a:ext uri="{28A0092B-C50C-407E-A947-70E740481C1C}">
+                      <a14:useLocalDpi xmlns:a14="http://schemas.microsoft.com/office/drawing/2010/main" val="0"/>
+                    </a:ext>
+                  </a:extLst>
+                </a:blip>
+                <a:stretch>
+                  <a:fillRect/>
+                </a:stretch>
+              </p:blipFill>
+              <p:spPr>
+                <a:xfrm>
+                  <a:off x="7447539" y="5398197"/>
+                  <a:ext cx="394388" cy="394388"/>
+                </a:xfrm>
+                <a:prstGeom prst="rect">
+                  <a:avLst/>
+                </a:prstGeom>
+                <a:effectLst>
+                  <a:outerShdw blurRad="12700" dist="12700" dir="2700000" algn="tl" rotWithShape="0">
+                    <a:prstClr val="black">
+                      <a:alpha val="40000"/>
+                    </a:prstClr>
+                  </a:outerShdw>
+                </a:effectLst>
+              </p:spPr>
+            </p:pic>
+          </p:grpSp>
+        </p:grpSp>
+        <p:grpSp>
+          <p:nvGrpSpPr>
+            <p:cNvPr id="580" name="Group 579"/>
+            <p:cNvGrpSpPr/>
+            <p:nvPr/>
+          </p:nvGrpSpPr>
+          <p:grpSpPr>
+            <a:xfrm>
+              <a:off x="6947385" y="4886899"/>
+              <a:ext cx="962406" cy="824502"/>
+              <a:chOff x="8340934" y="1897697"/>
+              <a:chExt cx="962406" cy="824502"/>
+            </a:xfrm>
+          </p:grpSpPr>
+          <p:grpSp>
+            <p:nvGrpSpPr>
+              <p:cNvPr id="592" name="Group 591"/>
+              <p:cNvGrpSpPr/>
+              <p:nvPr/>
+            </p:nvGrpSpPr>
+            <p:grpSpPr>
+              <a:xfrm>
+                <a:off x="8340934" y="1897697"/>
+                <a:ext cx="962406" cy="824502"/>
+                <a:chOff x="7152718" y="5226148"/>
+                <a:chExt cx="962406" cy="824502"/>
+              </a:xfrm>
+            </p:grpSpPr>
+            <p:sp>
+              <p:nvSpPr>
+                <p:cNvPr id="593" name="Hexagon 592"/>
+                <p:cNvSpPr/>
+                <p:nvPr/>
+              </p:nvSpPr>
+              <p:spPr>
+                <a:xfrm>
+                  <a:off x="7152718" y="5226148"/>
+                  <a:ext cx="962406" cy="824502"/>
+                </a:xfrm>
+                <a:prstGeom prst="hexagon">
+                  <a:avLst/>
+                </a:prstGeom>
+                <a:solidFill>
+                  <a:schemeClr val="accent6">
+                    <a:lumMod val="40000"/>
+                    <a:lumOff val="60000"/>
+                  </a:schemeClr>
+                </a:solidFill>
+                <a:ln>
+                  <a:noFill/>
+                </a:ln>
+                <a:effectLst/>
+              </p:spPr>
+              <p:style>
+                <a:lnRef idx="2">
+                  <a:schemeClr val="accent1">
+                    <a:shade val="50000"/>
+                  </a:schemeClr>
+                </a:lnRef>
+                <a:fillRef idx="1">
+                  <a:schemeClr val="accent1"/>
+                </a:fillRef>
+                <a:effectRef idx="0">
+                  <a:schemeClr val="accent1"/>
+                </a:effectRef>
+                <a:fontRef idx="minor">
+                  <a:schemeClr val="lt1"/>
+                </a:fontRef>
+              </p:style>
+              <p:txBody>
+                <a:bodyPr wrap="none" rtlCol="0" anchor="ctr"/>
+                <a:lstStyle/>
+                <a:p>
+                  <a:pPr algn="ctr"/>
+                  <a:endParaRPr lang="en-US" sz="1400" smtClean="0">
+                    <a:solidFill>
+                      <a:schemeClr val="tx1">
+                        <a:lumMod val="85000"/>
+                        <a:lumOff val="15000"/>
+                      </a:schemeClr>
+                    </a:solidFill>
+                  </a:endParaRPr>
+                </a:p>
+              </p:txBody>
+            </p:sp>
+            <p:pic>
+              <p:nvPicPr>
+                <p:cNvPr id="599" name="pasted-image.pdf" descr="pasted-image.pdf"/>
+                <p:cNvPicPr>
+                  <a:picLocks/>
+                </p:cNvPicPr>
+                <p:nvPr/>
+              </p:nvPicPr>
+              <p:blipFill>
+                <a:blip r:embed="rId11">
+                  <a:extLst>
+                    <a:ext uri="{BEBA8EAE-BF5A-486C-A8C5-ECC9F3942E4B}">
+                      <a14:imgProps xmlns:a14="http://schemas.microsoft.com/office/drawing/2010/main">
+                        <a14:imgLayer r:embed="rId12">
+                          <a14:imgEffect>
+                            <a14:colorTemperature colorTemp="5093"/>
+                          </a14:imgEffect>
+                        </a14:imgLayer>
+                      </a14:imgProps>
+                    </a:ext>
+                  </a:extLst>
+                </a:blip>
+                <a:stretch>
+                  <a:fillRect/>
+                </a:stretch>
+              </p:blipFill>
+              <p:spPr>
+                <a:xfrm>
+                  <a:off x="7286449" y="5290927"/>
+                  <a:ext cx="694944" cy="694944"/>
+                </a:xfrm>
+                <a:prstGeom prst="rect">
+                  <a:avLst/>
+                </a:prstGeom>
+                <a:ln w="12700" cap="flat">
+                  <a:noFill/>
+                  <a:miter lim="400000"/>
+                </a:ln>
+                <a:effectLst>
+                  <a:outerShdw blurRad="25400" dist="25400" dir="2700000" algn="tl" rotWithShape="0">
+                    <a:prstClr val="black">
+                      <a:alpha val="40000"/>
+                    </a:prstClr>
+                  </a:outerShdw>
+                </a:effectLst>
+              </p:spPr>
+            </p:pic>
+          </p:grpSp>
+          <p:pic>
+            <p:nvPicPr>
+              <p:cNvPr id="644" name="Picture 643"/>
+              <p:cNvPicPr>
+                <a:picLocks/>
+              </p:cNvPicPr>
+              <p:nvPr/>
+            </p:nvPicPr>
+            <p:blipFill>
+              <a:blip r:embed="rId21">
+                <a:extLst>
+                  <a:ext uri="{28A0092B-C50C-407E-A947-70E740481C1C}">
+                    <a14:useLocalDpi xmlns:a14="http://schemas.microsoft.com/office/drawing/2010/main" val="0"/>
+                  </a:ext>
+                </a:extLst>
+              </a:blip>
+              <a:stretch>
+                <a:fillRect/>
+              </a:stretch>
+            </p:blipFill>
+            <p:spPr>
+              <a:xfrm>
+                <a:off x="8630913" y="2117924"/>
+                <a:ext cx="382449" cy="384048"/>
+              </a:xfrm>
+              <a:prstGeom prst="rect">
+                <a:avLst/>
+              </a:prstGeom>
+            </p:spPr>
+          </p:pic>
+        </p:grpSp>
+      </p:grpSp>
+      <p:cxnSp>
+        <p:nvCxnSpPr>
+          <p:cNvPr id="280" name="Elbow Connector 279"/>
+          <p:cNvCxnSpPr>
+            <a:stCxn id="216" idx="3"/>
+          </p:cNvCxnSpPr>
+          <p:nvPr/>
+        </p:nvCxnSpPr>
+        <p:spPr>
+          <a:xfrm>
+            <a:off x="5791200" y="3304566"/>
+            <a:ext cx="1130981" cy="909013"/>
+          </a:xfrm>
+          <a:prstGeom prst="bentConnector3">
+            <a:avLst>
+              <a:gd name="adj1" fmla="val 14067"/>
+            </a:avLst>
+          </a:prstGeom>
+          <a:ln w="9525">
+            <a:solidFill>
+              <a:schemeClr val="accent4">
+                <a:lumMod val="75000"/>
+              </a:schemeClr>
+            </a:solidFill>
+            <a:prstDash val="dash"/>
+            <a:headEnd type="arrow" w="sm" len="sm"/>
+            <a:tailEnd type="arrow" w="sm" len="sm"/>
+          </a:ln>
+        </p:spPr>
+        <p:style>
+          <a:lnRef idx="1">
+            <a:schemeClr val="accent1"/>
+          </a:lnRef>
+          <a:fillRef idx="0">
+            <a:schemeClr val="accent1"/>
+          </a:fillRef>
+          <a:effectRef idx="0">
+            <a:schemeClr val="accent1"/>
+          </a:effectRef>
+          <a:fontRef idx="minor">
+            <a:schemeClr val="tx1"/>
+          </a:fontRef>
+        </p:style>
+      </p:cxnSp>
+    </p:spTree>
+    <p:extLst>
+      <p:ext uri="{BB962C8B-B14F-4D97-AF65-F5344CB8AC3E}">
+        <p14:creationId xmlns:p14="http://schemas.microsoft.com/office/powerpoint/2010/main" val="829660599"/>
+      </p:ext>
+    </p:extLst>
+  </p:cSld>
+  <p:clrMapOvr>
+    <a:masterClrMapping/>
+  </p:clrMapOvr>
+  <mc:AlternateContent xmlns:mc="http://schemas.openxmlformats.org/markup-compatibility/2006" xmlns:p14="http://schemas.microsoft.com/office/powerpoint/2010/main">
+    <mc:Choice Requires="p14">
+      <p:transition spd="med" p14:dur="600">
+        <p:dissolve/>
+      </p:transition>
+    </mc:Choice>
+    <mc:Fallback xmlns="">
+      <p:transition spd="fast">
+        <p:fade/>
+      </p:transition>
+    </mc:Fallback>
+  </mc:AlternateContent>
+  <p:timing>
+    <p:tnLst>
+      <p:par>
+        <p:cTn id="1" dur="indefinite" restart="never" fill="hold" nodeType="tmRoot"/>
+      </p:par>
+    </p:tnLst>
+  </p:timing>
+</p:sld>
+</file>
+
+<file path=ppt/slides/slide2.xml><?xml version="1.0" encoding="utf-8"?>
+<p:sld xmlns:a="http://schemas.openxmlformats.org/drawingml/2006/main" xmlns:r="http://schemas.openxmlformats.org/officeDocument/2006/relationships" xmlns:p="http://schemas.openxmlformats.org/presentationml/2006/main" showMasterSp="0">
+  <p:cSld>
+    <p:spTree>
+      <p:nvGrpSpPr>
+        <p:cNvPr id="1" name=""/>
+        <p:cNvGrpSpPr/>
+        <p:nvPr/>
+      </p:nvGrpSpPr>
+      <p:grpSpPr>
+        <a:xfrm>
+          <a:off x="0" y="0"/>
+          <a:ext cx="0" cy="0"/>
+          <a:chOff x="0" y="0"/>
+          <a:chExt cx="0" cy="0"/>
+        </a:xfrm>
+      </p:grpSpPr>
+      <p:sp>
+        <p:nvSpPr>
+          <p:cNvPr id="85" name="Rectangle 84"/>
+          <p:cNvSpPr/>
+          <p:nvPr/>
+        </p:nvSpPr>
+        <p:spPr>
+          <a:xfrm>
+            <a:off x="6200721" y="1759197"/>
+            <a:ext cx="2731918" cy="2742366"/>
+          </a:xfrm>
+          <a:prstGeom prst="rect">
+            <a:avLst/>
+          </a:prstGeom>
+          <a:solidFill>
+            <a:srgbClr val="E6F4F5">
+              <a:alpha val="80000"/>
+            </a:srgbClr>
+          </a:solidFill>
+          <a:ln>
+            <a:solidFill>
+              <a:schemeClr val="bg1">
+                <a:lumMod val="75000"/>
+                <a:alpha val="40000"/>
+              </a:schemeClr>
+            </a:solidFill>
+            <a:prstDash val="dash"/>
+          </a:ln>
+        </p:spPr>
+        <p:style>
+          <a:lnRef idx="2">
+            <a:schemeClr val="accent1">
+              <a:shade val="50000"/>
+            </a:schemeClr>
+          </a:lnRef>
+          <a:fillRef idx="1">
+            <a:schemeClr val="accent1"/>
+          </a:fillRef>
+          <a:effectRef idx="0">
+            <a:schemeClr val="accent1"/>
+          </a:effectRef>
+          <a:fontRef idx="minor">
+            <a:schemeClr val="lt1"/>
+          </a:fontRef>
+        </p:style>
+        <p:txBody>
+          <a:bodyPr wrap="none" rtlCol="0" anchor="ctr"/>
+          <a:lstStyle/>
+          <a:p>
+            <a:pPr algn="ctr"/>
+            <a:endParaRPr lang="en-US" sz="1400" smtClean="0">
+              <a:solidFill>
+                <a:schemeClr val="tx1">
+                  <a:lumMod val="85000"/>
+                  <a:lumOff val="15000"/>
+                </a:schemeClr>
+              </a:solidFill>
+            </a:endParaRPr>
+          </a:p>
+        </p:txBody>
+      </p:sp>
+      <p:sp>
+        <p:nvSpPr>
+          <p:cNvPr id="84" name="Rectangle 83"/>
+          <p:cNvSpPr/>
+          <p:nvPr/>
+        </p:nvSpPr>
+        <p:spPr>
+          <a:xfrm>
+            <a:off x="6104993" y="1850470"/>
+            <a:ext cx="2731918" cy="2742366"/>
+          </a:xfrm>
+          <a:prstGeom prst="rect">
+            <a:avLst/>
+          </a:prstGeom>
+          <a:solidFill>
+            <a:srgbClr val="E6F4F5">
+              <a:alpha val="80000"/>
+            </a:srgbClr>
+          </a:solidFill>
+          <a:ln>
+            <a:solidFill>
+              <a:schemeClr val="bg1">
+                <a:lumMod val="75000"/>
+                <a:alpha val="40000"/>
+              </a:schemeClr>
+            </a:solidFill>
+            <a:prstDash val="dash"/>
+          </a:ln>
+        </p:spPr>
+        <p:style>
+          <a:lnRef idx="2">
+            <a:schemeClr val="accent1">
+              <a:shade val="50000"/>
+            </a:schemeClr>
+          </a:lnRef>
+          <a:fillRef idx="1">
+            <a:schemeClr val="accent1"/>
+          </a:fillRef>
+          <a:effectRef idx="0">
+            <a:schemeClr val="accent1"/>
+          </a:effectRef>
+          <a:fontRef idx="minor">
+            <a:schemeClr val="lt1"/>
+          </a:fontRef>
+        </p:style>
+        <p:txBody>
+          <a:bodyPr wrap="none" rtlCol="0" anchor="ctr"/>
+          <a:lstStyle/>
+          <a:p>
+            <a:pPr algn="ctr"/>
+            <a:endParaRPr lang="en-US" sz="1400" smtClean="0">
+              <a:solidFill>
+                <a:schemeClr val="tx1">
+                  <a:lumMod val="85000"/>
+                  <a:lumOff val="15000"/>
+                </a:schemeClr>
+              </a:solidFill>
+            </a:endParaRPr>
+          </a:p>
+        </p:txBody>
+      </p:sp>
+      <p:sp>
+        <p:nvSpPr>
+          <p:cNvPr id="216" name="Rounded Rectangle 215"/>
+          <p:cNvSpPr/>
+          <p:nvPr/>
+        </p:nvSpPr>
+        <p:spPr>
+          <a:xfrm>
+            <a:off x="4674888" y="2819400"/>
+            <a:ext cx="1116312" cy="970332"/>
+          </a:xfrm>
+          <a:prstGeom prst="roundRect">
+            <a:avLst>
+              <a:gd name="adj" fmla="val 7153"/>
+            </a:avLst>
+          </a:prstGeom>
+          <a:solidFill>
+            <a:schemeClr val="accent6">
+              <a:lumMod val="20000"/>
+              <a:lumOff val="80000"/>
+              <a:alpha val="51000"/>
+            </a:schemeClr>
+          </a:solidFill>
+          <a:ln w="34925">
+            <a:solidFill>
+              <a:schemeClr val="accent3">
+                <a:lumMod val="75000"/>
+              </a:schemeClr>
+            </a:solidFill>
+          </a:ln>
+          <a:effectLst/>
+        </p:spPr>
+        <p:style>
+          <a:lnRef idx="1">
+            <a:schemeClr val="accent1"/>
+          </a:lnRef>
+          <a:fillRef idx="3">
+            <a:schemeClr val="accent1"/>
+          </a:fillRef>
+          <a:effectRef idx="2">
+            <a:schemeClr val="accent1"/>
+          </a:effectRef>
+          <a:fontRef idx="minor">
+            <a:schemeClr val="lt1"/>
+          </a:fontRef>
+        </p:style>
+        <p:txBody>
+          <a:bodyPr rtlCol="0" anchor="t" anchorCtr="0"/>
+          <a:lstStyle/>
+          <a:p>
+            <a:pPr algn="ctr"/>
+            <a:endParaRPr lang="en-US" sz="2400" b="1" i="1" dirty="0">
+              <a:solidFill>
+                <a:schemeClr val="accent1">
+                  <a:lumMod val="50000"/>
+                </a:schemeClr>
+              </a:solidFill>
+            </a:endParaRPr>
+          </a:p>
+        </p:txBody>
+      </p:sp>
+      <p:cxnSp>
+        <p:nvCxnSpPr>
+          <p:cNvPr id="281" name="Elbow Connector 280"/>
+          <p:cNvCxnSpPr>
+            <a:stCxn id="187" idx="3"/>
+            <a:endCxn id="216" idx="1"/>
+          </p:cNvCxnSpPr>
+          <p:nvPr/>
+        </p:nvCxnSpPr>
+        <p:spPr>
+          <a:xfrm>
+            <a:off x="4340015" y="2118360"/>
+            <a:ext cx="334873" cy="1186206"/>
+          </a:xfrm>
+          <a:prstGeom prst="bentConnector3">
+            <a:avLst>
+              <a:gd name="adj1" fmla="val 50000"/>
+            </a:avLst>
+          </a:prstGeom>
+          <a:ln w="9525">
+            <a:solidFill>
+              <a:schemeClr val="accent5">
+                <a:lumMod val="50000"/>
+              </a:schemeClr>
+            </a:solidFill>
+            <a:prstDash val="sysDot"/>
+            <a:headEnd type="none"/>
+            <a:tailEnd type="arrow"/>
+          </a:ln>
+        </p:spPr>
+        <p:style>
+          <a:lnRef idx="1">
+            <a:schemeClr val="accent1"/>
+          </a:lnRef>
+          <a:fillRef idx="0">
+            <a:schemeClr val="accent1"/>
+          </a:fillRef>
+          <a:effectRef idx="0">
+            <a:schemeClr val="accent1"/>
+          </a:effectRef>
+          <a:fontRef idx="minor">
+            <a:schemeClr val="tx1"/>
+          </a:fontRef>
+        </p:style>
+      </p:cxnSp>
+      <p:cxnSp>
+        <p:nvCxnSpPr>
+          <p:cNvPr id="282" name="Elbow Connector 281"/>
+          <p:cNvCxnSpPr>
+            <a:stCxn id="185" idx="3"/>
+            <a:endCxn id="216" idx="1"/>
+          </p:cNvCxnSpPr>
+          <p:nvPr/>
+        </p:nvCxnSpPr>
+        <p:spPr>
+          <a:xfrm>
+            <a:off x="3965338" y="2875839"/>
+            <a:ext cx="709550" cy="428727"/>
+          </a:xfrm>
+          <a:prstGeom prst="bentConnector3">
+            <a:avLst>
+              <a:gd name="adj1" fmla="val 50000"/>
+            </a:avLst>
+          </a:prstGeom>
+          <a:ln w="9525">
+            <a:solidFill>
+              <a:schemeClr val="accent5">
+                <a:lumMod val="50000"/>
+              </a:schemeClr>
+            </a:solidFill>
+            <a:prstDash val="sysDot"/>
+            <a:headEnd type="none"/>
+            <a:tailEnd type="arrow"/>
+          </a:ln>
+        </p:spPr>
+        <p:style>
+          <a:lnRef idx="1">
+            <a:schemeClr val="accent1"/>
+          </a:lnRef>
+          <a:fillRef idx="0">
+            <a:schemeClr val="accent1"/>
+          </a:fillRef>
+          <a:effectRef idx="0">
+            <a:schemeClr val="accent1"/>
+          </a:effectRef>
+          <a:fontRef idx="minor">
+            <a:schemeClr val="tx1"/>
+          </a:fontRef>
+        </p:style>
+      </p:cxnSp>
+      <p:cxnSp>
+        <p:nvCxnSpPr>
+          <p:cNvPr id="283" name="Elbow Connector 282"/>
+          <p:cNvCxnSpPr>
+            <a:stCxn id="198" idx="3"/>
+            <a:endCxn id="216" idx="1"/>
+          </p:cNvCxnSpPr>
+          <p:nvPr/>
+        </p:nvCxnSpPr>
+        <p:spPr>
+          <a:xfrm flipV="1">
+            <a:off x="3965341" y="3304566"/>
+            <a:ext cx="709547" cy="379298"/>
+          </a:xfrm>
+          <a:prstGeom prst="bentConnector3">
+            <a:avLst>
+              <a:gd name="adj1" fmla="val 50000"/>
+            </a:avLst>
+          </a:prstGeom>
+          <a:ln w="9525">
+            <a:solidFill>
+              <a:schemeClr val="accent5">
+                <a:lumMod val="50000"/>
+              </a:schemeClr>
+            </a:solidFill>
+            <a:prstDash val="sysDot"/>
+            <a:headEnd type="none"/>
+            <a:tailEnd type="arrow"/>
+          </a:ln>
+        </p:spPr>
+        <p:style>
+          <a:lnRef idx="1">
+            <a:schemeClr val="accent1"/>
+          </a:lnRef>
+          <a:fillRef idx="0">
+            <a:schemeClr val="accent1"/>
+          </a:fillRef>
+          <a:effectRef idx="0">
+            <a:schemeClr val="accent1"/>
+          </a:effectRef>
+          <a:fontRef idx="minor">
+            <a:schemeClr val="tx1"/>
+          </a:fontRef>
+        </p:style>
+      </p:cxnSp>
+      <p:cxnSp>
+        <p:nvCxnSpPr>
+          <p:cNvPr id="284" name="Elbow Connector 283"/>
+          <p:cNvCxnSpPr>
+            <a:stCxn id="287" idx="3"/>
+            <a:endCxn id="216" idx="1"/>
+          </p:cNvCxnSpPr>
+          <p:nvPr/>
+        </p:nvCxnSpPr>
+        <p:spPr>
+          <a:xfrm flipV="1">
+            <a:off x="4343400" y="3304566"/>
+            <a:ext cx="331488" cy="1127816"/>
+          </a:xfrm>
+          <a:prstGeom prst="bentConnector3">
+            <a:avLst>
+              <a:gd name="adj1" fmla="val 50000"/>
+            </a:avLst>
+          </a:prstGeom>
+          <a:ln w="9525">
+            <a:solidFill>
+              <a:schemeClr val="accent5">
+                <a:lumMod val="50000"/>
+              </a:schemeClr>
+            </a:solidFill>
+            <a:prstDash val="sysDot"/>
+            <a:headEnd type="none"/>
+            <a:tailEnd type="arrow"/>
+          </a:ln>
+        </p:spPr>
+        <p:style>
+          <a:lnRef idx="1">
+            <a:schemeClr val="accent1"/>
+          </a:lnRef>
+          <a:fillRef idx="0">
+            <a:schemeClr val="accent1"/>
+          </a:fillRef>
+          <a:effectRef idx="0">
+            <a:schemeClr val="accent1"/>
+          </a:effectRef>
+          <a:fontRef idx="minor">
+            <a:schemeClr val="tx1"/>
+          </a:fontRef>
+        </p:style>
+      </p:cxnSp>
+      <p:grpSp>
+        <p:nvGrpSpPr>
+          <p:cNvPr id="2" name="Group 1"/>
+          <p:cNvGrpSpPr/>
+          <p:nvPr/>
+        </p:nvGrpSpPr>
+        <p:grpSpPr>
+          <a:xfrm>
+            <a:off x="2414948" y="3318104"/>
+            <a:ext cx="1550393" cy="731520"/>
+            <a:chOff x="2072311" y="3318104"/>
+            <a:chExt cx="1550393" cy="731520"/>
+          </a:xfrm>
+        </p:grpSpPr>
+        <p:pic>
+          <p:nvPicPr>
+            <p:cNvPr id="193" name="image.png" descr="image.png"/>
+            <p:cNvPicPr>
+              <a:picLocks noChangeAspect="1"/>
+            </p:cNvPicPr>
+            <p:nvPr/>
+          </p:nvPicPr>
+          <p:blipFill>
+            <a:blip r:embed="rId3">
+              <a:extLst/>
+            </a:blip>
+            <a:srcRect/>
+            <a:stretch>
+              <a:fillRect/>
+            </a:stretch>
+          </p:blipFill>
+          <p:spPr>
+            <a:xfrm rot="5400000">
+              <a:off x="2795270" y="3524283"/>
+              <a:ext cx="419823" cy="319162"/>
+            </a:xfrm>
+            <a:prstGeom prst="rect">
+              <a:avLst/>
+            </a:prstGeom>
+            <a:solidFill>
+              <a:schemeClr val="bg1"/>
+            </a:solidFill>
+            <a:ln w="12700" cap="flat">
+              <a:noFill/>
+              <a:miter lim="400000"/>
+            </a:ln>
+            <a:effectLst/>
+          </p:spPr>
+        </p:pic>
+        <p:pic>
+          <p:nvPicPr>
+            <p:cNvPr id="198" name="pasted-image.pdf" descr="pasted-image.pdf"/>
+            <p:cNvPicPr>
+              <a:picLocks noChangeAspect="1"/>
+            </p:cNvPicPr>
+            <p:nvPr/>
+          </p:nvPicPr>
+          <p:blipFill>
+            <a:blip r:embed="rId4">
+              <a:alphaModFix amt="63000"/>
+              <a:extLst>
+                <a:ext uri="{BEBA8EAE-BF5A-486C-A8C5-ECC9F3942E4B}">
+                  <a14:imgProps xmlns:a14="http://schemas.microsoft.com/office/drawing/2010/main">
+                    <a14:imgLayer r:embed="rId5">
+                      <a14:imgEffect>
+                        <a14:colorTemperature colorTemp="6944"/>
+                      </a14:imgEffect>
+                      <a14:imgEffect>
+                        <a14:saturation sat="400000"/>
+                      </a14:imgEffect>
+                    </a14:imgLayer>
+                  </a14:imgProps>
+                </a:ext>
+              </a:extLst>
+            </a:blip>
+            <a:stretch>
+              <a:fillRect/>
+            </a:stretch>
+          </p:blipFill>
+          <p:spPr>
+            <a:xfrm>
+              <a:off x="3256944" y="3474912"/>
+              <a:ext cx="365760" cy="417904"/>
+            </a:xfrm>
+            <a:prstGeom prst="rect">
+              <a:avLst/>
+            </a:prstGeom>
+            <a:solidFill>
+              <a:schemeClr val="bg1"/>
+            </a:solidFill>
+            <a:ln w="12700" cap="flat">
+              <a:noFill/>
+              <a:miter lim="400000"/>
+            </a:ln>
+            <a:effectLst/>
+          </p:spPr>
+        </p:pic>
+        <p:pic>
+          <p:nvPicPr>
+            <p:cNvPr id="132" name="Picture 131"/>
+            <p:cNvPicPr>
+              <a:picLocks/>
+            </p:cNvPicPr>
+            <p:nvPr/>
+          </p:nvPicPr>
+          <p:blipFill>
+            <a:blip r:embed="rId6">
+              <a:extLst>
+                <a:ext uri="{28A0092B-C50C-407E-A947-70E740481C1C}">
+                  <a14:useLocalDpi xmlns:a14="http://schemas.microsoft.com/office/drawing/2010/main" val="0"/>
+                </a:ext>
+              </a:extLst>
+            </a:blip>
+            <a:stretch>
+              <a:fillRect/>
+            </a:stretch>
+          </p:blipFill>
+          <p:spPr>
+            <a:xfrm>
+              <a:off x="2072311" y="3318104"/>
+              <a:ext cx="731521" cy="731520"/>
+            </a:xfrm>
+            <a:prstGeom prst="rect">
+              <a:avLst/>
+            </a:prstGeom>
+          </p:spPr>
+        </p:pic>
+      </p:grpSp>
+      <p:pic>
+        <p:nvPicPr>
+          <p:cNvPr id="136" name="Picture 135"/>
+          <p:cNvPicPr>
+            <a:picLocks noChangeAspect="1"/>
+          </p:cNvPicPr>
+          <p:nvPr/>
+        </p:nvPicPr>
+        <p:blipFill>
+          <a:blip r:embed="rId7">
+            <a:extLst>
+              <a:ext uri="{28A0092B-C50C-407E-A947-70E740481C1C}">
+                <a14:useLocalDpi xmlns:a14="http://schemas.microsoft.com/office/drawing/2010/main" val="0"/>
+              </a:ext>
+            </a:extLst>
+          </a:blip>
+          <a:stretch>
+            <a:fillRect/>
+          </a:stretch>
+        </p:blipFill>
+        <p:spPr>
+          <a:xfrm>
+            <a:off x="4755151" y="2960497"/>
+            <a:ext cx="969852" cy="688139"/>
+          </a:xfrm>
+          <a:prstGeom prst="rect">
+            <a:avLst/>
+          </a:prstGeom>
+        </p:spPr>
+      </p:pic>
+      <p:grpSp>
+        <p:nvGrpSpPr>
+          <p:cNvPr id="360" name="Group 359"/>
+          <p:cNvGrpSpPr>
+            <a:grpSpLocks noChangeAspect="1"/>
+          </p:cNvGrpSpPr>
+          <p:nvPr/>
+        </p:nvGrpSpPr>
+        <p:grpSpPr>
+          <a:xfrm>
+            <a:off x="2418649" y="2510078"/>
+            <a:ext cx="1546689" cy="731520"/>
+            <a:chOff x="1639635" y="2862341"/>
+            <a:chExt cx="1244905" cy="588787"/>
+          </a:xfrm>
+        </p:grpSpPr>
+        <p:pic>
+          <p:nvPicPr>
+            <p:cNvPr id="185" name="pasted-image.pdf" descr="pasted-image.pdf"/>
+            <p:cNvPicPr>
+              <a:picLocks noChangeAspect="1"/>
+            </p:cNvPicPr>
+            <p:nvPr/>
+          </p:nvPicPr>
+          <p:blipFill>
+            <a:blip r:embed="rId4">
+              <a:alphaModFix amt="63000"/>
+              <a:extLst>
+                <a:ext uri="{BEBA8EAE-BF5A-486C-A8C5-ECC9F3942E4B}">
+                  <a14:imgProps xmlns:a14="http://schemas.microsoft.com/office/drawing/2010/main">
+                    <a14:imgLayer r:embed="rId5">
+                      <a14:imgEffect>
+                        <a14:colorTemperature colorTemp="6944"/>
+                      </a14:imgEffect>
+                      <a14:imgEffect>
+                        <a14:saturation sat="400000"/>
+                      </a14:imgEffect>
+                    </a14:imgLayer>
+                  </a14:imgProps>
+                </a:ext>
+              </a:extLst>
+            </a:blip>
+            <a:stretch>
+              <a:fillRect/>
+            </a:stretch>
+          </p:blipFill>
+          <p:spPr>
+            <a:xfrm>
+              <a:off x="2590146" y="2982502"/>
+              <a:ext cx="294394" cy="348466"/>
+            </a:xfrm>
+            <a:prstGeom prst="rect">
+              <a:avLst/>
+            </a:prstGeom>
+            <a:solidFill>
+              <a:schemeClr val="bg1"/>
+            </a:solidFill>
+            <a:ln w="12700" cap="flat">
+              <a:noFill/>
+              <a:miter lim="400000"/>
+            </a:ln>
+            <a:effectLst/>
+          </p:spPr>
+        </p:pic>
+        <p:pic>
+          <p:nvPicPr>
+            <p:cNvPr id="188" name="image.png" descr="image.png"/>
+            <p:cNvPicPr>
+              <a:picLocks noChangeAspect="1"/>
+            </p:cNvPicPr>
+            <p:nvPr/>
+          </p:nvPicPr>
+          <p:blipFill>
+            <a:blip r:embed="rId3">
+              <a:extLst/>
+            </a:blip>
+            <a:srcRect/>
+            <a:stretch>
+              <a:fillRect/>
+            </a:stretch>
+          </p:blipFill>
+          <p:spPr>
+            <a:xfrm rot="5400000">
+              <a:off x="2211674" y="3026561"/>
+              <a:ext cx="354780" cy="260348"/>
+            </a:xfrm>
+            <a:prstGeom prst="rect">
+              <a:avLst/>
+            </a:prstGeom>
+            <a:solidFill>
+              <a:schemeClr val="bg1"/>
+            </a:solidFill>
+            <a:ln w="12700" cap="flat">
+              <a:noFill/>
+              <a:miter lim="400000"/>
+            </a:ln>
+            <a:effectLst/>
+          </p:spPr>
+        </p:pic>
+        <p:pic>
+          <p:nvPicPr>
+            <p:cNvPr id="137" name="Picture 136"/>
+            <p:cNvPicPr>
+              <a:picLocks/>
+            </p:cNvPicPr>
+            <p:nvPr/>
+          </p:nvPicPr>
+          <p:blipFill>
+            <a:blip r:embed="rId8">
+              <a:extLst>
+                <a:ext uri="{28A0092B-C50C-407E-A947-70E740481C1C}">
+                  <a14:useLocalDpi xmlns:a14="http://schemas.microsoft.com/office/drawing/2010/main" val="0"/>
+                </a:ext>
+              </a:extLst>
+            </a:blip>
+            <a:stretch>
+              <a:fillRect/>
+            </a:stretch>
+          </p:blipFill>
+          <p:spPr>
+            <a:xfrm>
+              <a:off x="1639635" y="2862341"/>
+              <a:ext cx="588789" cy="588787"/>
+            </a:xfrm>
+            <a:prstGeom prst="rect">
+              <a:avLst/>
+            </a:prstGeom>
+          </p:spPr>
+        </p:pic>
+      </p:grpSp>
+      <p:grpSp>
+        <p:nvGrpSpPr>
+          <p:cNvPr id="371" name="Group 370"/>
+          <p:cNvGrpSpPr/>
+          <p:nvPr/>
+        </p:nvGrpSpPr>
+        <p:grpSpPr>
+          <a:xfrm>
+            <a:off x="2781036" y="4069080"/>
+            <a:ext cx="1562364" cy="731520"/>
+            <a:chOff x="1623869" y="4263478"/>
+            <a:chExt cx="1266650" cy="593063"/>
+          </a:xfrm>
+        </p:grpSpPr>
+        <p:pic>
+          <p:nvPicPr>
+            <p:cNvPr id="287" name="pasted-image.pdf" descr="pasted-image.pdf"/>
+            <p:cNvPicPr>
+              <a:picLocks noChangeAspect="1"/>
+            </p:cNvPicPr>
+            <p:nvPr/>
+          </p:nvPicPr>
+          <p:blipFill>
+            <a:blip r:embed="rId4">
+              <a:alphaModFix amt="63000"/>
+              <a:extLst>
+                <a:ext uri="{BEBA8EAE-BF5A-486C-A8C5-ECC9F3942E4B}">
+                  <a14:imgProps xmlns:a14="http://schemas.microsoft.com/office/drawing/2010/main">
+                    <a14:imgLayer r:embed="rId5">
+                      <a14:imgEffect>
+                        <a14:colorTemperature colorTemp="6944"/>
+                      </a14:imgEffect>
+                      <a14:imgEffect>
+                        <a14:saturation sat="400000"/>
+                      </a14:imgEffect>
+                    </a14:imgLayer>
+                  </a14:imgProps>
+                </a:ext>
+              </a:extLst>
+            </a:blip>
+            <a:stretch>
+              <a:fillRect/>
+            </a:stretch>
+          </p:blipFill>
+          <p:spPr>
+            <a:xfrm>
+              <a:off x="2593988" y="4382519"/>
+              <a:ext cx="296531" cy="350995"/>
+            </a:xfrm>
+            <a:prstGeom prst="rect">
+              <a:avLst/>
+            </a:prstGeom>
+            <a:solidFill>
+              <a:schemeClr val="bg1"/>
+            </a:solidFill>
+            <a:ln w="12700" cap="flat">
+              <a:noFill/>
+              <a:miter lim="400000"/>
+            </a:ln>
+            <a:effectLst/>
+          </p:spPr>
+        </p:pic>
+        <p:pic>
+          <p:nvPicPr>
+            <p:cNvPr id="162" name="image.png" descr="image.png"/>
+            <p:cNvPicPr>
+              <a:picLocks noChangeAspect="1"/>
+            </p:cNvPicPr>
+            <p:nvPr/>
+          </p:nvPicPr>
+          <p:blipFill>
+            <a:blip r:embed="rId3">
+              <a:extLst/>
+            </a:blip>
+            <a:srcRect/>
+            <a:stretch>
+              <a:fillRect/>
+            </a:stretch>
+          </p:blipFill>
+          <p:spPr>
+            <a:xfrm rot="5400000">
+              <a:off x="2206041" y="4427843"/>
+              <a:ext cx="354780" cy="260348"/>
+            </a:xfrm>
+            <a:prstGeom prst="rect">
+              <a:avLst/>
+            </a:prstGeom>
+            <a:solidFill>
+              <a:schemeClr val="bg1"/>
+            </a:solidFill>
+            <a:ln w="12700" cap="flat">
+              <a:noFill/>
+              <a:miter lim="400000"/>
+            </a:ln>
+            <a:effectLst/>
+          </p:spPr>
+        </p:pic>
+        <p:pic>
+          <p:nvPicPr>
+            <p:cNvPr id="138" name="Picture 137"/>
+            <p:cNvPicPr>
+              <a:picLocks/>
+            </p:cNvPicPr>
+            <p:nvPr/>
+          </p:nvPicPr>
+          <p:blipFill>
+            <a:blip r:embed="rId9">
+              <a:extLst>
+                <a:ext uri="{28A0092B-C50C-407E-A947-70E740481C1C}">
+                  <a14:useLocalDpi xmlns:a14="http://schemas.microsoft.com/office/drawing/2010/main" val="0"/>
+                </a:ext>
+              </a:extLst>
+            </a:blip>
+            <a:stretch>
+              <a:fillRect/>
+            </a:stretch>
+          </p:blipFill>
+          <p:spPr>
+            <a:xfrm>
+              <a:off x="1623869" y="4263478"/>
+              <a:ext cx="593063" cy="593063"/>
+            </a:xfrm>
+            <a:prstGeom prst="rect">
+              <a:avLst/>
+            </a:prstGeom>
+          </p:spPr>
+        </p:pic>
+      </p:grpSp>
+      <p:grpSp>
+        <p:nvGrpSpPr>
+          <p:cNvPr id="441" name="Group 440"/>
+          <p:cNvGrpSpPr/>
+          <p:nvPr/>
+        </p:nvGrpSpPr>
+        <p:grpSpPr>
+          <a:xfrm>
+            <a:off x="2794353" y="1752600"/>
+            <a:ext cx="1545662" cy="731520"/>
+            <a:chOff x="2066628" y="2351356"/>
+            <a:chExt cx="1244334" cy="588910"/>
+          </a:xfrm>
+        </p:grpSpPr>
+        <p:pic>
+          <p:nvPicPr>
+            <p:cNvPr id="187" name="pasted-image.pdf" descr="pasted-image.pdf"/>
+            <p:cNvPicPr>
+              <a:picLocks noChangeAspect="1"/>
+            </p:cNvPicPr>
+            <p:nvPr/>
+          </p:nvPicPr>
+          <p:blipFill>
+            <a:blip r:embed="rId4">
+              <a:alphaModFix amt="63000"/>
+              <a:extLst>
+                <a:ext uri="{BEBA8EAE-BF5A-486C-A8C5-ECC9F3942E4B}">
+                  <a14:imgProps xmlns:a14="http://schemas.microsoft.com/office/drawing/2010/main">
+                    <a14:imgLayer r:embed="rId5">
+                      <a14:imgEffect>
+                        <a14:colorTemperature colorTemp="6944"/>
+                      </a14:imgEffect>
+                      <a14:imgEffect>
+                        <a14:saturation sat="400000"/>
+                      </a14:imgEffect>
+                    </a14:imgLayer>
+                  </a14:imgProps>
+                </a:ext>
+              </a:extLst>
+            </a:blip>
+            <a:stretch>
+              <a:fillRect/>
+            </a:stretch>
+          </p:blipFill>
+          <p:spPr>
+            <a:xfrm>
+              <a:off x="3016507" y="2471543"/>
+              <a:ext cx="294455" cy="348537"/>
+            </a:xfrm>
+            <a:prstGeom prst="rect">
+              <a:avLst/>
+            </a:prstGeom>
+            <a:solidFill>
+              <a:schemeClr val="bg1"/>
+            </a:solidFill>
+            <a:ln w="12700" cap="flat">
+              <a:noFill/>
+              <a:miter lim="400000"/>
+            </a:ln>
+            <a:effectLst/>
+          </p:spPr>
+        </p:pic>
+        <p:pic>
+          <p:nvPicPr>
+            <p:cNvPr id="192" name="image.png" descr="image.png"/>
+            <p:cNvPicPr>
+              <a:picLocks noChangeAspect="1"/>
+            </p:cNvPicPr>
+            <p:nvPr/>
+          </p:nvPicPr>
+          <p:blipFill>
+            <a:blip r:embed="rId3">
+              <a:extLst/>
+            </a:blip>
+            <a:srcRect/>
+            <a:stretch>
+              <a:fillRect/>
+            </a:stretch>
+          </p:blipFill>
+          <p:spPr>
+            <a:xfrm rot="5400000">
+              <a:off x="2638003" y="2515637"/>
+              <a:ext cx="354780" cy="260348"/>
+            </a:xfrm>
+            <a:prstGeom prst="rect">
+              <a:avLst/>
+            </a:prstGeom>
+            <a:solidFill>
+              <a:schemeClr val="bg1"/>
+            </a:solidFill>
+            <a:ln w="12700" cap="flat">
+              <a:noFill/>
+              <a:miter lim="400000"/>
+            </a:ln>
+            <a:effectLst/>
+          </p:spPr>
+        </p:pic>
+        <p:pic>
+          <p:nvPicPr>
+            <p:cNvPr id="440" name="Picture 439"/>
+            <p:cNvPicPr>
+              <a:picLocks/>
+            </p:cNvPicPr>
+            <p:nvPr/>
+          </p:nvPicPr>
+          <p:blipFill>
+            <a:blip r:embed="rId10">
+              <a:extLst>
+                <a:ext uri="{28A0092B-C50C-407E-A947-70E740481C1C}">
+                  <a14:useLocalDpi xmlns:a14="http://schemas.microsoft.com/office/drawing/2010/main" val="0"/>
+                </a:ext>
+              </a:extLst>
+            </a:blip>
+            <a:stretch>
+              <a:fillRect/>
+            </a:stretch>
+          </p:blipFill>
+          <p:spPr>
+            <a:xfrm>
+              <a:off x="2066628" y="2351356"/>
+              <a:ext cx="588910" cy="588910"/>
+            </a:xfrm>
+            <a:prstGeom prst="rect">
+              <a:avLst/>
+            </a:prstGeom>
+          </p:spPr>
+        </p:pic>
+      </p:grpSp>
+      <p:sp>
+        <p:nvSpPr>
+          <p:cNvPr id="571" name="Rectangle 570"/>
+          <p:cNvSpPr/>
+          <p:nvPr/>
+        </p:nvSpPr>
+        <p:spPr>
+          <a:xfrm>
+            <a:off x="6031083" y="1928695"/>
+            <a:ext cx="2731918" cy="2742366"/>
+          </a:xfrm>
+          <a:prstGeom prst="rect">
+            <a:avLst/>
+          </a:prstGeom>
+          <a:solidFill>
+            <a:srgbClr val="E6F4F5">
+              <a:alpha val="80000"/>
+            </a:srgbClr>
+          </a:solidFill>
+          <a:ln>
+            <a:solidFill>
+              <a:schemeClr val="bg1">
+                <a:lumMod val="75000"/>
+                <a:alpha val="40000"/>
+              </a:schemeClr>
+            </a:solidFill>
+            <a:prstDash val="dash"/>
+          </a:ln>
+        </p:spPr>
+        <p:style>
+          <a:lnRef idx="2">
+            <a:schemeClr val="accent1">
+              <a:shade val="50000"/>
+            </a:schemeClr>
+          </a:lnRef>
+          <a:fillRef idx="1">
+            <a:schemeClr val="accent1"/>
+          </a:fillRef>
+          <a:effectRef idx="0">
+            <a:schemeClr val="accent1"/>
+          </a:effectRef>
+          <a:fontRef idx="minor">
+            <a:schemeClr val="lt1"/>
+          </a:fontRef>
+        </p:style>
+        <p:txBody>
+          <a:bodyPr wrap="none" rtlCol="0" anchor="ctr"/>
+          <a:lstStyle/>
+          <a:p>
+            <a:pPr algn="ctr"/>
+            <a:endParaRPr lang="en-US" sz="1400" smtClean="0">
+              <a:solidFill>
+                <a:schemeClr val="tx1">
+                  <a:lumMod val="85000"/>
+                  <a:lumOff val="15000"/>
+                </a:schemeClr>
+              </a:solidFill>
+            </a:endParaRPr>
+          </a:p>
+        </p:txBody>
+      </p:sp>
+      <p:grpSp>
+        <p:nvGrpSpPr>
+          <p:cNvPr id="14" name="Group 13"/>
+          <p:cNvGrpSpPr/>
+          <p:nvPr/>
+        </p:nvGrpSpPr>
+        <p:grpSpPr>
+          <a:xfrm>
+            <a:off x="6114995" y="2011696"/>
+            <a:ext cx="2544562" cy="2576364"/>
+            <a:chOff x="6125978" y="2025142"/>
+            <a:chExt cx="2544562" cy="2576364"/>
+          </a:xfrm>
+        </p:grpSpPr>
+        <p:grpSp>
+          <p:nvGrpSpPr>
+            <p:cNvPr id="516" name="Group 515"/>
+            <p:cNvGrpSpPr/>
+            <p:nvPr/>
+          </p:nvGrpSpPr>
+          <p:grpSpPr>
+            <a:xfrm>
+              <a:off x="6917056" y="2900586"/>
+              <a:ext cx="962406" cy="824502"/>
+              <a:chOff x="6869591" y="3865332"/>
+              <a:chExt cx="962406" cy="824502"/>
+            </a:xfrm>
+          </p:grpSpPr>
+          <p:sp>
+            <p:nvSpPr>
+              <p:cNvPr id="325" name="Hexagon 324"/>
+              <p:cNvSpPr/>
+              <p:nvPr/>
+            </p:nvSpPr>
+            <p:spPr>
+              <a:xfrm>
+                <a:off x="6869591" y="3865332"/>
                 <a:ext cx="962406" cy="824502"/>
               </a:xfrm>
               <a:prstGeom prst="hexagon">
@@ -3972,32 +6028,32 @@
           </p:sp>
           <p:grpSp>
             <p:nvGrpSpPr>
-              <p:cNvPr id="607" name="Group 606"/>
+              <p:cNvPr id="513" name="Group 512"/>
               <p:cNvGrpSpPr/>
               <p:nvPr/>
             </p:nvGrpSpPr>
             <p:grpSpPr>
               <a:xfrm>
-                <a:off x="7535943" y="3694501"/>
-                <a:ext cx="673321" cy="706400"/>
-                <a:chOff x="7510105" y="3700681"/>
-                <a:chExt cx="673321" cy="706400"/>
+                <a:off x="7003322" y="3930111"/>
+                <a:ext cx="694944" cy="694944"/>
+                <a:chOff x="7003322" y="3930111"/>
+                <a:chExt cx="694944" cy="694944"/>
               </a:xfrm>
             </p:grpSpPr>
             <p:pic>
               <p:nvPicPr>
-                <p:cNvPr id="608" name="pasted-image.pdf" descr="pasted-image.pdf"/>
+                <p:cNvPr id="330" name="pasted-image.pdf" descr="pasted-image.pdf"/>
                 <p:cNvPicPr>
-                  <a:picLocks noChangeAspect="1"/>
+                  <a:picLocks/>
                 </p:cNvPicPr>
                 <p:nvPr/>
               </p:nvPicPr>
               <p:blipFill>
-                <a:blip r:embed="rId12">
+                <a:blip r:embed="rId11">
                   <a:extLst>
                     <a:ext uri="{BEBA8EAE-BF5A-486C-A8C5-ECC9F3942E4B}">
                       <a14:imgProps xmlns:a14="http://schemas.microsoft.com/office/drawing/2010/main">
-                        <a14:imgLayer r:embed="rId13">
+                        <a14:imgLayer r:embed="rId12">
                           <a14:imgEffect>
                             <a14:colorTemperature colorTemp="5093"/>
                           </a14:imgEffect>
@@ -4012,8 +6068,8 @@
               </p:blipFill>
               <p:spPr>
                 <a:xfrm>
-                  <a:off x="7648911" y="3700681"/>
-                  <a:ext cx="534515" cy="549875"/>
+                  <a:off x="7003322" y="3930111"/>
+                  <a:ext cx="694944" cy="694944"/>
                 </a:xfrm>
                 <a:prstGeom prst="rect">
                   <a:avLst/>
@@ -4033,108 +6089,14 @@
             </p:pic>
             <p:pic>
               <p:nvPicPr>
-                <p:cNvPr id="609" name="pasted-image.pdf" descr="pasted-image.pdf"/>
+                <p:cNvPr id="512" name="Picture 511"/>
                 <p:cNvPicPr>
                   <a:picLocks noChangeAspect="1"/>
                 </p:cNvPicPr>
                 <p:nvPr/>
               </p:nvPicPr>
               <p:blipFill>
-                <a:blip r:embed="rId12">
-                  <a:extLst>
-                    <a:ext uri="{BEBA8EAE-BF5A-486C-A8C5-ECC9F3942E4B}">
-                      <a14:imgProps xmlns:a14="http://schemas.microsoft.com/office/drawing/2010/main">
-                        <a14:imgLayer r:embed="rId13">
-                          <a14:imgEffect>
-                            <a14:colorTemperature colorTemp="5093"/>
-                          </a14:imgEffect>
-                        </a14:imgLayer>
-                      </a14:imgProps>
-                    </a:ext>
-                  </a:extLst>
-                </a:blip>
-                <a:stretch>
-                  <a:fillRect/>
-                </a:stretch>
-              </p:blipFill>
-              <p:spPr>
-                <a:xfrm>
-                  <a:off x="7588866" y="3776881"/>
-                  <a:ext cx="534515" cy="549875"/>
-                </a:xfrm>
-                <a:prstGeom prst="rect">
-                  <a:avLst/>
-                </a:prstGeom>
-                <a:ln w="12700" cap="flat">
-                  <a:noFill/>
-                  <a:miter lim="400000"/>
-                </a:ln>
-                <a:effectLst>
-                  <a:outerShdw blurRad="25400" dist="25400" dir="2700000" algn="tl" rotWithShape="0">
-                    <a:prstClr val="black">
-                      <a:alpha val="40000"/>
-                    </a:prstClr>
-                  </a:outerShdw>
-                </a:effectLst>
-              </p:spPr>
-            </p:pic>
-            <p:pic>
-              <p:nvPicPr>
-                <p:cNvPr id="610" name="pasted-image.pdf" descr="pasted-image.pdf"/>
-                <p:cNvPicPr>
-                  <a:picLocks noChangeAspect="1"/>
-                </p:cNvPicPr>
-                <p:nvPr/>
-              </p:nvPicPr>
-              <p:blipFill>
-                <a:blip r:embed="rId12">
-                  <a:extLst>
-                    <a:ext uri="{BEBA8EAE-BF5A-486C-A8C5-ECC9F3942E4B}">
-                      <a14:imgProps xmlns:a14="http://schemas.microsoft.com/office/drawing/2010/main">
-                        <a14:imgLayer r:embed="rId13">
-                          <a14:imgEffect>
-                            <a14:colorTemperature colorTemp="5093"/>
-                          </a14:imgEffect>
-                        </a14:imgLayer>
-                      </a14:imgProps>
-                    </a:ext>
-                  </a:extLst>
-                </a:blip>
-                <a:stretch>
-                  <a:fillRect/>
-                </a:stretch>
-              </p:blipFill>
-              <p:spPr>
-                <a:xfrm>
-                  <a:off x="7510105" y="3857206"/>
-                  <a:ext cx="534515" cy="549875"/>
-                </a:xfrm>
-                <a:prstGeom prst="rect">
-                  <a:avLst/>
-                </a:prstGeom>
-                <a:ln w="12700" cap="flat">
-                  <a:noFill/>
-                  <a:miter lim="400000"/>
-                </a:ln>
-                <a:effectLst>
-                  <a:outerShdw blurRad="25400" dist="25400" dir="2700000" algn="tl" rotWithShape="0">
-                    <a:prstClr val="black">
-                      <a:alpha val="40000"/>
-                    </a:prstClr>
-                  </a:outerShdw>
-                </a:effectLst>
-              </p:spPr>
-            </p:pic>
-            <p:pic>
-              <p:nvPicPr>
-                <p:cNvPr id="611" name="Picture 610"/>
-                <p:cNvPicPr>
-                  <a:picLocks noChangeAspect="1"/>
-                </p:cNvPicPr>
-                <p:nvPr/>
-              </p:nvPicPr>
-              <p:blipFill>
-                <a:blip r:embed="rId16">
+                <a:blip r:embed="rId13">
                   <a:extLst>
                     <a:ext uri="{28A0092B-C50C-407E-A947-70E740481C1C}">
                       <a14:useLocalDpi xmlns:a14="http://schemas.microsoft.com/office/drawing/2010/main" val="0"/>
@@ -4147,8 +6109,8 @@
               </p:blipFill>
               <p:spPr>
                 <a:xfrm>
-                  <a:off x="7610262" y="3974668"/>
-                  <a:ext cx="334200" cy="314951"/>
+                  <a:off x="7131338" y="4058127"/>
+                  <a:ext cx="438912" cy="438912"/>
                 </a:xfrm>
                 <a:prstGeom prst="rect">
                   <a:avLst/>
@@ -4159,34 +6121,27 @@
         </p:grpSp>
         <p:grpSp>
           <p:nvGrpSpPr>
-            <p:cNvPr id="653" name="Group 652"/>
+            <p:cNvPr id="542" name="Group 541"/>
             <p:cNvGrpSpPr/>
             <p:nvPr/>
           </p:nvGrpSpPr>
           <p:grpSpPr>
             <a:xfrm>
-              <a:off x="9103277" y="2793342"/>
+              <a:off x="6917056" y="2025142"/>
               <a:ext cx="962406" cy="824502"/>
-              <a:chOff x="5029143" y="5373267"/>
+              <a:chOff x="7152718" y="5183140"/>
               <a:chExt cx="962406" cy="824502"/>
             </a:xfrm>
-            <a:effectLst>
-              <a:outerShdw blurRad="12700" dist="12700" dir="2700000" algn="tl" rotWithShape="0">
-                <a:prstClr val="black">
-                  <a:alpha val="40000"/>
-                </a:prstClr>
-              </a:outerShdw>
-            </a:effectLst>
           </p:grpSpPr>
           <p:sp>
             <p:nvSpPr>
-              <p:cNvPr id="654" name="Hexagon 653"/>
+              <p:cNvPr id="443" name="Hexagon 442"/>
               <p:cNvSpPr/>
               <p:nvPr/>
             </p:nvSpPr>
             <p:spPr>
               <a:xfrm>
-                <a:off x="5029143" y="5373267"/>
+                <a:off x="7152718" y="5183140"/>
                 <a:ext cx="962406" cy="824502"/>
               </a:xfrm>
               <a:prstGeom prst="hexagon">
@@ -4201,6 +6156,13 @@
               <a:ln>
                 <a:noFill/>
               </a:ln>
+              <a:effectLst>
+                <a:outerShdw blurRad="12700" dist="12700" dir="2700000" algn="tl" rotWithShape="0">
+                  <a:prstClr val="black">
+                    <a:alpha val="40000"/>
+                  </a:prstClr>
+                </a:outerShdw>
+              </a:effectLst>
             </p:spPr>
             <p:style>
               <a:lnRef idx="2">
@@ -4236,32 +6198,32 @@
           </p:sp>
           <p:grpSp>
             <p:nvGrpSpPr>
-              <p:cNvPr id="655" name="Group 654"/>
+              <p:cNvPr id="541" name="Group 540"/>
               <p:cNvGrpSpPr/>
               <p:nvPr/>
             </p:nvGrpSpPr>
             <p:grpSpPr>
               <a:xfrm>
-                <a:off x="5173685" y="5432318"/>
-                <a:ext cx="673321" cy="706400"/>
-                <a:chOff x="6587851" y="4236330"/>
-                <a:chExt cx="673321" cy="706400"/>
+                <a:off x="7297261" y="5249057"/>
+                <a:ext cx="694944" cy="692669"/>
+                <a:chOff x="7297261" y="5249057"/>
+                <a:chExt cx="694944" cy="692669"/>
               </a:xfrm>
             </p:grpSpPr>
             <p:pic>
               <p:nvPicPr>
-                <p:cNvPr id="656" name="pasted-image.pdf" descr="pasted-image.pdf"/>
+                <p:cNvPr id="447" name="pasted-image.pdf" descr="pasted-image.pdf"/>
                 <p:cNvPicPr>
                   <a:picLocks noChangeAspect="1"/>
                 </p:cNvPicPr>
                 <p:nvPr/>
               </p:nvPicPr>
               <p:blipFill>
-                <a:blip r:embed="rId12">
+                <a:blip r:embed="rId11">
                   <a:extLst>
                     <a:ext uri="{BEBA8EAE-BF5A-486C-A8C5-ECC9F3942E4B}">
                       <a14:imgProps xmlns:a14="http://schemas.microsoft.com/office/drawing/2010/main">
-                        <a14:imgLayer r:embed="rId13">
+                        <a14:imgLayer r:embed="rId12">
                           <a14:imgEffect>
                             <a14:colorTemperature colorTemp="5093"/>
                           </a14:imgEffect>
@@ -4276,8 +6238,8 @@
               </p:blipFill>
               <p:spPr>
                 <a:xfrm>
-                  <a:off x="6726657" y="4236330"/>
-                  <a:ext cx="534515" cy="549875"/>
+                  <a:off x="7297261" y="5249057"/>
+                  <a:ext cx="694944" cy="692669"/>
                 </a:xfrm>
                 <a:prstGeom prst="rect">
                   <a:avLst/>
@@ -4297,18 +6259,148 @@
             </p:pic>
             <p:pic>
               <p:nvPicPr>
-                <p:cNvPr id="657" name="pasted-image.pdf" descr="pasted-image.pdf"/>
+                <p:cNvPr id="129" name="Picture 128"/>
                 <p:cNvPicPr>
                   <a:picLocks noChangeAspect="1"/>
                 </p:cNvPicPr>
                 <p:nvPr/>
               </p:nvPicPr>
               <p:blipFill>
-                <a:blip r:embed="rId12">
+                <a:blip r:embed="rId14">
+                  <a:extLst>
+                    <a:ext uri="{28A0092B-C50C-407E-A947-70E740481C1C}">
+                      <a14:useLocalDpi xmlns:a14="http://schemas.microsoft.com/office/drawing/2010/main" val="0"/>
+                    </a:ext>
+                  </a:extLst>
+                </a:blip>
+                <a:stretch>
+                  <a:fillRect/>
+                </a:stretch>
+              </p:blipFill>
+              <p:spPr>
+                <a:xfrm>
+                  <a:off x="7447539" y="5398197"/>
+                  <a:ext cx="394388" cy="394388"/>
+                </a:xfrm>
+                <a:prstGeom prst="rect">
+                  <a:avLst/>
+                </a:prstGeom>
+                <a:effectLst>
+                  <a:outerShdw blurRad="12700" dist="12700" dir="2700000" algn="tl" rotWithShape="0">
+                    <a:prstClr val="black">
+                      <a:alpha val="40000"/>
+                    </a:prstClr>
+                  </a:outerShdw>
+                </a:effectLst>
+              </p:spPr>
+            </p:pic>
+          </p:grpSp>
+        </p:grpSp>
+        <p:grpSp>
+          <p:nvGrpSpPr>
+            <p:cNvPr id="580" name="Group 579"/>
+            <p:cNvGrpSpPr/>
+            <p:nvPr/>
+          </p:nvGrpSpPr>
+          <p:grpSpPr>
+            <a:xfrm>
+              <a:off x="7708134" y="3335248"/>
+              <a:ext cx="962406" cy="824502"/>
+              <a:chOff x="8340934" y="1897697"/>
+              <a:chExt cx="962406" cy="824502"/>
+            </a:xfrm>
+          </p:grpSpPr>
+          <p:grpSp>
+            <p:nvGrpSpPr>
+              <p:cNvPr id="592" name="Group 591"/>
+              <p:cNvGrpSpPr/>
+              <p:nvPr/>
+            </p:nvGrpSpPr>
+            <p:grpSpPr>
+              <a:xfrm>
+                <a:off x="8340934" y="1897697"/>
+                <a:ext cx="962406" cy="824502"/>
+                <a:chOff x="7152718" y="5226148"/>
+                <a:chExt cx="962406" cy="824502"/>
+              </a:xfrm>
+            </p:grpSpPr>
+            <p:sp>
+              <p:nvSpPr>
+                <p:cNvPr id="593" name="Hexagon 592"/>
+                <p:cNvSpPr/>
+                <p:nvPr/>
+              </p:nvSpPr>
+              <p:spPr>
+                <a:xfrm>
+                  <a:off x="7152718" y="5226148"/>
+                  <a:ext cx="962406" cy="824502"/>
+                </a:xfrm>
+                <a:prstGeom prst="hexagon">
+                  <a:avLst/>
+                </a:prstGeom>
+                <a:solidFill>
+                  <a:schemeClr val="accent6">
+                    <a:lumMod val="40000"/>
+                    <a:lumOff val="60000"/>
+                  </a:schemeClr>
+                </a:solidFill>
+                <a:ln>
+                  <a:noFill/>
+                </a:ln>
+                <a:effectLst>
+                  <a:outerShdw blurRad="12700" dist="12700" dir="2700000" algn="tl" rotWithShape="0">
+                    <a:prstClr val="black">
+                      <a:alpha val="40000"/>
+                    </a:prstClr>
+                  </a:outerShdw>
+                </a:effectLst>
+              </p:spPr>
+              <p:style>
+                <a:lnRef idx="2">
+                  <a:schemeClr val="accent1">
+                    <a:shade val="50000"/>
+                  </a:schemeClr>
+                </a:lnRef>
+                <a:fillRef idx="1">
+                  <a:schemeClr val="accent1"/>
+                </a:fillRef>
+                <a:effectRef idx="0">
+                  <a:schemeClr val="accent1"/>
+                </a:effectRef>
+                <a:fontRef idx="minor">
+                  <a:schemeClr val="lt1"/>
+                </a:fontRef>
+              </p:style>
+              <p:txBody>
+                <a:bodyPr wrap="none" rtlCol="0" anchor="ctr"/>
+                <a:lstStyle/>
+                <a:p>
+                  <a:pPr algn="ctr"/>
+                  <a:endParaRPr lang="en-US" sz="1400" smtClean="0">
+                    <a:solidFill>
+                      <a:schemeClr val="tx1">
+                        <a:lumMod val="85000"/>
+                        <a:lumOff val="15000"/>
+                      </a:schemeClr>
+                    </a:solidFill>
+                  </a:endParaRPr>
+                </a:p>
+              </p:txBody>
+            </p:sp>
+            <p:pic>
+              <p:nvPicPr>
+                <p:cNvPr id="599" name="pasted-image.pdf" descr="pasted-image.pdf"/>
+                <p:cNvPicPr>
+                  <a:picLocks/>
+                </p:cNvPicPr>
+                <p:nvPr/>
+              </p:nvPicPr>
+              <p:blipFill>
+                <a:blip r:embed="rId11">
                   <a:extLst>
                     <a:ext uri="{BEBA8EAE-BF5A-486C-A8C5-ECC9F3942E4B}">
                       <a14:imgProps xmlns:a14="http://schemas.microsoft.com/office/drawing/2010/main">
-                        <a14:imgLayer r:embed="rId13">
+                        <a14:imgLayer r:embed="rId12">
                           <a14:imgEffect>
                             <a14:colorTemperature colorTemp="5093"/>
                           </a14:imgEffect>
@@ -4323,8 +6415,8 @@
               </p:blipFill>
               <p:spPr>
                 <a:xfrm>
-                  <a:off x="6666612" y="4312530"/>
-                  <a:ext cx="534515" cy="549875"/>
+                  <a:off x="7286449" y="5290927"/>
+                  <a:ext cx="694944" cy="694944"/>
                 </a:xfrm>
                 <a:prstGeom prst="rect">
                   <a:avLst/>
@@ -4342,20 +6434,136 @@
                 </a:effectLst>
               </p:spPr>
             </p:pic>
+          </p:grpSp>
+          <p:pic>
+            <p:nvPicPr>
+              <p:cNvPr id="644" name="Picture 643"/>
+              <p:cNvPicPr>
+                <a:picLocks/>
+              </p:cNvPicPr>
+              <p:nvPr/>
+            </p:nvPicPr>
+            <p:blipFill>
+              <a:blip r:embed="rId15">
+                <a:extLst>
+                  <a:ext uri="{28A0092B-C50C-407E-A947-70E740481C1C}">
+                    <a14:useLocalDpi xmlns:a14="http://schemas.microsoft.com/office/drawing/2010/main" val="0"/>
+                  </a:ext>
+                </a:extLst>
+              </a:blip>
+              <a:stretch>
+                <a:fillRect/>
+              </a:stretch>
+            </p:blipFill>
+            <p:spPr>
+              <a:xfrm>
+                <a:off x="8630913" y="2117924"/>
+                <a:ext cx="382449" cy="384048"/>
+              </a:xfrm>
+              <a:prstGeom prst="rect">
+                <a:avLst/>
+              </a:prstGeom>
+            </p:spPr>
+          </p:pic>
+        </p:grpSp>
+        <p:grpSp>
+          <p:nvGrpSpPr>
+            <p:cNvPr id="7" name="Group 6"/>
+            <p:cNvGrpSpPr/>
+            <p:nvPr/>
+          </p:nvGrpSpPr>
+          <p:grpSpPr>
+            <a:xfrm>
+              <a:off x="6125978" y="3323075"/>
+              <a:ext cx="962406" cy="824502"/>
+              <a:chOff x="6150556" y="2317522"/>
+              <a:chExt cx="962406" cy="824502"/>
+            </a:xfrm>
+          </p:grpSpPr>
+          <p:grpSp>
+            <p:nvGrpSpPr>
+              <p:cNvPr id="106" name="Group 105"/>
+              <p:cNvGrpSpPr/>
+              <p:nvPr/>
+            </p:nvGrpSpPr>
+            <p:grpSpPr>
+              <a:xfrm>
+                <a:off x="6150556" y="2317522"/>
+                <a:ext cx="962406" cy="824502"/>
+                <a:chOff x="6181798" y="3183738"/>
+                <a:chExt cx="962406" cy="824502"/>
+              </a:xfrm>
+            </p:grpSpPr>
+            <p:sp>
+              <p:nvSpPr>
+                <p:cNvPr id="107" name="Hexagon 106"/>
+                <p:cNvSpPr/>
+                <p:nvPr/>
+              </p:nvSpPr>
+              <p:spPr>
+                <a:xfrm>
+                  <a:off x="6181798" y="3183738"/>
+                  <a:ext cx="962406" cy="824502"/>
+                </a:xfrm>
+                <a:prstGeom prst="hexagon">
+                  <a:avLst/>
+                </a:prstGeom>
+                <a:solidFill>
+                  <a:schemeClr val="accent6">
+                    <a:lumMod val="40000"/>
+                    <a:lumOff val="60000"/>
+                  </a:schemeClr>
+                </a:solidFill>
+                <a:ln>
+                  <a:noFill/>
+                </a:ln>
+              </p:spPr>
+              <p:style>
+                <a:lnRef idx="2">
+                  <a:schemeClr val="accent1">
+                    <a:shade val="50000"/>
+                  </a:schemeClr>
+                </a:lnRef>
+                <a:fillRef idx="1">
+                  <a:schemeClr val="accent1"/>
+                </a:fillRef>
+                <a:effectRef idx="0">
+                  <a:schemeClr val="accent1"/>
+                </a:effectRef>
+                <a:fontRef idx="minor">
+                  <a:schemeClr val="lt1"/>
+                </a:fontRef>
+              </p:style>
+              <p:txBody>
+                <a:bodyPr wrap="none" rtlCol="0" anchor="ctr"/>
+                <a:lstStyle/>
+                <a:p>
+                  <a:pPr algn="ctr"/>
+                  <a:endParaRPr lang="en-US" sz="1400" smtClean="0">
+                    <a:solidFill>
+                      <a:schemeClr val="tx1">
+                        <a:lumMod val="85000"/>
+                        <a:lumOff val="15000"/>
+                      </a:schemeClr>
+                    </a:solidFill>
+                  </a:endParaRPr>
+                </a:p>
+              </p:txBody>
+            </p:sp>
             <p:pic>
               <p:nvPicPr>
-                <p:cNvPr id="658" name="pasted-image.pdf" descr="pasted-image.pdf"/>
+                <p:cNvPr id="108" name="pasted-image.pdf" descr="pasted-image.pdf"/>
                 <p:cNvPicPr>
-                  <a:picLocks noChangeAspect="1"/>
+                  <a:picLocks/>
                 </p:cNvPicPr>
                 <p:nvPr/>
               </p:nvPicPr>
               <p:blipFill>
-                <a:blip r:embed="rId12">
+                <a:blip r:embed="rId11">
                   <a:extLst>
                     <a:ext uri="{BEBA8EAE-BF5A-486C-A8C5-ECC9F3942E4B}">
                       <a14:imgProps xmlns:a14="http://schemas.microsoft.com/office/drawing/2010/main">
-                        <a14:imgLayer r:embed="rId13">
+                        <a14:imgLayer r:embed="rId12">
                           <a14:imgEffect>
                             <a14:colorTemperature colorTemp="5093"/>
                           </a14:imgEffect>
@@ -4370,8 +6578,8 @@
               </p:blipFill>
               <p:spPr>
                 <a:xfrm>
-                  <a:off x="6587851" y="4392855"/>
-                  <a:ext cx="534515" cy="549875"/>
+                  <a:off x="6315529" y="3248517"/>
+                  <a:ext cx="694944" cy="694944"/>
                 </a:xfrm>
                 <a:prstGeom prst="rect">
                   <a:avLst/>
@@ -4389,15 +6597,193 @@
                 </a:effectLst>
               </p:spPr>
             </p:pic>
+          </p:grpSp>
+          <p:pic>
+            <p:nvPicPr>
+              <p:cNvPr id="426" name="Picture 425"/>
+              <p:cNvPicPr>
+                <a:picLocks noChangeAspect="1"/>
+              </p:cNvPicPr>
+              <p:nvPr/>
+            </p:nvPicPr>
+            <p:blipFill>
+              <a:blip r:embed="rId16">
+                <a:extLst>
+                  <a:ext uri="{28A0092B-C50C-407E-A947-70E740481C1C}">
+                    <a14:useLocalDpi xmlns:a14="http://schemas.microsoft.com/office/drawing/2010/main" val="0"/>
+                  </a:ext>
+                </a:extLst>
+              </a:blip>
+              <a:stretch>
+                <a:fillRect/>
+              </a:stretch>
+            </p:blipFill>
+            <p:spPr>
+              <a:xfrm rot="189821">
+                <a:off x="6422460" y="2509808"/>
+                <a:ext cx="438912" cy="438912"/>
+              </a:xfrm>
+              <a:prstGeom prst="rect">
+                <a:avLst/>
+              </a:prstGeom>
+            </p:spPr>
+          </p:pic>
+        </p:grpSp>
+        <p:grpSp>
+          <p:nvGrpSpPr>
+            <p:cNvPr id="8" name="Group 7"/>
+            <p:cNvGrpSpPr/>
+            <p:nvPr/>
+          </p:nvGrpSpPr>
+          <p:grpSpPr>
+            <a:xfrm>
+              <a:off x="6125978" y="2456895"/>
+              <a:ext cx="962406" cy="824502"/>
+              <a:chOff x="6181798" y="3183738"/>
+              <a:chExt cx="962406" cy="824502"/>
+            </a:xfrm>
+          </p:grpSpPr>
+          <p:grpSp>
+            <p:nvGrpSpPr>
+              <p:cNvPr id="6" name="Group 5"/>
+              <p:cNvGrpSpPr/>
+              <p:nvPr/>
+            </p:nvGrpSpPr>
+            <p:grpSpPr>
+              <a:xfrm>
+                <a:off x="6181798" y="3183738"/>
+                <a:ext cx="962406" cy="824502"/>
+                <a:chOff x="6181798" y="3183738"/>
+                <a:chExt cx="962406" cy="824502"/>
+              </a:xfrm>
+            </p:grpSpPr>
             <p:sp>
               <p:nvSpPr>
-                <p:cNvPr id="659" name="Hexagon 1037"/>
+                <p:cNvPr id="421" name="Hexagon 420"/>
+                <p:cNvSpPr/>
+                <p:nvPr/>
+              </p:nvSpPr>
+              <p:spPr>
+                <a:xfrm>
+                  <a:off x="6181798" y="3183738"/>
+                  <a:ext cx="962406" cy="824502"/>
+                </a:xfrm>
+                <a:prstGeom prst="hexagon">
+                  <a:avLst/>
+                </a:prstGeom>
+                <a:solidFill>
+                  <a:schemeClr val="accent6">
+                    <a:lumMod val="40000"/>
+                    <a:lumOff val="60000"/>
+                  </a:schemeClr>
+                </a:solidFill>
+                <a:ln>
+                  <a:noFill/>
+                </a:ln>
+              </p:spPr>
+              <p:style>
+                <a:lnRef idx="2">
+                  <a:schemeClr val="accent1">
+                    <a:shade val="50000"/>
+                  </a:schemeClr>
+                </a:lnRef>
+                <a:fillRef idx="1">
+                  <a:schemeClr val="accent1"/>
+                </a:fillRef>
+                <a:effectRef idx="0">
+                  <a:schemeClr val="accent1"/>
+                </a:effectRef>
+                <a:fontRef idx="minor">
+                  <a:schemeClr val="lt1"/>
+                </a:fontRef>
+              </p:style>
+              <p:txBody>
+                <a:bodyPr wrap="none" rtlCol="0" anchor="ctr"/>
+                <a:lstStyle/>
+                <a:p>
+                  <a:pPr algn="ctr"/>
+                  <a:endParaRPr lang="en-US" sz="1400" smtClean="0">
+                    <a:solidFill>
+                      <a:schemeClr val="tx1">
+                        <a:lumMod val="85000"/>
+                        <a:lumOff val="15000"/>
+                      </a:schemeClr>
+                    </a:solidFill>
+                  </a:endParaRPr>
+                </a:p>
+              </p:txBody>
+            </p:sp>
+            <p:pic>
+              <p:nvPicPr>
+                <p:cNvPr id="103" name="pasted-image.pdf" descr="pasted-image.pdf"/>
+                <p:cNvPicPr>
+                  <a:picLocks/>
+                </p:cNvPicPr>
+                <p:nvPr/>
+              </p:nvPicPr>
+              <p:blipFill>
+                <a:blip r:embed="rId11">
+                  <a:extLst>
+                    <a:ext uri="{BEBA8EAE-BF5A-486C-A8C5-ECC9F3942E4B}">
+                      <a14:imgProps xmlns:a14="http://schemas.microsoft.com/office/drawing/2010/main">
+                        <a14:imgLayer r:embed="rId12">
+                          <a14:imgEffect>
+                            <a14:colorTemperature colorTemp="5093"/>
+                          </a14:imgEffect>
+                        </a14:imgLayer>
+                      </a14:imgProps>
+                    </a:ext>
+                  </a:extLst>
+                </a:blip>
+                <a:stretch>
+                  <a:fillRect/>
+                </a:stretch>
+              </p:blipFill>
+              <p:spPr>
+                <a:xfrm>
+                  <a:off x="6315529" y="3248517"/>
+                  <a:ext cx="694944" cy="694944"/>
+                </a:xfrm>
+                <a:prstGeom prst="rect">
+                  <a:avLst/>
+                </a:prstGeom>
+                <a:ln w="12700" cap="flat">
+                  <a:noFill/>
+                  <a:miter lim="400000"/>
+                </a:ln>
+                <a:effectLst>
+                  <a:outerShdw blurRad="25400" dist="25400" dir="2700000" algn="tl" rotWithShape="0">
+                    <a:prstClr val="black">
+                      <a:alpha val="40000"/>
+                    </a:prstClr>
+                  </a:outerShdw>
+                </a:effectLst>
+              </p:spPr>
+            </p:pic>
+          </p:grpSp>
+          <p:grpSp>
+            <p:nvGrpSpPr>
+              <p:cNvPr id="4" name="Group 3"/>
+              <p:cNvGrpSpPr/>
+              <p:nvPr/>
+            </p:nvGrpSpPr>
+            <p:grpSpPr>
+              <a:xfrm>
+                <a:off x="6464126" y="3387588"/>
+                <a:ext cx="396786" cy="418581"/>
+                <a:chOff x="6440783" y="2613556"/>
+                <a:chExt cx="305629" cy="322417"/>
+              </a:xfrm>
+            </p:grpSpPr>
+            <p:sp>
+              <p:nvSpPr>
+                <p:cNvPr id="362" name="Hexagon 1037"/>
                 <p:cNvSpPr/>
                 <p:nvPr/>
               </p:nvSpPr>
               <p:spPr>
                 <a:xfrm rot="5400000">
-                  <a:off x="6704130" y="4540500"/>
+                  <a:off x="6442619" y="2646257"/>
                   <a:ext cx="303491" cy="275941"/>
                 </a:xfrm>
                 <a:custGeom>
@@ -4679,14 +7065,14 @@
             </p:sp>
             <p:pic>
               <p:nvPicPr>
-                <p:cNvPr id="660" name="Picture 659"/>
+                <p:cNvPr id="363" name="Picture 362"/>
                 <p:cNvPicPr>
                   <a:picLocks noChangeAspect="1"/>
                 </p:cNvPicPr>
                 <p:nvPr/>
               </p:nvPicPr>
               <p:blipFill>
-                <a:blip r:embed="rId15">
+                <a:blip r:embed="rId17">
                   <a:extLst>
                     <a:ext uri="{28A0092B-C50C-407E-A947-70E740481C1C}">
                       <a14:useLocalDpi xmlns:a14="http://schemas.microsoft.com/office/drawing/2010/main" val="0"/>
@@ -4699,7 +7085,7 @@
               </p:blipFill>
               <p:spPr>
                 <a:xfrm>
-                  <a:off x="6702294" y="4507799"/>
+                  <a:off x="6440783" y="2613556"/>
                   <a:ext cx="305629" cy="319987"/>
                 </a:xfrm>
                 <a:prstGeom prst="rect">
@@ -4714,41 +7100,41 @@
         </p:grpSp>
         <p:grpSp>
           <p:nvGrpSpPr>
-            <p:cNvPr id="584" name="Group 583"/>
+            <p:cNvPr id="9" name="Group 8"/>
             <p:cNvGrpSpPr/>
             <p:nvPr/>
           </p:nvGrpSpPr>
           <p:grpSpPr>
             <a:xfrm>
-              <a:off x="9105970" y="1896746"/>
+              <a:off x="7708134" y="2475376"/>
               <a:ext cx="962406" cy="824502"/>
-              <a:chOff x="8356856" y="1870635"/>
+              <a:chOff x="6955668" y="2729773"/>
               <a:chExt cx="962406" cy="824502"/>
             </a:xfrm>
           </p:grpSpPr>
           <p:grpSp>
             <p:nvGrpSpPr>
-              <p:cNvPr id="664" name="Group 663"/>
+              <p:cNvPr id="111" name="Group 110"/>
               <p:cNvGrpSpPr/>
               <p:nvPr/>
             </p:nvGrpSpPr>
             <p:grpSpPr>
               <a:xfrm>
-                <a:off x="8356856" y="1870635"/>
+                <a:off x="6955668" y="2729773"/>
                 <a:ext cx="962406" cy="824502"/>
-                <a:chOff x="7152718" y="5183140"/>
+                <a:chOff x="6181798" y="3183738"/>
                 <a:chExt cx="962406" cy="824502"/>
               </a:xfrm>
             </p:grpSpPr>
             <p:sp>
               <p:nvSpPr>
-                <p:cNvPr id="666" name="Hexagon 665"/>
+                <p:cNvPr id="112" name="Hexagon 111"/>
                 <p:cNvSpPr/>
                 <p:nvPr/>
               </p:nvSpPr>
               <p:spPr>
                 <a:xfrm>
-                  <a:off x="7152718" y="5183140"/>
+                  <a:off x="6181798" y="3183738"/>
                   <a:ext cx="962406" cy="824502"/>
                 </a:xfrm>
                 <a:prstGeom prst="hexagon">
@@ -4763,13 +7149,6 @@
                 <a:ln>
                   <a:noFill/>
                 </a:ln>
-                <a:effectLst>
-                  <a:outerShdw blurRad="12700" dist="12700" dir="2700000" algn="tl" rotWithShape="0">
-                    <a:prstClr val="black">
-                      <a:alpha val="40000"/>
-                    </a:prstClr>
-                  </a:outerShdw>
-                </a:effectLst>
               </p:spPr>
               <p:style>
                 <a:lnRef idx="2">
@@ -4803,162 +7182,53 @@
                 </a:p>
               </p:txBody>
             </p:sp>
-            <p:grpSp>
-              <p:nvGrpSpPr>
-                <p:cNvPr id="667" name="Group 666"/>
-                <p:cNvGrpSpPr/>
+            <p:pic>
+              <p:nvPicPr>
+                <p:cNvPr id="113" name="pasted-image.pdf" descr="pasted-image.pdf"/>
+                <p:cNvPicPr>
+                  <a:picLocks/>
+                </p:cNvPicPr>
                 <p:nvPr/>
-              </p:nvGrpSpPr>
-              <p:grpSpPr>
+              </p:nvPicPr>
+              <p:blipFill>
+                <a:blip r:embed="rId11">
+                  <a:extLst>
+                    <a:ext uri="{BEBA8EAE-BF5A-486C-A8C5-ECC9F3942E4B}">
+                      <a14:imgProps xmlns:a14="http://schemas.microsoft.com/office/drawing/2010/main">
+                        <a14:imgLayer r:embed="rId12">
+                          <a14:imgEffect>
+                            <a14:colorTemperature colorTemp="5093"/>
+                          </a14:imgEffect>
+                        </a14:imgLayer>
+                      </a14:imgProps>
+                    </a:ext>
+                  </a:extLst>
+                </a:blip>
+                <a:stretch>
+                  <a:fillRect/>
+                </a:stretch>
+              </p:blipFill>
+              <p:spPr>
                 <a:xfrm>
-                  <a:off x="7297261" y="5242191"/>
-                  <a:ext cx="673321" cy="706400"/>
-                  <a:chOff x="6870571" y="4152548"/>
-                  <a:chExt cx="673321" cy="706400"/>
+                  <a:off x="6315529" y="3248517"/>
+                  <a:ext cx="694944" cy="694944"/>
                 </a:xfrm>
-              </p:grpSpPr>
-              <p:pic>
-                <p:nvPicPr>
-                  <p:cNvPr id="668" name="pasted-image.pdf" descr="pasted-image.pdf"/>
-                  <p:cNvPicPr>
-                    <a:picLocks noChangeAspect="1"/>
-                  </p:cNvPicPr>
-                  <p:nvPr/>
-                </p:nvPicPr>
-                <p:blipFill>
-                  <a:blip r:embed="rId12">
-                    <a:extLst>
-                      <a:ext uri="{BEBA8EAE-BF5A-486C-A8C5-ECC9F3942E4B}">
-                        <a14:imgProps xmlns:a14="http://schemas.microsoft.com/office/drawing/2010/main">
-                          <a14:imgLayer r:embed="rId13">
-                            <a14:imgEffect>
-                              <a14:colorTemperature colorTemp="5093"/>
-                            </a14:imgEffect>
-                          </a14:imgLayer>
-                        </a14:imgProps>
-                      </a:ext>
-                    </a:extLst>
-                  </a:blip>
-                  <a:stretch>
-                    <a:fillRect/>
-                  </a:stretch>
-                </p:blipFill>
-                <p:spPr>
-                  <a:xfrm>
-                    <a:off x="7009377" y="4152548"/>
-                    <a:ext cx="534515" cy="549875"/>
-                  </a:xfrm>
-                  <a:prstGeom prst="rect">
-                    <a:avLst/>
-                  </a:prstGeom>
-                  <a:ln w="12700" cap="flat">
-                    <a:noFill/>
-                    <a:miter lim="400000"/>
-                  </a:ln>
-                  <a:effectLst>
-                    <a:outerShdw blurRad="25400" dist="25400" dir="2700000" algn="tl" rotWithShape="0">
-                      <a:prstClr val="black">
-                        <a:alpha val="40000"/>
-                      </a:prstClr>
-                    </a:outerShdw>
-                  </a:effectLst>
-                </p:spPr>
-              </p:pic>
-              <p:pic>
-                <p:nvPicPr>
-                  <p:cNvPr id="669" name="pasted-image.pdf" descr="pasted-image.pdf"/>
-                  <p:cNvPicPr>
-                    <a:picLocks noChangeAspect="1"/>
-                  </p:cNvPicPr>
-                  <p:nvPr/>
-                </p:nvPicPr>
-                <p:blipFill>
-                  <a:blip r:embed="rId12">
-                    <a:extLst>
-                      <a:ext uri="{BEBA8EAE-BF5A-486C-A8C5-ECC9F3942E4B}">
-                        <a14:imgProps xmlns:a14="http://schemas.microsoft.com/office/drawing/2010/main">
-                          <a14:imgLayer r:embed="rId13">
-                            <a14:imgEffect>
-                              <a14:colorTemperature colorTemp="5093"/>
-                            </a14:imgEffect>
-                          </a14:imgLayer>
-                        </a14:imgProps>
-                      </a:ext>
-                    </a:extLst>
-                  </a:blip>
-                  <a:stretch>
-                    <a:fillRect/>
-                  </a:stretch>
-                </p:blipFill>
-                <p:spPr>
-                  <a:xfrm>
-                    <a:off x="6949332" y="4228748"/>
-                    <a:ext cx="534515" cy="549875"/>
-                  </a:xfrm>
-                  <a:prstGeom prst="rect">
-                    <a:avLst/>
-                  </a:prstGeom>
-                  <a:ln w="12700" cap="flat">
-                    <a:noFill/>
-                    <a:miter lim="400000"/>
-                  </a:ln>
-                  <a:effectLst>
-                    <a:outerShdw blurRad="25400" dist="25400" dir="2700000" algn="tl" rotWithShape="0">
-                      <a:prstClr val="black">
-                        <a:alpha val="40000"/>
-                      </a:prstClr>
-                    </a:outerShdw>
-                  </a:effectLst>
-                </p:spPr>
-              </p:pic>
-              <p:pic>
-                <p:nvPicPr>
-                  <p:cNvPr id="670" name="pasted-image.pdf" descr="pasted-image.pdf"/>
-                  <p:cNvPicPr>
-                    <a:picLocks noChangeAspect="1"/>
-                  </p:cNvPicPr>
-                  <p:nvPr/>
-                </p:nvPicPr>
-                <p:blipFill>
-                  <a:blip r:embed="rId12">
-                    <a:extLst>
-                      <a:ext uri="{BEBA8EAE-BF5A-486C-A8C5-ECC9F3942E4B}">
-                        <a14:imgProps xmlns:a14="http://schemas.microsoft.com/office/drawing/2010/main">
-                          <a14:imgLayer r:embed="rId13">
-                            <a14:imgEffect>
-                              <a14:colorTemperature colorTemp="5093"/>
-                            </a14:imgEffect>
-                          </a14:imgLayer>
-                        </a14:imgProps>
-                      </a:ext>
-                    </a:extLst>
-                  </a:blip>
-                  <a:stretch>
-                    <a:fillRect/>
-                  </a:stretch>
-                </p:blipFill>
-                <p:spPr>
-                  <a:xfrm>
-                    <a:off x="6870571" y="4309073"/>
-                    <a:ext cx="534515" cy="549875"/>
-                  </a:xfrm>
-                  <a:prstGeom prst="rect">
-                    <a:avLst/>
-                  </a:prstGeom>
-                  <a:ln w="12700" cap="flat">
-                    <a:noFill/>
-                    <a:miter lim="400000"/>
-                  </a:ln>
-                  <a:effectLst>
-                    <a:outerShdw blurRad="25400" dist="25400" dir="2700000" algn="tl" rotWithShape="0">
-                      <a:prstClr val="black">
-                        <a:alpha val="40000"/>
-                      </a:prstClr>
-                    </a:outerShdw>
-                  </a:effectLst>
-                </p:spPr>
-              </p:pic>
-            </p:grpSp>
+                <a:prstGeom prst="rect">
+                  <a:avLst/>
+                </a:prstGeom>
+                <a:ln w="12700" cap="flat">
+                  <a:noFill/>
+                  <a:miter lim="400000"/>
+                </a:ln>
+                <a:effectLst>
+                  <a:outerShdw blurRad="25400" dist="25400" dir="2700000" algn="tl" rotWithShape="0">
+                    <a:prstClr val="black">
+                      <a:alpha val="40000"/>
+                    </a:prstClr>
+                  </a:outerShdw>
+                </a:effectLst>
+              </p:spPr>
+            </p:pic>
           </p:grpSp>
           <p:pic>
             <p:nvPicPr>
@@ -4969,7 +7239,7 @@
               <p:nvPr/>
             </p:nvPicPr>
             <p:blipFill>
-              <a:blip r:embed="rId17">
+              <a:blip r:embed="rId18">
                 <a:extLst>
                   <a:ext uri="{28A0092B-C50C-407E-A947-70E740481C1C}">
                     <a14:useLocalDpi xmlns:a14="http://schemas.microsoft.com/office/drawing/2010/main" val="0"/>
@@ -4982,8 +7252,8 @@
             </p:blipFill>
             <p:spPr>
               <a:xfrm>
-                <a:off x="8631788" y="2223389"/>
-                <a:ext cx="252000" cy="252000"/>
+                <a:off x="7286822" y="2986576"/>
+                <a:ext cx="310896" cy="310896"/>
               </a:xfrm>
               <a:prstGeom prst="rect">
                 <a:avLst/>
@@ -4991,62 +7261,157 @@
             </p:spPr>
           </p:pic>
         </p:grpSp>
-      </p:grpSp>
-      <p:grpSp>
-        <p:nvGrpSpPr>
-          <p:cNvPr id="630" name="Group 629"/>
-          <p:cNvGrpSpPr/>
-          <p:nvPr/>
-        </p:nvGrpSpPr>
-        <p:grpSpPr>
-          <a:xfrm>
-            <a:off x="6975298" y="2890469"/>
-            <a:ext cx="1989192" cy="1880187"/>
-            <a:chOff x="6975298" y="2890469"/>
-            <a:chExt cx="1989192" cy="1880187"/>
-          </a:xfrm>
-        </p:grpSpPr>
         <p:grpSp>
           <p:nvGrpSpPr>
-            <p:cNvPr id="545" name="Group 544"/>
+            <p:cNvPr id="15" name="Group 14"/>
             <p:cNvGrpSpPr/>
             <p:nvPr/>
           </p:nvGrpSpPr>
           <p:grpSpPr>
             <a:xfrm>
-              <a:off x="6975298" y="2890469"/>
-              <a:ext cx="1989192" cy="1880187"/>
-              <a:chOff x="7044876" y="4202440"/>
-              <a:chExt cx="1989192" cy="1880187"/>
+              <a:off x="6917056" y="3777004"/>
+              <a:ext cx="962406" cy="824502"/>
+              <a:chOff x="8273559" y="2051336"/>
+              <a:chExt cx="962406" cy="824502"/>
             </a:xfrm>
           </p:grpSpPr>
+          <p:grpSp>
+            <p:nvGrpSpPr>
+              <p:cNvPr id="117" name="Group 116"/>
+              <p:cNvGrpSpPr/>
+              <p:nvPr/>
+            </p:nvGrpSpPr>
+            <p:grpSpPr>
+              <a:xfrm>
+                <a:off x="8273559" y="2051336"/>
+                <a:ext cx="962406" cy="824502"/>
+                <a:chOff x="6181798" y="3183738"/>
+                <a:chExt cx="962406" cy="824502"/>
+              </a:xfrm>
+            </p:grpSpPr>
+            <p:sp>
+              <p:nvSpPr>
+                <p:cNvPr id="118" name="Hexagon 117"/>
+                <p:cNvSpPr/>
+                <p:nvPr/>
+              </p:nvSpPr>
+              <p:spPr>
+                <a:xfrm>
+                  <a:off x="6181798" y="3183738"/>
+                  <a:ext cx="962406" cy="824502"/>
+                </a:xfrm>
+                <a:prstGeom prst="hexagon">
+                  <a:avLst/>
+                </a:prstGeom>
+                <a:solidFill>
+                  <a:schemeClr val="accent6">
+                    <a:lumMod val="40000"/>
+                    <a:lumOff val="60000"/>
+                  </a:schemeClr>
+                </a:solidFill>
+                <a:ln>
+                  <a:noFill/>
+                </a:ln>
+              </p:spPr>
+              <p:style>
+                <a:lnRef idx="2">
+                  <a:schemeClr val="accent1">
+                    <a:shade val="50000"/>
+                  </a:schemeClr>
+                </a:lnRef>
+                <a:fillRef idx="1">
+                  <a:schemeClr val="accent1"/>
+                </a:fillRef>
+                <a:effectRef idx="0">
+                  <a:schemeClr val="accent1"/>
+                </a:effectRef>
+                <a:fontRef idx="minor">
+                  <a:schemeClr val="lt1"/>
+                </a:fontRef>
+              </p:style>
+              <p:txBody>
+                <a:bodyPr wrap="none" rtlCol="0" anchor="ctr"/>
+                <a:lstStyle/>
+                <a:p>
+                  <a:pPr algn="ctr"/>
+                  <a:endParaRPr lang="en-US" sz="1400" smtClean="0">
+                    <a:solidFill>
+                      <a:schemeClr val="tx1">
+                        <a:lumMod val="85000"/>
+                        <a:lumOff val="15000"/>
+                      </a:schemeClr>
+                    </a:solidFill>
+                  </a:endParaRPr>
+                </a:p>
+              </p:txBody>
+            </p:sp>
+            <p:pic>
+              <p:nvPicPr>
+                <p:cNvPr id="119" name="pasted-image.pdf" descr="pasted-image.pdf"/>
+                <p:cNvPicPr>
+                  <a:picLocks/>
+                </p:cNvPicPr>
+                <p:nvPr/>
+              </p:nvPicPr>
+              <p:blipFill>
+                <a:blip r:embed="rId11">
+                  <a:extLst>
+                    <a:ext uri="{BEBA8EAE-BF5A-486C-A8C5-ECC9F3942E4B}">
+                      <a14:imgProps xmlns:a14="http://schemas.microsoft.com/office/drawing/2010/main">
+                        <a14:imgLayer r:embed="rId12">
+                          <a14:imgEffect>
+                            <a14:colorTemperature colorTemp="5093"/>
+                          </a14:imgEffect>
+                        </a14:imgLayer>
+                      </a14:imgProps>
+                    </a:ext>
+                  </a:extLst>
+                </a:blip>
+                <a:stretch>
+                  <a:fillRect/>
+                </a:stretch>
+              </p:blipFill>
+              <p:spPr>
+                <a:xfrm>
+                  <a:off x="6315529" y="3248517"/>
+                  <a:ext cx="694944" cy="694944"/>
+                </a:xfrm>
+                <a:prstGeom prst="rect">
+                  <a:avLst/>
+                </a:prstGeom>
+                <a:ln w="12700" cap="flat">
+                  <a:noFill/>
+                  <a:miter lim="400000"/>
+                </a:ln>
+                <a:effectLst>
+                  <a:outerShdw blurRad="25400" dist="25400" dir="2700000" algn="tl" rotWithShape="0">
+                    <a:prstClr val="black">
+                      <a:alpha val="40000"/>
+                    </a:prstClr>
+                  </a:outerShdw>
+                </a:effectLst>
+              </p:spPr>
+            </p:pic>
+          </p:grpSp>
           <p:sp>
             <p:nvSpPr>
-              <p:cNvPr id="571" name="Rectangle 570"/>
+              <p:cNvPr id="13" name="Oval 12"/>
               <p:cNvSpPr/>
               <p:nvPr/>
             </p:nvSpPr>
             <p:spPr>
               <a:xfrm>
-                <a:off x="7044876" y="4202440"/>
-                <a:ext cx="1989192" cy="1880187"/>
+                <a:off x="8636343" y="2365742"/>
+                <a:ext cx="236838" cy="236755"/>
               </a:xfrm>
-              <a:prstGeom prst="rect">
+              <a:prstGeom prst="ellipse">
                 <a:avLst/>
               </a:prstGeom>
               <a:solidFill>
-                <a:srgbClr val="E6F4F5">
-                  <a:alpha val="80000"/>
-                </a:srgbClr>
+                <a:srgbClr val="76D6FF"/>
               </a:solidFill>
               <a:ln>
-                <a:solidFill>
-                  <a:schemeClr val="bg1">
-                    <a:lumMod val="75000"/>
-                    <a:alpha val="40000"/>
-                  </a:schemeClr>
-                </a:solidFill>
-                <a:prstDash val="dash"/>
+                <a:noFill/>
               </a:ln>
             </p:spPr>
             <p:style>
@@ -5081,815 +7446,16 @@
               </a:p>
             </p:txBody>
           </p:sp>
-          <p:grpSp>
-            <p:nvGrpSpPr>
-              <p:cNvPr id="516" name="Group 515"/>
-              <p:cNvGrpSpPr/>
-              <p:nvPr/>
-            </p:nvGrpSpPr>
-            <p:grpSpPr>
-              <a:xfrm>
-                <a:off x="7157660" y="4289336"/>
-                <a:ext cx="962406" cy="824502"/>
-                <a:chOff x="6869591" y="3822324"/>
-                <a:chExt cx="962406" cy="824502"/>
-              </a:xfrm>
-            </p:grpSpPr>
-            <p:sp>
-              <p:nvSpPr>
-                <p:cNvPr id="325" name="Hexagon 324"/>
-                <p:cNvSpPr/>
-                <p:nvPr/>
-              </p:nvSpPr>
-              <p:spPr>
-                <a:xfrm>
-                  <a:off x="6869591" y="3822324"/>
-                  <a:ext cx="962406" cy="824502"/>
-                </a:xfrm>
-                <a:prstGeom prst="hexagon">
-                  <a:avLst/>
-                </a:prstGeom>
-                <a:solidFill>
-                  <a:schemeClr val="accent6">
-                    <a:lumMod val="40000"/>
-                    <a:lumOff val="60000"/>
-                  </a:schemeClr>
-                </a:solidFill>
-                <a:ln>
-                  <a:noFill/>
-                </a:ln>
-                <a:effectLst>
-                  <a:outerShdw blurRad="12700" dist="12700" dir="2700000" algn="tl" rotWithShape="0">
-                    <a:prstClr val="black">
-                      <a:alpha val="40000"/>
-                    </a:prstClr>
-                  </a:outerShdw>
-                </a:effectLst>
-              </p:spPr>
-              <p:style>
-                <a:lnRef idx="2">
-                  <a:schemeClr val="accent1">
-                    <a:shade val="50000"/>
-                  </a:schemeClr>
-                </a:lnRef>
-                <a:fillRef idx="1">
-                  <a:schemeClr val="accent1"/>
-                </a:fillRef>
-                <a:effectRef idx="0">
-                  <a:schemeClr val="accent1"/>
-                </a:effectRef>
-                <a:fontRef idx="minor">
-                  <a:schemeClr val="lt1"/>
-                </a:fontRef>
-              </p:style>
-              <p:txBody>
-                <a:bodyPr wrap="none" rtlCol="0" anchor="ctr"/>
-                <a:lstStyle/>
-                <a:p>
-                  <a:pPr algn="ctr"/>
-                  <a:endParaRPr lang="en-US" sz="1400" smtClean="0">
-                    <a:solidFill>
-                      <a:schemeClr val="tx1">
-                        <a:lumMod val="85000"/>
-                        <a:lumOff val="15000"/>
-                      </a:schemeClr>
-                    </a:solidFill>
-                  </a:endParaRPr>
-                </a:p>
-              </p:txBody>
-            </p:sp>
-            <p:grpSp>
-              <p:nvGrpSpPr>
-                <p:cNvPr id="513" name="Group 512"/>
-                <p:cNvGrpSpPr/>
-                <p:nvPr/>
-              </p:nvGrpSpPr>
-              <p:grpSpPr>
-                <a:xfrm>
-                  <a:off x="7014134" y="3881375"/>
-                  <a:ext cx="673321" cy="706400"/>
-                  <a:chOff x="7014134" y="3881375"/>
-                  <a:chExt cx="673321" cy="706400"/>
-                </a:xfrm>
-              </p:grpSpPr>
-              <p:pic>
-                <p:nvPicPr>
-                  <p:cNvPr id="327" name="pasted-image.pdf" descr="pasted-image.pdf"/>
-                  <p:cNvPicPr>
-                    <a:picLocks noChangeAspect="1"/>
-                  </p:cNvPicPr>
-                  <p:nvPr/>
-                </p:nvPicPr>
-                <p:blipFill>
-                  <a:blip r:embed="rId12">
-                    <a:extLst>
-                      <a:ext uri="{BEBA8EAE-BF5A-486C-A8C5-ECC9F3942E4B}">
-                        <a14:imgProps xmlns:a14="http://schemas.microsoft.com/office/drawing/2010/main">
-                          <a14:imgLayer r:embed="rId13">
-                            <a14:imgEffect>
-                              <a14:colorTemperature colorTemp="5093"/>
-                            </a14:imgEffect>
-                          </a14:imgLayer>
-                        </a14:imgProps>
-                      </a:ext>
-                    </a:extLst>
-                  </a:blip>
-                  <a:stretch>
-                    <a:fillRect/>
-                  </a:stretch>
-                </p:blipFill>
-                <p:spPr>
-                  <a:xfrm>
-                    <a:off x="7152940" y="3881375"/>
-                    <a:ext cx="534515" cy="549875"/>
-                  </a:xfrm>
-                  <a:prstGeom prst="rect">
-                    <a:avLst/>
-                  </a:prstGeom>
-                  <a:ln w="12700" cap="flat">
-                    <a:noFill/>
-                    <a:miter lim="400000"/>
-                  </a:ln>
-                  <a:effectLst>
-                    <a:outerShdw blurRad="25400" dist="25400" dir="2700000" algn="tl" rotWithShape="0">
-                      <a:prstClr val="black">
-                        <a:alpha val="40000"/>
-                      </a:prstClr>
-                    </a:outerShdw>
-                  </a:effectLst>
-                </p:spPr>
-              </p:pic>
-              <p:pic>
-                <p:nvPicPr>
-                  <p:cNvPr id="328" name="pasted-image.pdf" descr="pasted-image.pdf"/>
-                  <p:cNvPicPr>
-                    <a:picLocks noChangeAspect="1"/>
-                  </p:cNvPicPr>
-                  <p:nvPr/>
-                </p:nvPicPr>
-                <p:blipFill>
-                  <a:blip r:embed="rId12">
-                    <a:extLst>
-                      <a:ext uri="{BEBA8EAE-BF5A-486C-A8C5-ECC9F3942E4B}">
-                        <a14:imgProps xmlns:a14="http://schemas.microsoft.com/office/drawing/2010/main">
-                          <a14:imgLayer r:embed="rId13">
-                            <a14:imgEffect>
-                              <a14:colorTemperature colorTemp="5093"/>
-                            </a14:imgEffect>
-                          </a14:imgLayer>
-                        </a14:imgProps>
-                      </a:ext>
-                    </a:extLst>
-                  </a:blip>
-                  <a:stretch>
-                    <a:fillRect/>
-                  </a:stretch>
-                </p:blipFill>
-                <p:spPr>
-                  <a:xfrm>
-                    <a:off x="7092895" y="3957575"/>
-                    <a:ext cx="534515" cy="549875"/>
-                  </a:xfrm>
-                  <a:prstGeom prst="rect">
-                    <a:avLst/>
-                  </a:prstGeom>
-                  <a:ln w="12700" cap="flat">
-                    <a:noFill/>
-                    <a:miter lim="400000"/>
-                  </a:ln>
-                  <a:effectLst>
-                    <a:outerShdw blurRad="25400" dist="25400" dir="2700000" algn="tl" rotWithShape="0">
-                      <a:prstClr val="black">
-                        <a:alpha val="40000"/>
-                      </a:prstClr>
-                    </a:outerShdw>
-                  </a:effectLst>
-                </p:spPr>
-              </p:pic>
-              <p:pic>
-                <p:nvPicPr>
-                  <p:cNvPr id="330" name="pasted-image.pdf" descr="pasted-image.pdf"/>
-                  <p:cNvPicPr>
-                    <a:picLocks noChangeAspect="1"/>
-                  </p:cNvPicPr>
-                  <p:nvPr/>
-                </p:nvPicPr>
-                <p:blipFill>
-                  <a:blip r:embed="rId12">
-                    <a:extLst>
-                      <a:ext uri="{BEBA8EAE-BF5A-486C-A8C5-ECC9F3942E4B}">
-                        <a14:imgProps xmlns:a14="http://schemas.microsoft.com/office/drawing/2010/main">
-                          <a14:imgLayer r:embed="rId13">
-                            <a14:imgEffect>
-                              <a14:colorTemperature colorTemp="5093"/>
-                            </a14:imgEffect>
-                          </a14:imgLayer>
-                        </a14:imgProps>
-                      </a:ext>
-                    </a:extLst>
-                  </a:blip>
-                  <a:stretch>
-                    <a:fillRect/>
-                  </a:stretch>
-                </p:blipFill>
-                <p:spPr>
-                  <a:xfrm>
-                    <a:off x="7014134" y="4037900"/>
-                    <a:ext cx="534515" cy="549875"/>
-                  </a:xfrm>
-                  <a:prstGeom prst="rect">
-                    <a:avLst/>
-                  </a:prstGeom>
-                  <a:ln w="12700" cap="flat">
-                    <a:noFill/>
-                    <a:miter lim="400000"/>
-                  </a:ln>
-                  <a:effectLst>
-                    <a:outerShdw blurRad="25400" dist="25400" dir="2700000" algn="tl" rotWithShape="0">
-                      <a:prstClr val="black">
-                        <a:alpha val="40000"/>
-                      </a:prstClr>
-                    </a:outerShdw>
-                  </a:effectLst>
-                </p:spPr>
-              </p:pic>
-              <p:pic>
-                <p:nvPicPr>
-                  <p:cNvPr id="512" name="Picture 511"/>
-                  <p:cNvPicPr>
-                    <a:picLocks noChangeAspect="1"/>
-                  </p:cNvPicPr>
-                  <p:nvPr/>
-                </p:nvPicPr>
-                <p:blipFill>
-                  <a:blip r:embed="rId18">
-                    <a:extLst>
-                      <a:ext uri="{28A0092B-C50C-407E-A947-70E740481C1C}">
-                        <a14:useLocalDpi xmlns:a14="http://schemas.microsoft.com/office/drawing/2010/main" val="0"/>
-                      </a:ext>
-                    </a:extLst>
-                  </a:blip>
-                  <a:stretch>
-                    <a:fillRect/>
-                  </a:stretch>
-                </p:blipFill>
-                <p:spPr>
-                  <a:xfrm>
-                    <a:off x="7116774" y="4150963"/>
-                    <a:ext cx="322097" cy="322097"/>
-                  </a:xfrm>
-                  <a:prstGeom prst="rect">
-                    <a:avLst/>
-                  </a:prstGeom>
-                </p:spPr>
-              </p:pic>
-            </p:grpSp>
-          </p:grpSp>
-          <p:grpSp>
-            <p:nvGrpSpPr>
-              <p:cNvPr id="542" name="Group 541"/>
-              <p:cNvGrpSpPr/>
-              <p:nvPr/>
-            </p:nvGrpSpPr>
-            <p:grpSpPr>
-              <a:xfrm>
-                <a:off x="7152718" y="5183140"/>
-                <a:ext cx="962406" cy="824502"/>
-                <a:chOff x="7152718" y="5183140"/>
-                <a:chExt cx="962406" cy="824502"/>
-              </a:xfrm>
-            </p:grpSpPr>
-            <p:sp>
-              <p:nvSpPr>
-                <p:cNvPr id="443" name="Hexagon 442"/>
-                <p:cNvSpPr/>
-                <p:nvPr/>
-              </p:nvSpPr>
-              <p:spPr>
-                <a:xfrm>
-                  <a:off x="7152718" y="5183140"/>
-                  <a:ext cx="962406" cy="824502"/>
-                </a:xfrm>
-                <a:prstGeom prst="hexagon">
-                  <a:avLst/>
-                </a:prstGeom>
-                <a:solidFill>
-                  <a:schemeClr val="accent6">
-                    <a:lumMod val="40000"/>
-                    <a:lumOff val="60000"/>
-                  </a:schemeClr>
-                </a:solidFill>
-                <a:ln>
-                  <a:noFill/>
-                </a:ln>
-                <a:effectLst>
-                  <a:outerShdw blurRad="12700" dist="12700" dir="2700000" algn="tl" rotWithShape="0">
-                    <a:prstClr val="black">
-                      <a:alpha val="40000"/>
-                    </a:prstClr>
-                  </a:outerShdw>
-                </a:effectLst>
-              </p:spPr>
-              <p:style>
-                <a:lnRef idx="2">
-                  <a:schemeClr val="accent1">
-                    <a:shade val="50000"/>
-                  </a:schemeClr>
-                </a:lnRef>
-                <a:fillRef idx="1">
-                  <a:schemeClr val="accent1"/>
-                </a:fillRef>
-                <a:effectRef idx="0">
-                  <a:schemeClr val="accent1"/>
-                </a:effectRef>
-                <a:fontRef idx="minor">
-                  <a:schemeClr val="lt1"/>
-                </a:fontRef>
-              </p:style>
-              <p:txBody>
-                <a:bodyPr wrap="none" rtlCol="0" anchor="ctr"/>
-                <a:lstStyle/>
-                <a:p>
-                  <a:pPr algn="ctr"/>
-                  <a:endParaRPr lang="en-US" sz="1400" smtClean="0">
-                    <a:solidFill>
-                      <a:schemeClr val="tx1">
-                        <a:lumMod val="85000"/>
-                        <a:lumOff val="15000"/>
-                      </a:schemeClr>
-                    </a:solidFill>
-                  </a:endParaRPr>
-                </a:p>
-              </p:txBody>
-            </p:sp>
-            <p:grpSp>
-              <p:nvGrpSpPr>
-                <p:cNvPr id="541" name="Group 540"/>
-                <p:cNvGrpSpPr/>
-                <p:nvPr/>
-              </p:nvGrpSpPr>
-              <p:grpSpPr>
-                <a:xfrm>
-                  <a:off x="7297261" y="5242191"/>
-                  <a:ext cx="673321" cy="706400"/>
-                  <a:chOff x="7297261" y="5242191"/>
-                  <a:chExt cx="673321" cy="706400"/>
-                </a:xfrm>
-              </p:grpSpPr>
-              <p:grpSp>
-                <p:nvGrpSpPr>
-                  <p:cNvPr id="444" name="Group 443"/>
-                  <p:cNvGrpSpPr/>
-                  <p:nvPr/>
-                </p:nvGrpSpPr>
-                <p:grpSpPr>
-                  <a:xfrm>
-                    <a:off x="7297261" y="5242191"/>
-                    <a:ext cx="673321" cy="706400"/>
-                    <a:chOff x="6870571" y="4152548"/>
-                    <a:chExt cx="673321" cy="706400"/>
-                  </a:xfrm>
-                </p:grpSpPr>
-                <p:pic>
-                  <p:nvPicPr>
-                    <p:cNvPr id="445" name="pasted-image.pdf" descr="pasted-image.pdf"/>
-                    <p:cNvPicPr>
-                      <a:picLocks noChangeAspect="1"/>
-                    </p:cNvPicPr>
-                    <p:nvPr/>
-                  </p:nvPicPr>
-                  <p:blipFill>
-                    <a:blip r:embed="rId12">
-                      <a:extLst>
-                        <a:ext uri="{BEBA8EAE-BF5A-486C-A8C5-ECC9F3942E4B}">
-                          <a14:imgProps xmlns:a14="http://schemas.microsoft.com/office/drawing/2010/main">
-                            <a14:imgLayer r:embed="rId13">
-                              <a14:imgEffect>
-                                <a14:colorTemperature colorTemp="5093"/>
-                              </a14:imgEffect>
-                            </a14:imgLayer>
-                          </a14:imgProps>
-                        </a:ext>
-                      </a:extLst>
-                    </a:blip>
-                    <a:stretch>
-                      <a:fillRect/>
-                    </a:stretch>
-                  </p:blipFill>
-                  <p:spPr>
-                    <a:xfrm>
-                      <a:off x="7009377" y="4152548"/>
-                      <a:ext cx="534515" cy="549875"/>
-                    </a:xfrm>
-                    <a:prstGeom prst="rect">
-                      <a:avLst/>
-                    </a:prstGeom>
-                    <a:ln w="12700" cap="flat">
-                      <a:noFill/>
-                      <a:miter lim="400000"/>
-                    </a:ln>
-                    <a:effectLst>
-                      <a:outerShdw blurRad="25400" dist="25400" dir="2700000" algn="tl" rotWithShape="0">
-                        <a:prstClr val="black">
-                          <a:alpha val="40000"/>
-                        </a:prstClr>
-                      </a:outerShdw>
-                    </a:effectLst>
-                  </p:spPr>
-                </p:pic>
-                <p:pic>
-                  <p:nvPicPr>
-                    <p:cNvPr id="446" name="pasted-image.pdf" descr="pasted-image.pdf"/>
-                    <p:cNvPicPr>
-                      <a:picLocks noChangeAspect="1"/>
-                    </p:cNvPicPr>
-                    <p:nvPr/>
-                  </p:nvPicPr>
-                  <p:blipFill>
-                    <a:blip r:embed="rId12">
-                      <a:extLst>
-                        <a:ext uri="{BEBA8EAE-BF5A-486C-A8C5-ECC9F3942E4B}">
-                          <a14:imgProps xmlns:a14="http://schemas.microsoft.com/office/drawing/2010/main">
-                            <a14:imgLayer r:embed="rId13">
-                              <a14:imgEffect>
-                                <a14:colorTemperature colorTemp="5093"/>
-                              </a14:imgEffect>
-                            </a14:imgLayer>
-                          </a14:imgProps>
-                        </a:ext>
-                      </a:extLst>
-                    </a:blip>
-                    <a:stretch>
-                      <a:fillRect/>
-                    </a:stretch>
-                  </p:blipFill>
-                  <p:spPr>
-                    <a:xfrm>
-                      <a:off x="6949332" y="4228748"/>
-                      <a:ext cx="534515" cy="549875"/>
-                    </a:xfrm>
-                    <a:prstGeom prst="rect">
-                      <a:avLst/>
-                    </a:prstGeom>
-                    <a:ln w="12700" cap="flat">
-                      <a:noFill/>
-                      <a:miter lim="400000"/>
-                    </a:ln>
-                    <a:effectLst>
-                      <a:outerShdw blurRad="25400" dist="25400" dir="2700000" algn="tl" rotWithShape="0">
-                        <a:prstClr val="black">
-                          <a:alpha val="40000"/>
-                        </a:prstClr>
-                      </a:outerShdw>
-                    </a:effectLst>
-                  </p:spPr>
-                </p:pic>
-                <p:pic>
-                  <p:nvPicPr>
-                    <p:cNvPr id="447" name="pasted-image.pdf" descr="pasted-image.pdf"/>
-                    <p:cNvPicPr>
-                      <a:picLocks noChangeAspect="1"/>
-                    </p:cNvPicPr>
-                    <p:nvPr/>
-                  </p:nvPicPr>
-                  <p:blipFill>
-                    <a:blip r:embed="rId12">
-                      <a:extLst>
-                        <a:ext uri="{BEBA8EAE-BF5A-486C-A8C5-ECC9F3942E4B}">
-                          <a14:imgProps xmlns:a14="http://schemas.microsoft.com/office/drawing/2010/main">
-                            <a14:imgLayer r:embed="rId13">
-                              <a14:imgEffect>
-                                <a14:colorTemperature colorTemp="5093"/>
-                              </a14:imgEffect>
-                            </a14:imgLayer>
-                          </a14:imgProps>
-                        </a:ext>
-                      </a:extLst>
-                    </a:blip>
-                    <a:stretch>
-                      <a:fillRect/>
-                    </a:stretch>
-                  </p:blipFill>
-                  <p:spPr>
-                    <a:xfrm>
-                      <a:off x="6870571" y="4309073"/>
-                      <a:ext cx="534515" cy="549875"/>
-                    </a:xfrm>
-                    <a:prstGeom prst="rect">
-                      <a:avLst/>
-                    </a:prstGeom>
-                    <a:ln w="12700" cap="flat">
-                      <a:noFill/>
-                      <a:miter lim="400000"/>
-                    </a:ln>
-                    <a:effectLst>
-                      <a:outerShdw blurRad="25400" dist="25400" dir="2700000" algn="tl" rotWithShape="0">
-                        <a:prstClr val="black">
-                          <a:alpha val="40000"/>
-                        </a:prstClr>
-                      </a:outerShdw>
-                    </a:effectLst>
-                  </p:spPr>
-                </p:pic>
-              </p:grpSp>
-              <p:pic>
-                <p:nvPicPr>
-                  <p:cNvPr id="129" name="Picture 128"/>
-                  <p:cNvPicPr>
-                    <a:picLocks noChangeAspect="1"/>
-                  </p:cNvPicPr>
-                  <p:nvPr/>
-                </p:nvPicPr>
-                <p:blipFill>
-                  <a:blip r:embed="rId19">
-                    <a:extLst>
-                      <a:ext uri="{28A0092B-C50C-407E-A947-70E740481C1C}">
-                        <a14:useLocalDpi xmlns:a14="http://schemas.microsoft.com/office/drawing/2010/main" val="0"/>
-                      </a:ext>
-                    </a:extLst>
-                  </a:blip>
-                  <a:stretch>
-                    <a:fillRect/>
-                  </a:stretch>
-                </p:blipFill>
-                <p:spPr>
-                  <a:xfrm>
-                    <a:off x="7432670" y="5528371"/>
-                    <a:ext cx="263695" cy="263695"/>
-                  </a:xfrm>
-                  <a:prstGeom prst="rect">
-                    <a:avLst/>
-                  </a:prstGeom>
-                  <a:effectLst>
-                    <a:outerShdw blurRad="12700" dist="12700" dir="2700000" algn="tl" rotWithShape="0">
-                      <a:prstClr val="black">
-                        <a:alpha val="40000"/>
-                      </a:prstClr>
-                    </a:outerShdw>
-                  </a:effectLst>
-                </p:spPr>
-              </p:pic>
-            </p:grpSp>
-          </p:grpSp>
-        </p:grpSp>
-        <p:grpSp>
-          <p:nvGrpSpPr>
-            <p:cNvPr id="580" name="Group 579"/>
-            <p:cNvGrpSpPr/>
-            <p:nvPr/>
-          </p:nvGrpSpPr>
-          <p:grpSpPr>
-            <a:xfrm>
-              <a:off x="7916615" y="3434266"/>
-              <a:ext cx="962406" cy="824502"/>
-              <a:chOff x="8340934" y="1854689"/>
-              <a:chExt cx="962406" cy="824502"/>
-            </a:xfrm>
-          </p:grpSpPr>
-          <p:grpSp>
-            <p:nvGrpSpPr>
-              <p:cNvPr id="592" name="Group 591"/>
-              <p:cNvGrpSpPr/>
-              <p:nvPr/>
-            </p:nvGrpSpPr>
-            <p:grpSpPr>
-              <a:xfrm>
-                <a:off x="8340934" y="1854689"/>
-                <a:ext cx="962406" cy="824502"/>
-                <a:chOff x="7152718" y="5183140"/>
-                <a:chExt cx="962406" cy="824502"/>
-              </a:xfrm>
-            </p:grpSpPr>
-            <p:sp>
-              <p:nvSpPr>
-                <p:cNvPr id="593" name="Hexagon 592"/>
-                <p:cNvSpPr/>
-                <p:nvPr/>
-              </p:nvSpPr>
-              <p:spPr>
-                <a:xfrm>
-                  <a:off x="7152718" y="5183140"/>
-                  <a:ext cx="962406" cy="824502"/>
-                </a:xfrm>
-                <a:prstGeom prst="hexagon">
-                  <a:avLst/>
-                </a:prstGeom>
-                <a:solidFill>
-                  <a:schemeClr val="accent6">
-                    <a:lumMod val="40000"/>
-                    <a:lumOff val="60000"/>
-                  </a:schemeClr>
-                </a:solidFill>
-                <a:ln>
-                  <a:noFill/>
-                </a:ln>
-                <a:effectLst>
-                  <a:outerShdw blurRad="12700" dist="12700" dir="2700000" algn="tl" rotWithShape="0">
-                    <a:prstClr val="black">
-                      <a:alpha val="40000"/>
-                    </a:prstClr>
-                  </a:outerShdw>
-                </a:effectLst>
-              </p:spPr>
-              <p:style>
-                <a:lnRef idx="2">
-                  <a:schemeClr val="accent1">
-                    <a:shade val="50000"/>
-                  </a:schemeClr>
-                </a:lnRef>
-                <a:fillRef idx="1">
-                  <a:schemeClr val="accent1"/>
-                </a:fillRef>
-                <a:effectRef idx="0">
-                  <a:schemeClr val="accent1"/>
-                </a:effectRef>
-                <a:fontRef idx="minor">
-                  <a:schemeClr val="lt1"/>
-                </a:fontRef>
-              </p:style>
-              <p:txBody>
-                <a:bodyPr wrap="none" rtlCol="0" anchor="ctr"/>
-                <a:lstStyle/>
-                <a:p>
-                  <a:pPr algn="ctr"/>
-                  <a:endParaRPr lang="en-US" sz="1400" smtClean="0">
-                    <a:solidFill>
-                      <a:schemeClr val="tx1">
-                        <a:lumMod val="85000"/>
-                        <a:lumOff val="15000"/>
-                      </a:schemeClr>
-                    </a:solidFill>
-                  </a:endParaRPr>
-                </a:p>
-              </p:txBody>
-            </p:sp>
-            <p:grpSp>
-              <p:nvGrpSpPr>
-                <p:cNvPr id="595" name="Group 594"/>
-                <p:cNvGrpSpPr/>
-                <p:nvPr/>
-              </p:nvGrpSpPr>
-              <p:grpSpPr>
-                <a:xfrm>
-                  <a:off x="7297261" y="5242191"/>
-                  <a:ext cx="673321" cy="706400"/>
-                  <a:chOff x="6870571" y="4152548"/>
-                  <a:chExt cx="673321" cy="706400"/>
-                </a:xfrm>
-              </p:grpSpPr>
-              <p:pic>
-                <p:nvPicPr>
-                  <p:cNvPr id="597" name="pasted-image.pdf" descr="pasted-image.pdf"/>
-                  <p:cNvPicPr>
-                    <a:picLocks noChangeAspect="1"/>
-                  </p:cNvPicPr>
-                  <p:nvPr/>
-                </p:nvPicPr>
-                <p:blipFill>
-                  <a:blip r:embed="rId12">
-                    <a:extLst>
-                      <a:ext uri="{BEBA8EAE-BF5A-486C-A8C5-ECC9F3942E4B}">
-                        <a14:imgProps xmlns:a14="http://schemas.microsoft.com/office/drawing/2010/main">
-                          <a14:imgLayer r:embed="rId13">
-                            <a14:imgEffect>
-                              <a14:colorTemperature colorTemp="5093"/>
-                            </a14:imgEffect>
-                          </a14:imgLayer>
-                        </a14:imgProps>
-                      </a:ext>
-                    </a:extLst>
-                  </a:blip>
-                  <a:stretch>
-                    <a:fillRect/>
-                  </a:stretch>
-                </p:blipFill>
-                <p:spPr>
-                  <a:xfrm>
-                    <a:off x="7009377" y="4152548"/>
-                    <a:ext cx="534515" cy="549875"/>
-                  </a:xfrm>
-                  <a:prstGeom prst="rect">
-                    <a:avLst/>
-                  </a:prstGeom>
-                  <a:ln w="12700" cap="flat">
-                    <a:noFill/>
-                    <a:miter lim="400000"/>
-                  </a:ln>
-                  <a:effectLst>
-                    <a:outerShdw blurRad="25400" dist="25400" dir="2700000" algn="tl" rotWithShape="0">
-                      <a:prstClr val="black">
-                        <a:alpha val="40000"/>
-                      </a:prstClr>
-                    </a:outerShdw>
-                  </a:effectLst>
-                </p:spPr>
-              </p:pic>
-              <p:pic>
-                <p:nvPicPr>
-                  <p:cNvPr id="598" name="pasted-image.pdf" descr="pasted-image.pdf"/>
-                  <p:cNvPicPr>
-                    <a:picLocks noChangeAspect="1"/>
-                  </p:cNvPicPr>
-                  <p:nvPr/>
-                </p:nvPicPr>
-                <p:blipFill>
-                  <a:blip r:embed="rId12">
-                    <a:extLst>
-                      <a:ext uri="{BEBA8EAE-BF5A-486C-A8C5-ECC9F3942E4B}">
-                        <a14:imgProps xmlns:a14="http://schemas.microsoft.com/office/drawing/2010/main">
-                          <a14:imgLayer r:embed="rId13">
-                            <a14:imgEffect>
-                              <a14:colorTemperature colorTemp="5093"/>
-                            </a14:imgEffect>
-                          </a14:imgLayer>
-                        </a14:imgProps>
-                      </a:ext>
-                    </a:extLst>
-                  </a:blip>
-                  <a:stretch>
-                    <a:fillRect/>
-                  </a:stretch>
-                </p:blipFill>
-                <p:spPr>
-                  <a:xfrm>
-                    <a:off x="6949332" y="4228748"/>
-                    <a:ext cx="534515" cy="549875"/>
-                  </a:xfrm>
-                  <a:prstGeom prst="rect">
-                    <a:avLst/>
-                  </a:prstGeom>
-                  <a:ln w="12700" cap="flat">
-                    <a:noFill/>
-                    <a:miter lim="400000"/>
-                  </a:ln>
-                  <a:effectLst>
-                    <a:outerShdw blurRad="25400" dist="25400" dir="2700000" algn="tl" rotWithShape="0">
-                      <a:prstClr val="black">
-                        <a:alpha val="40000"/>
-                      </a:prstClr>
-                    </a:outerShdw>
-                  </a:effectLst>
-                </p:spPr>
-              </p:pic>
-              <p:pic>
-                <p:nvPicPr>
-                  <p:cNvPr id="599" name="pasted-image.pdf" descr="pasted-image.pdf"/>
-                  <p:cNvPicPr>
-                    <a:picLocks noChangeAspect="1"/>
-                  </p:cNvPicPr>
-                  <p:nvPr/>
-                </p:nvPicPr>
-                <p:blipFill>
-                  <a:blip r:embed="rId12">
-                    <a:extLst>
-                      <a:ext uri="{BEBA8EAE-BF5A-486C-A8C5-ECC9F3942E4B}">
-                        <a14:imgProps xmlns:a14="http://schemas.microsoft.com/office/drawing/2010/main">
-                          <a14:imgLayer r:embed="rId13">
-                            <a14:imgEffect>
-                              <a14:colorTemperature colorTemp="5093"/>
-                            </a14:imgEffect>
-                          </a14:imgLayer>
-                        </a14:imgProps>
-                      </a:ext>
-                    </a:extLst>
-                  </a:blip>
-                  <a:stretch>
-                    <a:fillRect/>
-                  </a:stretch>
-                </p:blipFill>
-                <p:spPr>
-                  <a:xfrm>
-                    <a:off x="6870571" y="4309073"/>
-                    <a:ext cx="534515" cy="549875"/>
-                  </a:xfrm>
-                  <a:prstGeom prst="rect">
-                    <a:avLst/>
-                  </a:prstGeom>
-                  <a:ln w="12700" cap="flat">
-                    <a:noFill/>
-                    <a:miter lim="400000"/>
-                  </a:ln>
-                  <a:effectLst>
-                    <a:outerShdw blurRad="25400" dist="25400" dir="2700000" algn="tl" rotWithShape="0">
-                      <a:prstClr val="black">
-                        <a:alpha val="40000"/>
-                      </a:prstClr>
-                    </a:outerShdw>
-                  </a:effectLst>
-                </p:spPr>
-              </p:pic>
-            </p:grpSp>
-          </p:grpSp>
           <p:pic>
             <p:nvPicPr>
-              <p:cNvPr id="644" name="Picture 643"/>
+              <p:cNvPr id="134" name="Picture 133"/>
               <p:cNvPicPr>
                 <a:picLocks noChangeAspect="1"/>
               </p:cNvPicPr>
               <p:nvPr/>
             </p:nvPicPr>
             <p:blipFill>
-              <a:blip r:embed="rId20">
+              <a:blip r:embed="rId19">
                 <a:extLst>
                   <a:ext uri="{28A0092B-C50C-407E-A947-70E740481C1C}">
                     <a14:useLocalDpi xmlns:a14="http://schemas.microsoft.com/office/drawing/2010/main" val="0"/>
@@ -5902,20 +7468,109 @@
             </p:blipFill>
             <p:spPr>
               <a:xfrm>
-                <a:off x="8599828" y="2199916"/>
-                <a:ext cx="292931" cy="279165"/>
+                <a:off x="8426366" y="2317522"/>
+                <a:ext cx="584310" cy="299059"/>
               </a:xfrm>
               <a:prstGeom prst="rect">
                 <a:avLst/>
               </a:prstGeom>
+              <a:effectLst>
+                <a:outerShdw dist="12700" dir="2700000" algn="tl" rotWithShape="0">
+                  <a:schemeClr val="bg1">
+                    <a:alpha val="40000"/>
+                  </a:schemeClr>
+                </a:outerShdw>
+              </a:effectLst>
             </p:spPr>
           </p:pic>
         </p:grpSp>
       </p:grpSp>
+      <p:pic>
+        <p:nvPicPr>
+          <p:cNvPr id="614" name="Picture 613"/>
+          <p:cNvPicPr>
+            <a:picLocks noChangeAspect="1"/>
+          </p:cNvPicPr>
+          <p:nvPr/>
+        </p:nvPicPr>
+        <p:blipFill>
+          <a:blip r:embed="rId20">
+            <a:extLst>
+              <a:ext uri="{28A0092B-C50C-407E-A947-70E740481C1C}">
+                <a14:useLocalDpi xmlns:a14="http://schemas.microsoft.com/office/drawing/2010/main" val="0"/>
+              </a:ext>
+            </a:extLst>
+          </a:blip>
+          <a:stretch>
+            <a:fillRect/>
+          </a:stretch>
+        </p:blipFill>
+        <p:spPr>
+          <a:xfrm>
+            <a:off x="6229488" y="2025029"/>
+            <a:ext cx="482678" cy="296448"/>
+          </a:xfrm>
+          <a:prstGeom prst="rect">
+            <a:avLst/>
+          </a:prstGeom>
+          <a:effectLst>
+            <a:outerShdw blurRad="12700" dist="12700" dir="2700000" algn="tl" rotWithShape="0">
+              <a:schemeClr val="bg1">
+                <a:alpha val="40000"/>
+              </a:schemeClr>
+            </a:outerShdw>
+          </a:effectLst>
+        </p:spPr>
+      </p:pic>
+      <p:cxnSp>
+        <p:nvCxnSpPr>
+          <p:cNvPr id="80" name="Elbow Connector 79"/>
+          <p:cNvCxnSpPr>
+            <a:stCxn id="216" idx="3"/>
+            <a:endCxn id="571" idx="1"/>
+          </p:cNvCxnSpPr>
+          <p:nvPr/>
+        </p:nvCxnSpPr>
+        <p:spPr>
+          <a:xfrm flipV="1">
+            <a:off x="5791200" y="3299878"/>
+            <a:ext cx="239883" cy="4688"/>
+          </a:xfrm>
+          <a:prstGeom prst="bentConnector3">
+            <a:avLst>
+              <a:gd name="adj1" fmla="val 50000"/>
+            </a:avLst>
+          </a:prstGeom>
+          <a:ln w="9525">
+            <a:solidFill>
+              <a:schemeClr val="accent4">
+                <a:lumMod val="75000"/>
+              </a:schemeClr>
+            </a:solidFill>
+            <a:prstDash val="sysDash"/>
+            <a:headEnd type="arrow" w="sm" len="med"/>
+            <a:tailEnd type="arrow" w="sm" len="med"/>
+          </a:ln>
+        </p:spPr>
+        <p:style>
+          <a:lnRef idx="1">
+            <a:schemeClr val="accent1"/>
+          </a:lnRef>
+          <a:fillRef idx="0">
+            <a:schemeClr val="accent1"/>
+          </a:fillRef>
+          <a:effectRef idx="0">
+            <a:schemeClr val="accent1"/>
+          </a:effectRef>
+          <a:fontRef idx="minor">
+            <a:schemeClr val="tx1"/>
+          </a:fontRef>
+        </p:style>
+      </p:cxnSp>
     </p:spTree>
     <p:extLst>
       <p:ext uri="{BB962C8B-B14F-4D97-AF65-F5344CB8AC3E}">
-        <p14:creationId xmlns:p14="http://schemas.microsoft.com/office/powerpoint/2010/main" val="1120642501"/>
+        <p14:creationId xmlns:p14="http://schemas.microsoft.com/office/powerpoint/2010/main" val="246109707"/>
       </p:ext>
     </p:extLst>
   </p:cSld>
